--- a/outputs/doe_analysis_report.pptx
+++ b/outputs/doe_analysis_report.pptx
@@ -30,6 +30,38 @@
     <p:sldId id="278" r:id="rId29"/>
     <p:sldId id="279" r:id="rId30"/>
     <p:sldId id="280" r:id="rId31"/>
+    <p:sldId id="281" r:id="rId32"/>
+    <p:sldId id="282" r:id="rId33"/>
+    <p:sldId id="283" r:id="rId34"/>
+    <p:sldId id="284" r:id="rId35"/>
+    <p:sldId id="285" r:id="rId36"/>
+    <p:sldId id="286" r:id="rId37"/>
+    <p:sldId id="287" r:id="rId38"/>
+    <p:sldId id="288" r:id="rId39"/>
+    <p:sldId id="289" r:id="rId40"/>
+    <p:sldId id="290" r:id="rId41"/>
+    <p:sldId id="291" r:id="rId42"/>
+    <p:sldId id="292" r:id="rId43"/>
+    <p:sldId id="293" r:id="rId44"/>
+    <p:sldId id="294" r:id="rId45"/>
+    <p:sldId id="295" r:id="rId46"/>
+    <p:sldId id="296" r:id="rId47"/>
+    <p:sldId id="297" r:id="rId48"/>
+    <p:sldId id="298" r:id="rId49"/>
+    <p:sldId id="299" r:id="rId50"/>
+    <p:sldId id="300" r:id="rId51"/>
+    <p:sldId id="301" r:id="rId52"/>
+    <p:sldId id="302" r:id="rId53"/>
+    <p:sldId id="303" r:id="rId54"/>
+    <p:sldId id="304" r:id="rId55"/>
+    <p:sldId id="305" r:id="rId56"/>
+    <p:sldId id="306" r:id="rId57"/>
+    <p:sldId id="307" r:id="rId58"/>
+    <p:sldId id="308" r:id="rId59"/>
+    <p:sldId id="309" r:id="rId60"/>
+    <p:sldId id="310" r:id="rId61"/>
+    <p:sldId id="311" r:id="rId62"/>
+    <p:sldId id="312" r:id="rId63"/>
   </p:sldIdLst>
   <p:sldSz cx="9144000" cy="6858000" type="screen4x3"/>
   <p:notesSz cx="6858000" cy="9144000"/>
@@ -3238,7 +3270,7 @@
               </a:defRPr>
             </a:pPr>
             <a:r>
-              <a:t>Analysis Chart 9</a:t>
+              <a:t>Leverage Plot 4</a:t>
             </a:r>
           </a:p>
         </p:txBody>
@@ -3350,7 +3382,7 @@
               </a:defRPr>
             </a:pPr>
             <a:r>
-              <a:t>Analysis Chart 10</a:t>
+              <a:t>Leverage Plot 5</a:t>
             </a:r>
           </a:p>
         </p:txBody>
@@ -3462,7 +3494,7 @@
               </a:defRPr>
             </a:pPr>
             <a:r>
-              <a:t>Analysis Chart 11</a:t>
+              <a:t>Leverage Plot 6</a:t>
             </a:r>
           </a:p>
         </p:txBody>
@@ -3574,7 +3606,7 @@
               </a:defRPr>
             </a:pPr>
             <a:r>
-              <a:t>Analysis Chart 12</a:t>
+              <a:t>Leverage Plot 7</a:t>
             </a:r>
           </a:p>
         </p:txBody>
@@ -3686,7 +3718,7 @@
               </a:defRPr>
             </a:pPr>
             <a:r>
-              <a:t>Analysis Chart 13</a:t>
+              <a:t>Leverage Plot 8</a:t>
             </a:r>
           </a:p>
         </p:txBody>
@@ -3798,7 +3830,7 @@
               </a:defRPr>
             </a:pPr>
             <a:r>
-              <a:t>Analysis Chart 14</a:t>
+              <a:t>Leverage Plot 9</a:t>
             </a:r>
           </a:p>
         </p:txBody>
@@ -3910,7 +3942,7 @@
               </a:defRPr>
             </a:pPr>
             <a:r>
-              <a:t>Analysis Chart 15</a:t>
+              <a:t>Leverage Plot 10</a:t>
             </a:r>
           </a:p>
         </p:txBody>
@@ -4022,7 +4054,7 @@
               </a:defRPr>
             </a:pPr>
             <a:r>
-              <a:t>Analysis Chart 16</a:t>
+              <a:t>Leverage Plot 11</a:t>
             </a:r>
           </a:p>
         </p:txBody>
@@ -4134,7 +4166,7 @@
               </a:defRPr>
             </a:pPr>
             <a:r>
-              <a:t>Analysis Chart 17</a:t>
+              <a:t>Leverage Plot 12</a:t>
             </a:r>
           </a:p>
         </p:txBody>
@@ -4246,7 +4278,7 @@
               </a:defRPr>
             </a:pPr>
             <a:r>
-              <a:t>Analysis Chart 18</a:t>
+              <a:t>Leverage Plot 13</a:t>
             </a:r>
           </a:p>
         </p:txBody>
@@ -4358,7 +4390,7 @@
               </a:defRPr>
             </a:pPr>
             <a:r>
-              <a:t>Analysis Chart 1</a:t>
+              <a:t>Model Fit Diagram</a:t>
             </a:r>
           </a:p>
         </p:txBody>
@@ -4470,7 +4502,7 @@
               </a:defRPr>
             </a:pPr>
             <a:r>
-              <a:t>Analysis Chart 19</a:t>
+              <a:t>Leverage Plot 14</a:t>
             </a:r>
           </a:p>
         </p:txBody>
@@ -4582,7 +4614,7 @@
               </a:defRPr>
             </a:pPr>
             <a:r>
-              <a:t>Analysis Chart 20</a:t>
+              <a:t>Leverage Plot 15</a:t>
             </a:r>
           </a:p>
         </p:txBody>
@@ -4694,7 +4726,7 @@
               </a:defRPr>
             </a:pPr>
             <a:r>
-              <a:t>Results Table 1</a:t>
+              <a:t>Leverage Plot 16</a:t>
             </a:r>
           </a:p>
         </p:txBody>
@@ -4734,140 +4766,30 @@
           </a:fontRef>
         </p:style>
       </p:cxnSp>
-      <p:graphicFrame>
-        <p:nvGraphicFramePr>
-          <p:cNvPr id="4" name="Table 3"/>
-          <p:cNvGraphicFramePr>
-            <a:graphicFrameLocks noGrp="1"/>
-          </p:cNvGraphicFramePr>
-          <p:nvPr/>
-        </p:nvGraphicFramePr>
-        <p:xfrm>
-          <a:off x="457200" y="1280160"/>
-          <a:ext cx="8229600" cy="4114800"/>
-        </p:xfrm>
-        <a:graphic>
-          <a:graphicData uri="http://schemas.openxmlformats.org/drawingml/2006/table">
-            <a:tbl>
-              <a:tblPr firstRow="1" bandRow="1">
-                <a:tableStyleId>{5C22544A-7EE6-4342-B048-85BDC9FD1C3A}</a:tableStyleId>
-              </a:tblPr>
-              <a:tblGrid>
-                <a:gridCol w="4114800"/>
-                <a:gridCol w="4114800"/>
-              </a:tblGrid>
-              <a:tr h="1371600">
-                <a:tc>
-                  <a:txBody>
-                    <a:bodyPr/>
-                    <a:lstStyle/>
-                    <a:p>
-                      <a:r>
-                        <a:rPr sz="1100" b="1">
-                          <a:solidFill>
-                            <a:srgbClr val="FFFFFF"/>
-                          </a:solidFill>
-                        </a:rPr>
-                        <a:t>Fan Speed Range</a:t>
-                      </a:r>
-                    </a:p>
-                  </a:txBody>
-                  <a:tcPr>
-                    <a:solidFill>
-                      <a:srgbClr val="1F4E79"/>
-                    </a:solidFill>
-                  </a:tcPr>
-                </a:tc>
-                <a:tc>
-                  <a:txBody>
-                    <a:bodyPr/>
-                    <a:lstStyle/>
-                    <a:p>
-                      <a:r>
-                        <a:rPr sz="1100" b="1">
-                          <a:solidFill>
-                            <a:srgbClr val="FFFFFF"/>
-                          </a:solidFill>
-                        </a:rPr>
-                        <a:t>Average Predicted Temperature (Â°C)</a:t>
-                      </a:r>
-                    </a:p>
-                  </a:txBody>
-                  <a:tcPr>
-                    <a:solidFill>
-                      <a:srgbClr val="1F4E79"/>
-                    </a:solidFill>
-                  </a:tcPr>
-                </a:tc>
-              </a:tr>
-              <a:tr h="1371600">
-                <a:tc>
-                  <a:txBody>
-                    <a:bodyPr/>
-                    <a:lstStyle/>
-                    <a:p>
-                      <a:r>
-                        <a:rPr sz="1000"/>
-                        <a:t>Low Speed (L)</a:t>
-                      </a:r>
-                    </a:p>
-                  </a:txBody>
-                  <a:tcPr>
-                    <a:solidFill>
-                      <a:srgbClr val="F2F2F2"/>
-                    </a:solidFill>
-                  </a:tcPr>
-                </a:tc>
-                <a:tc>
-                  <a:txBody>
-                    <a:bodyPr/>
-                    <a:lstStyle/>
-                    <a:p>
-                      <a:r>
-                        <a:rPr sz="1000"/>
-                        <a:t>65.3966</a:t>
-                      </a:r>
-                    </a:p>
-                  </a:txBody>
-                  <a:tcPr>
-                    <a:solidFill>
-                      <a:srgbClr val="F2F2F2"/>
-                    </a:solidFill>
-                  </a:tcPr>
-                </a:tc>
-              </a:tr>
-              <a:tr h="1371600">
-                <a:tc>
-                  <a:txBody>
-                    <a:bodyPr/>
-                    <a:lstStyle/>
-                    <a:p>
-                      <a:r>
-                        <a:rPr sz="1000"/>
-                        <a:t>High Speed (H)</a:t>
-                      </a:r>
-                    </a:p>
-                  </a:txBody>
-                  <a:tcPr/>
-                </a:tc>
-                <a:tc>
-                  <a:txBody>
-                    <a:bodyPr/>
-                    <a:lstStyle/>
-                    <a:p>
-                      <a:r>
-                        <a:rPr sz="1000"/>
-                        <a:t>65.0873</a:t>
-                      </a:r>
-                    </a:p>
-                  </a:txBody>
-                  <a:tcPr/>
-                </a:tc>
-              </a:tr>
-            </a:tbl>
-          </a:graphicData>
-        </a:graphic>
-      </p:graphicFrame>
+      <p:pic>
+        <p:nvPicPr>
+          <p:cNvPr id="4" name="Picture 3" descr="image.png"/>
+          <p:cNvPicPr>
+            <a:picLocks noChangeAspect="1"/>
+          </p:cNvPicPr>
+          <p:nvPr/>
+        </p:nvPicPr>
+        <p:blipFill>
+          <a:blip r:embed="rId2"/>
+          <a:stretch>
+            <a:fillRect/>
+          </a:stretch>
+        </p:blipFill>
+        <p:spPr>
+          <a:xfrm>
+            <a:off x="914400" y="1280160"/>
+            <a:ext cx="7315200" cy="4180114"/>
+          </a:xfrm>
+          <a:prstGeom prst="rect">
+            <a:avLst/>
+          </a:prstGeom>
+        </p:spPr>
+      </p:pic>
     </p:spTree>
   </p:cSld>
   <p:clrMapOvr>
@@ -4916,7 +4838,7 @@
               </a:defRPr>
             </a:pPr>
             <a:r>
-              <a:t>Results Table 2</a:t>
+              <a:t>Leverage Plot 17</a:t>
             </a:r>
           </a:p>
         </p:txBody>
@@ -4956,900 +4878,30 @@
           </a:fontRef>
         </p:style>
       </p:cxnSp>
-      <p:graphicFrame>
-        <p:nvGraphicFramePr>
-          <p:cNvPr id="4" name="Table 3"/>
-          <p:cNvGraphicFramePr>
-            <a:graphicFrameLocks noGrp="1"/>
-          </p:cNvGraphicFramePr>
-          <p:nvPr/>
-        </p:nvGraphicFramePr>
-        <p:xfrm>
-          <a:off x="457200" y="1280160"/>
-          <a:ext cx="8229600" cy="4114800"/>
-        </p:xfrm>
-        <a:graphic>
-          <a:graphicData uri="http://schemas.openxmlformats.org/drawingml/2006/table">
-            <a:tbl>
-              <a:tblPr firstRow="1" bandRow="1">
-                <a:tableStyleId>{5C22544A-7EE6-4342-B048-85BDC9FD1C3A}</a:tableStyleId>
-              </a:tblPr>
-              <a:tblGrid>
-                <a:gridCol w="1371600"/>
-                <a:gridCol w="1371600"/>
-                <a:gridCol w="1371600"/>
-                <a:gridCol w="1371600"/>
-                <a:gridCol w="1371600"/>
-                <a:gridCol w="1371600"/>
-              </a:tblGrid>
-              <a:tr h="457200">
-                <a:tc>
-                  <a:txBody>
-                    <a:bodyPr/>
-                    <a:lstStyle/>
-                    <a:p>
-                      <a:r>
-                        <a:rPr sz="1100" b="1">
-                          <a:solidFill>
-                            <a:srgbClr val="FFFFFF"/>
-                          </a:solidFill>
-                        </a:rPr>
-                        <a:t>Unnamed: 0</a:t>
-                      </a:r>
-                    </a:p>
-                  </a:txBody>
-                  <a:tcPr>
-                    <a:solidFill>
-                      <a:srgbClr val="1F4E79"/>
-                    </a:solidFill>
-                  </a:tcPr>
-                </a:tc>
-                <a:tc>
-                  <a:txBody>
-                    <a:bodyPr/>
-                    <a:lstStyle/>
-                    <a:p>
-                      <a:r>
-                        <a:rPr sz="1100" b="1">
-                          <a:solidFill>
-                            <a:srgbClr val="FFFFFF"/>
-                          </a:solidFill>
-                        </a:rPr>
-                        <a:t>df</a:t>
-                      </a:r>
-                    </a:p>
-                  </a:txBody>
-                  <a:tcPr>
-                    <a:solidFill>
-                      <a:srgbClr val="1F4E79"/>
-                    </a:solidFill>
-                  </a:tcPr>
-                </a:tc>
-                <a:tc>
-                  <a:txBody>
-                    <a:bodyPr/>
-                    <a:lstStyle/>
-                    <a:p>
-                      <a:r>
-                        <a:rPr sz="1100" b="1">
-                          <a:solidFill>
-                            <a:srgbClr val="FFFFFF"/>
-                          </a:solidFill>
-                        </a:rPr>
-                        <a:t>sum_sq</a:t>
-                      </a:r>
-                    </a:p>
-                  </a:txBody>
-                  <a:tcPr>
-                    <a:solidFill>
-                      <a:srgbClr val="1F4E79"/>
-                    </a:solidFill>
-                  </a:tcPr>
-                </a:tc>
-                <a:tc>
-                  <a:txBody>
-                    <a:bodyPr/>
-                    <a:lstStyle/>
-                    <a:p>
-                      <a:r>
-                        <a:rPr sz="1100" b="1">
-                          <a:solidFill>
-                            <a:srgbClr val="FFFFFF"/>
-                          </a:solidFill>
-                        </a:rPr>
-                        <a:t>mean_sq</a:t>
-                      </a:r>
-                    </a:p>
-                  </a:txBody>
-                  <a:tcPr>
-                    <a:solidFill>
-                      <a:srgbClr val="1F4E79"/>
-                    </a:solidFill>
-                  </a:tcPr>
-                </a:tc>
-                <a:tc>
-                  <a:txBody>
-                    <a:bodyPr/>
-                    <a:lstStyle/>
-                    <a:p>
-                      <a:r>
-                        <a:rPr sz="1100" b="1">
-                          <a:solidFill>
-                            <a:srgbClr val="FFFFFF"/>
-                          </a:solidFill>
-                        </a:rPr>
-                        <a:t>F</a:t>
-                      </a:r>
-                    </a:p>
-                  </a:txBody>
-                  <a:tcPr>
-                    <a:solidFill>
-                      <a:srgbClr val="1F4E79"/>
-                    </a:solidFill>
-                  </a:tcPr>
-                </a:tc>
-                <a:tc>
-                  <a:txBody>
-                    <a:bodyPr/>
-                    <a:lstStyle/>
-                    <a:p>
-                      <a:r>
-                        <a:rPr sz="1100" b="1">
-                          <a:solidFill>
-                            <a:srgbClr val="FFFFFF"/>
-                          </a:solidFill>
-                        </a:rPr>
-                        <a:t>PR(&gt;F)</a:t>
-                      </a:r>
-                    </a:p>
-                  </a:txBody>
-                  <a:tcPr>
-                    <a:solidFill>
-                      <a:srgbClr val="1F4E79"/>
-                    </a:solidFill>
-                  </a:tcPr>
-                </a:tc>
-              </a:tr>
-              <a:tr h="457200">
-                <a:tc>
-                  <a:txBody>
-                    <a:bodyPr/>
-                    <a:lstStyle/>
-                    <a:p>
-                      <a:r>
-                        <a:rPr sz="1000"/>
-                        <a:t>Transceiver_Manufacturer</a:t>
-                      </a:r>
-                    </a:p>
-                  </a:txBody>
-                  <a:tcPr>
-                    <a:solidFill>
-                      <a:srgbClr val="F2F2F2"/>
-                    </a:solidFill>
-                  </a:tcPr>
-                </a:tc>
-                <a:tc>
-                  <a:txBody>
-                    <a:bodyPr/>
-                    <a:lstStyle/>
-                    <a:p>
-                      <a:r>
-                        <a:rPr sz="1000"/>
-                        <a:t>9</a:t>
-                      </a:r>
-                    </a:p>
-                  </a:txBody>
-                  <a:tcPr>
-                    <a:solidFill>
-                      <a:srgbClr val="F2F2F2"/>
-                    </a:solidFill>
-                  </a:tcPr>
-                </a:tc>
-                <a:tc>
-                  <a:txBody>
-                    <a:bodyPr/>
-                    <a:lstStyle/>
-                    <a:p>
-                      <a:r>
-                        <a:rPr sz="1000"/>
-                        <a:t>3416.87</a:t>
-                      </a:r>
-                    </a:p>
-                  </a:txBody>
-                  <a:tcPr>
-                    <a:solidFill>
-                      <a:srgbClr val="F2F2F2"/>
-                    </a:solidFill>
-                  </a:tcPr>
-                </a:tc>
-                <a:tc>
-                  <a:txBody>
-                    <a:bodyPr/>
-                    <a:lstStyle/>
-                    <a:p>
-                      <a:r>
-                        <a:rPr sz="1000"/>
-                        <a:t>379.652</a:t>
-                      </a:r>
-                    </a:p>
-                  </a:txBody>
-                  <a:tcPr>
-                    <a:solidFill>
-                      <a:srgbClr val="F2F2F2"/>
-                    </a:solidFill>
-                  </a:tcPr>
-                </a:tc>
-                <a:tc>
-                  <a:txBody>
-                    <a:bodyPr/>
-                    <a:lstStyle/>
-                    <a:p>
-                      <a:r>
-                        <a:rPr sz="1000"/>
-                        <a:t>217.728</a:t>
-                      </a:r>
-                    </a:p>
-                  </a:txBody>
-                  <a:tcPr>
-                    <a:solidFill>
-                      <a:srgbClr val="F2F2F2"/>
-                    </a:solidFill>
-                  </a:tcPr>
-                </a:tc>
-                <a:tc>
-                  <a:txBody>
-                    <a:bodyPr/>
-                    <a:lstStyle/>
-                    <a:p>
-                      <a:r>
-                        <a:rPr sz="1000"/>
-                        <a:t>0</a:t>
-                      </a:r>
-                    </a:p>
-                  </a:txBody>
-                  <a:tcPr>
-                    <a:solidFill>
-                      <a:srgbClr val="F2F2F2"/>
-                    </a:solidFill>
-                  </a:tcPr>
-                </a:tc>
-              </a:tr>
-              <a:tr h="457200">
-                <a:tc>
-                  <a:txBody>
-                    <a:bodyPr/>
-                    <a:lstStyle/>
-                    <a:p>
-                      <a:r>
-                        <a:rPr sz="1000"/>
-                        <a:t>Rack_Unit</a:t>
-                      </a:r>
-                    </a:p>
-                  </a:txBody>
-                  <a:tcPr/>
-                </a:tc>
-                <a:tc>
-                  <a:txBody>
-                    <a:bodyPr/>
-                    <a:lstStyle/>
-                    <a:p>
-                      <a:r>
-                        <a:rPr sz="1000"/>
-                        <a:t>40</a:t>
-                      </a:r>
-                    </a:p>
-                  </a:txBody>
-                  <a:tcPr/>
-                </a:tc>
-                <a:tc>
-                  <a:txBody>
-                    <a:bodyPr/>
-                    <a:lstStyle/>
-                    <a:p>
-                      <a:r>
-                        <a:rPr sz="1000"/>
-                        <a:t>420.47</a:t>
-                      </a:r>
-                    </a:p>
-                  </a:txBody>
-                  <a:tcPr/>
-                </a:tc>
-                <a:tc>
-                  <a:txBody>
-                    <a:bodyPr/>
-                    <a:lstStyle/>
-                    <a:p>
-                      <a:r>
-                        <a:rPr sz="1000"/>
-                        <a:t>10.5118</a:t>
-                      </a:r>
-                    </a:p>
-                  </a:txBody>
-                  <a:tcPr/>
-                </a:tc>
-                <a:tc>
-                  <a:txBody>
-                    <a:bodyPr/>
-                    <a:lstStyle/>
-                    <a:p>
-                      <a:r>
-                        <a:rPr sz="1000"/>
-                        <a:t>6.02843</a:t>
-                      </a:r>
-                    </a:p>
-                  </a:txBody>
-                  <a:tcPr/>
-                </a:tc>
-                <a:tc>
-                  <a:txBody>
-                    <a:bodyPr/>
-                    <a:lstStyle/>
-                    <a:p>
-                      <a:r>
-                        <a:rPr sz="1000"/>
-                        <a:t>5.81e-30</a:t>
-                      </a:r>
-                    </a:p>
-                  </a:txBody>
-                  <a:tcPr/>
-                </a:tc>
-              </a:tr>
-              <a:tr h="457200">
-                <a:tc>
-                  <a:txBody>
-                    <a:bodyPr/>
-                    <a:lstStyle/>
-                    <a:p>
-                      <a:r>
-                        <a:rPr sz="1000"/>
-                        <a:t>Fan_Speed_Range</a:t>
-                      </a:r>
-                    </a:p>
-                  </a:txBody>
-                  <a:tcPr>
-                    <a:solidFill>
-                      <a:srgbClr val="F2F2F2"/>
-                    </a:solidFill>
-                  </a:tcPr>
-                </a:tc>
-                <a:tc>
-                  <a:txBody>
-                    <a:bodyPr/>
-                    <a:lstStyle/>
-                    <a:p>
-                      <a:r>
-                        <a:rPr sz="1000"/>
-                        <a:t>1</a:t>
-                      </a:r>
-                    </a:p>
-                  </a:txBody>
-                  <a:tcPr>
-                    <a:solidFill>
-                      <a:srgbClr val="F2F2F2"/>
-                    </a:solidFill>
-                  </a:tcPr>
-                </a:tc>
-                <a:tc>
-                  <a:txBody>
-                    <a:bodyPr/>
-                    <a:lstStyle/>
-                    <a:p>
-                      <a:r>
-                        <a:rPr sz="1000"/>
-                        <a:t>1.65064</a:t>
-                      </a:r>
-                    </a:p>
-                  </a:txBody>
-                  <a:tcPr>
-                    <a:solidFill>
-                      <a:srgbClr val="F2F2F2"/>
-                    </a:solidFill>
-                  </a:tcPr>
-                </a:tc>
-                <a:tc>
-                  <a:txBody>
-                    <a:bodyPr/>
-                    <a:lstStyle/>
-                    <a:p>
-                      <a:r>
-                        <a:rPr sz="1000"/>
-                        <a:t>1.65064</a:t>
-                      </a:r>
-                    </a:p>
-                  </a:txBody>
-                  <a:tcPr>
-                    <a:solidFill>
-                      <a:srgbClr val="F2F2F2"/>
-                    </a:solidFill>
-                  </a:tcPr>
-                </a:tc>
-                <a:tc>
-                  <a:txBody>
-                    <a:bodyPr/>
-                    <a:lstStyle/>
-                    <a:p>
-                      <a:r>
-                        <a:rPr sz="1000"/>
-                        <a:t>0.94663</a:t>
-                      </a:r>
-                    </a:p>
-                  </a:txBody>
-                  <a:tcPr>
-                    <a:solidFill>
-                      <a:srgbClr val="F2F2F2"/>
-                    </a:solidFill>
-                  </a:tcPr>
-                </a:tc>
-                <a:tc>
-                  <a:txBody>
-                    <a:bodyPr/>
-                    <a:lstStyle/>
-                    <a:p>
-                      <a:r>
-                        <a:rPr sz="1000"/>
-                        <a:t>0.330611</a:t>
-                      </a:r>
-                    </a:p>
-                  </a:txBody>
-                  <a:tcPr>
-                    <a:solidFill>
-                      <a:srgbClr val="F2F2F2"/>
-                    </a:solidFill>
-                  </a:tcPr>
-                </a:tc>
-              </a:tr>
-              <a:tr h="457200">
-                <a:tc>
-                  <a:txBody>
-                    <a:bodyPr/>
-                    <a:lstStyle/>
-                    <a:p>
-                      <a:r>
-                        <a:rPr sz="1000"/>
-                        <a:t>Transceiver_Manufacturer*Rack_Unit</a:t>
-                      </a:r>
-                    </a:p>
-                  </a:txBody>
-                  <a:tcPr/>
-                </a:tc>
-                <a:tc>
-                  <a:txBody>
-                    <a:bodyPr/>
-                    <a:lstStyle/>
-                    <a:p>
-                      <a:r>
-                        <a:rPr sz="1000"/>
-                        <a:t>360</a:t>
-                      </a:r>
-                    </a:p>
-                  </a:txBody>
-                  <a:tcPr/>
-                </a:tc>
-                <a:tc>
-                  <a:txBody>
-                    <a:bodyPr/>
-                    <a:lstStyle/>
-                    <a:p>
-                      <a:r>
-                        <a:rPr sz="1000"/>
-                        <a:t>4773</a:t>
-                      </a:r>
-                    </a:p>
-                  </a:txBody>
-                  <a:tcPr/>
-                </a:tc>
-                <a:tc>
-                  <a:txBody>
-                    <a:bodyPr/>
-                    <a:lstStyle/>
-                    <a:p>
-                      <a:r>
-                        <a:rPr sz="1000"/>
-                        <a:t>13.2583</a:t>
-                      </a:r>
-                    </a:p>
-                  </a:txBody>
-                  <a:tcPr/>
-                </a:tc>
-                <a:tc>
-                  <a:txBody>
-                    <a:bodyPr/>
-                    <a:lstStyle/>
-                    <a:p>
-                      <a:r>
-                        <a:rPr sz="1000"/>
-                        <a:t>7.60358</a:t>
-                      </a:r>
-                    </a:p>
-                  </a:txBody>
-                  <a:tcPr/>
-                </a:tc>
-                <a:tc>
-                  <a:txBody>
-                    <a:bodyPr/>
-                    <a:lstStyle/>
-                    <a:p>
-                      <a:r>
-                        <a:rPr sz="1000"/>
-                        <a:t>1.51e-294</a:t>
-                      </a:r>
-                    </a:p>
-                  </a:txBody>
-                  <a:tcPr/>
-                </a:tc>
-              </a:tr>
-              <a:tr h="457200">
-                <a:tc>
-                  <a:txBody>
-                    <a:bodyPr/>
-                    <a:lstStyle/>
-                    <a:p>
-                      <a:r>
-                        <a:rPr sz="1000"/>
-                        <a:t>Transceiver_Manufacturer*Fan_Speed_Range</a:t>
-                      </a:r>
-                    </a:p>
-                  </a:txBody>
-                  <a:tcPr>
-                    <a:solidFill>
-                      <a:srgbClr val="F2F2F2"/>
-                    </a:solidFill>
-                  </a:tcPr>
-                </a:tc>
-                <a:tc>
-                  <a:txBody>
-                    <a:bodyPr/>
-                    <a:lstStyle/>
-                    <a:p>
-                      <a:r>
-                        <a:rPr sz="1000"/>
-                        <a:t>9</a:t>
-                      </a:r>
-                    </a:p>
-                  </a:txBody>
-                  <a:tcPr>
-                    <a:solidFill>
-                      <a:srgbClr val="F2F2F2"/>
-                    </a:solidFill>
-                  </a:tcPr>
-                </a:tc>
-                <a:tc>
-                  <a:txBody>
-                    <a:bodyPr/>
-                    <a:lstStyle/>
-                    <a:p>
-                      <a:r>
-                        <a:rPr sz="1000"/>
-                        <a:t>49.5824</a:t>
-                      </a:r>
-                    </a:p>
-                  </a:txBody>
-                  <a:tcPr>
-                    <a:solidFill>
-                      <a:srgbClr val="F2F2F2"/>
-                    </a:solidFill>
-                  </a:tcPr>
-                </a:tc>
-                <a:tc>
-                  <a:txBody>
-                    <a:bodyPr/>
-                    <a:lstStyle/>
-                    <a:p>
-                      <a:r>
-                        <a:rPr sz="1000"/>
-                        <a:t>5.50916</a:t>
-                      </a:r>
-                    </a:p>
-                  </a:txBody>
-                  <a:tcPr>
-                    <a:solidFill>
-                      <a:srgbClr val="F2F2F2"/>
-                    </a:solidFill>
-                  </a:tcPr>
-                </a:tc>
-                <a:tc>
-                  <a:txBody>
-                    <a:bodyPr/>
-                    <a:lstStyle/>
-                    <a:p>
-                      <a:r>
-                        <a:rPr sz="1000"/>
-                        <a:t>3.15947</a:t>
-                      </a:r>
-                    </a:p>
-                  </a:txBody>
-                  <a:tcPr>
-                    <a:solidFill>
-                      <a:srgbClr val="F2F2F2"/>
-                    </a:solidFill>
-                  </a:tcPr>
-                </a:tc>
-                <a:tc>
-                  <a:txBody>
-                    <a:bodyPr/>
-                    <a:lstStyle/>
-                    <a:p>
-                      <a:r>
-                        <a:rPr sz="1000"/>
-                        <a:t>8.19e-04</a:t>
-                      </a:r>
-                    </a:p>
-                  </a:txBody>
-                  <a:tcPr>
-                    <a:solidFill>
-                      <a:srgbClr val="F2F2F2"/>
-                    </a:solidFill>
-                  </a:tcPr>
-                </a:tc>
-              </a:tr>
-              <a:tr h="457200">
-                <a:tc>
-                  <a:txBody>
-                    <a:bodyPr/>
-                    <a:lstStyle/>
-                    <a:p>
-                      <a:r>
-                        <a:rPr sz="1000"/>
-                        <a:t>Rack_Unit*Fan_Speed_Range</a:t>
-                      </a:r>
-                    </a:p>
-                  </a:txBody>
-                  <a:tcPr/>
-                </a:tc>
-                <a:tc>
-                  <a:txBody>
-                    <a:bodyPr/>
-                    <a:lstStyle/>
-                    <a:p>
-                      <a:r>
-                        <a:rPr sz="1000"/>
-                        <a:t>40</a:t>
-                      </a:r>
-                    </a:p>
-                  </a:txBody>
-                  <a:tcPr/>
-                </a:tc>
-                <a:tc>
-                  <a:txBody>
-                    <a:bodyPr/>
-                    <a:lstStyle/>
-                    <a:p>
-                      <a:r>
-                        <a:rPr sz="1000"/>
-                        <a:t>81.5171</a:t>
-                      </a:r>
-                    </a:p>
-                  </a:txBody>
-                  <a:tcPr/>
-                </a:tc>
-                <a:tc>
-                  <a:txBody>
-                    <a:bodyPr/>
-                    <a:lstStyle/>
-                    <a:p>
-                      <a:r>
-                        <a:rPr sz="1000"/>
-                        <a:t>2.03793</a:t>
-                      </a:r>
-                    </a:p>
-                  </a:txBody>
-                  <a:tcPr/>
-                </a:tc>
-                <a:tc>
-                  <a:txBody>
-                    <a:bodyPr/>
-                    <a:lstStyle/>
-                    <a:p>
-                      <a:r>
-                        <a:rPr sz="1000"/>
-                        <a:t>1.16874</a:t>
-                      </a:r>
-                    </a:p>
-                  </a:txBody>
-                  <a:tcPr/>
-                </a:tc>
-                <a:tc>
-                  <a:txBody>
-                    <a:bodyPr/>
-                    <a:lstStyle/>
-                    <a:p>
-                      <a:r>
-                        <a:rPr sz="1000"/>
-                        <a:t>0.215706</a:t>
-                      </a:r>
-                    </a:p>
-                  </a:txBody>
-                  <a:tcPr/>
-                </a:tc>
-              </a:tr>
-              <a:tr h="457200">
-                <a:tc>
-                  <a:txBody>
-                    <a:bodyPr/>
-                    <a:lstStyle/>
-                    <a:p>
-                      <a:r>
-                        <a:rPr sz="1000"/>
-                        <a:t>Transceiver_Manufacturer*Rack_Unit</a:t>
-                      </a:r>
-                    </a:p>
-                  </a:txBody>
-                  <a:tcPr>
-                    <a:solidFill>
-                      <a:srgbClr val="F2F2F2"/>
-                    </a:solidFill>
-                  </a:tcPr>
-                </a:tc>
-                <a:tc>
-                  <a:txBody>
-                    <a:bodyPr/>
-                    <a:lstStyle/>
-                    <a:p>
-                      <a:r>
-                        <a:rPr sz="1000"/>
-                        <a:t>360</a:t>
-                      </a:r>
-                    </a:p>
-                  </a:txBody>
-                  <a:tcPr>
-                    <a:solidFill>
-                      <a:srgbClr val="F2F2F2"/>
-                    </a:solidFill>
-                  </a:tcPr>
-                </a:tc>
-                <a:tc>
-                  <a:txBody>
-                    <a:bodyPr/>
-                    <a:lstStyle/>
-                    <a:p>
-                      <a:r>
-                        <a:rPr sz="1000"/>
-                        <a:t>744.722</a:t>
-                      </a:r>
-                    </a:p>
-                  </a:txBody>
-                  <a:tcPr>
-                    <a:solidFill>
-                      <a:srgbClr val="F2F2F2"/>
-                    </a:solidFill>
-                  </a:tcPr>
-                </a:tc>
-                <a:tc>
-                  <a:txBody>
-                    <a:bodyPr/>
-                    <a:lstStyle/>
-                    <a:p>
-                      <a:r>
-                        <a:rPr sz="1000"/>
-                        <a:t>2.06867</a:t>
-                      </a:r>
-                    </a:p>
-                  </a:txBody>
-                  <a:tcPr>
-                    <a:solidFill>
-                      <a:srgbClr val="F2F2F2"/>
-                    </a:solidFill>
-                  </a:tcPr>
-                </a:tc>
-                <a:tc>
-                  <a:txBody>
-                    <a:bodyPr/>
-                    <a:lstStyle/>
-                    <a:p>
-                      <a:r>
-                        <a:rPr sz="1000"/>
-                        <a:t>1.18637</a:t>
-                      </a:r>
-                    </a:p>
-                  </a:txBody>
-                  <a:tcPr>
-                    <a:solidFill>
-                      <a:srgbClr val="F2F2F2"/>
-                    </a:solidFill>
-                  </a:tcPr>
-                </a:tc>
-                <a:tc>
-                  <a:txBody>
-                    <a:bodyPr/>
-                    <a:lstStyle/>
-                    <a:p>
-                      <a:r>
-                        <a:rPr sz="1000"/>
-                        <a:t>0.0101534</a:t>
-                      </a:r>
-                    </a:p>
-                  </a:txBody>
-                  <a:tcPr>
-                    <a:solidFill>
-                      <a:srgbClr val="F2F2F2"/>
-                    </a:solidFill>
-                  </a:tcPr>
-                </a:tc>
-              </a:tr>
-              <a:tr h="457200">
-                <a:tc>
-                  <a:txBody>
-                    <a:bodyPr/>
-                    <a:lstStyle/>
-                    <a:p>
-                      <a:r>
-                        <a:rPr sz="1000"/>
-                        <a:t>Residual</a:t>
-                      </a:r>
-                    </a:p>
-                  </a:txBody>
-                  <a:tcPr/>
-                </a:tc>
-                <a:tc>
-                  <a:txBody>
-                    <a:bodyPr/>
-                    <a:lstStyle/>
-                    <a:p>
-                      <a:r>
-                        <a:rPr sz="1000"/>
-                        <a:t>7382</a:t>
-                      </a:r>
-                    </a:p>
-                  </a:txBody>
-                  <a:tcPr/>
-                </a:tc>
-                <a:tc>
-                  <a:txBody>
-                    <a:bodyPr/>
-                    <a:lstStyle/>
-                    <a:p>
-                      <a:r>
-                        <a:rPr sz="1000"/>
-                        <a:t>12872</a:t>
-                      </a:r>
-                    </a:p>
-                  </a:txBody>
-                  <a:tcPr/>
-                </a:tc>
-                <a:tc>
-                  <a:txBody>
-                    <a:bodyPr/>
-                    <a:lstStyle/>
-                    <a:p>
-                      <a:r>
-                        <a:rPr sz="1000"/>
-                        <a:t>1.7437</a:t>
-                      </a:r>
-                    </a:p>
-                  </a:txBody>
-                  <a:tcPr/>
-                </a:tc>
-                <a:tc>
-                  <a:txBody>
-                    <a:bodyPr/>
-                    <a:lstStyle/>
-                    <a:p>
-                      <a:r>
-                        <a:rPr sz="1000"/>
-                        <a:t>nan</a:t>
-                      </a:r>
-                    </a:p>
-                  </a:txBody>
-                  <a:tcPr/>
-                </a:tc>
-                <a:tc>
-                  <a:txBody>
-                    <a:bodyPr/>
-                    <a:lstStyle/>
-                    <a:p>
-                      <a:r>
-                        <a:rPr sz="1000"/>
-                        <a:t>nan</a:t>
-                      </a:r>
-                    </a:p>
-                  </a:txBody>
-                  <a:tcPr/>
-                </a:tc>
-              </a:tr>
-            </a:tbl>
-          </a:graphicData>
-        </a:graphic>
-      </p:graphicFrame>
+      <p:pic>
+        <p:nvPicPr>
+          <p:cNvPr id="4" name="Picture 3" descr="image.png"/>
+          <p:cNvPicPr>
+            <a:picLocks noChangeAspect="1"/>
+          </p:cNvPicPr>
+          <p:nvPr/>
+        </p:nvPicPr>
+        <p:blipFill>
+          <a:blip r:embed="rId2"/>
+          <a:stretch>
+            <a:fillRect/>
+          </a:stretch>
+        </p:blipFill>
+        <p:spPr>
+          <a:xfrm>
+            <a:off x="914400" y="1280160"/>
+            <a:ext cx="7315200" cy="4180114"/>
+          </a:xfrm>
+          <a:prstGeom prst="rect">
+            <a:avLst/>
+          </a:prstGeom>
+        </p:spPr>
+      </p:pic>
     </p:spTree>
   </p:cSld>
   <p:clrMapOvr>
@@ -5898,7 +4950,7 @@
               </a:defRPr>
             </a:pPr>
             <a:r>
-              <a:t>Results Table 3</a:t>
+              <a:t>Leverage Plot 18</a:t>
             </a:r>
           </a:p>
         </p:txBody>
@@ -5938,1428 +4990,30 @@
           </a:fontRef>
         </p:style>
       </p:cxnSp>
-      <p:graphicFrame>
-        <p:nvGraphicFramePr>
-          <p:cNvPr id="4" name="Table 3"/>
-          <p:cNvGraphicFramePr>
-            <a:graphicFrameLocks noGrp="1"/>
-          </p:cNvGraphicFramePr>
-          <p:nvPr/>
-        </p:nvGraphicFramePr>
-        <p:xfrm>
-          <a:off x="457200" y="1280160"/>
-          <a:ext cx="8229600" cy="4114800"/>
-        </p:xfrm>
-        <a:graphic>
-          <a:graphicData uri="http://schemas.openxmlformats.org/drawingml/2006/table">
-            <a:tbl>
-              <a:tblPr firstRow="1" bandRow="1">
-                <a:tableStyleId>{5C22544A-7EE6-4342-B048-85BDC9FD1C3A}</a:tableStyleId>
-              </a:tblPr>
-              <a:tblGrid>
-                <a:gridCol w="1028700"/>
-                <a:gridCol w="1028700"/>
-                <a:gridCol w="1028700"/>
-                <a:gridCol w="1028700"/>
-                <a:gridCol w="1028700"/>
-                <a:gridCol w="1028700"/>
-                <a:gridCol w="1028700"/>
-                <a:gridCol w="1028700"/>
-              </a:tblGrid>
-              <a:tr h="374072">
-                <a:tc>
-                  <a:txBody>
-                    <a:bodyPr/>
-                    <a:lstStyle/>
-                    <a:p>
-                      <a:r>
-                        <a:rPr sz="1100" b="1">
-                          <a:solidFill>
-                            <a:srgbClr val="FFFFFF"/>
-                          </a:solidFill>
-                        </a:rPr>
-                        <a:t>Unnamed: 0</a:t>
-                      </a:r>
-                    </a:p>
-                  </a:txBody>
-                  <a:tcPr>
-                    <a:solidFill>
-                      <a:srgbClr val="1F4E79"/>
-                    </a:solidFill>
-                  </a:tcPr>
-                </a:tc>
-                <a:tc>
-                  <a:txBody>
-                    <a:bodyPr/>
-                    <a:lstStyle/>
-                    <a:p>
-                      <a:r>
-                        <a:rPr sz="1100" b="1">
-                          <a:solidFill>
-                            <a:srgbClr val="FFFFFF"/>
-                          </a:solidFill>
-                        </a:rPr>
-                        <a:t>Coefficient</a:t>
-                      </a:r>
-                    </a:p>
-                  </a:txBody>
-                  <a:tcPr>
-                    <a:solidFill>
-                      <a:srgbClr val="1F4E79"/>
-                    </a:solidFill>
-                  </a:tcPr>
-                </a:tc>
-                <a:tc>
-                  <a:txBody>
-                    <a:bodyPr/>
-                    <a:lstStyle/>
-                    <a:p>
-                      <a:r>
-                        <a:rPr sz="1100" b="1">
-                          <a:solidFill>
-                            <a:srgbClr val="FFFFFF"/>
-                          </a:solidFill>
-                        </a:rPr>
-                        <a:t>Std Error</a:t>
-                      </a:r>
-                    </a:p>
-                  </a:txBody>
-                  <a:tcPr>
-                    <a:solidFill>
-                      <a:srgbClr val="1F4E79"/>
-                    </a:solidFill>
-                  </a:tcPr>
-                </a:tc>
-                <a:tc>
-                  <a:txBody>
-                    <a:bodyPr/>
-                    <a:lstStyle/>
-                    <a:p>
-                      <a:r>
-                        <a:rPr sz="1100" b="1">
-                          <a:solidFill>
-                            <a:srgbClr val="FFFFFF"/>
-                          </a:solidFill>
-                        </a:rPr>
-                        <a:t>t-value</a:t>
-                      </a:r>
-                    </a:p>
-                  </a:txBody>
-                  <a:tcPr>
-                    <a:solidFill>
-                      <a:srgbClr val="1F4E79"/>
-                    </a:solidFill>
-                  </a:tcPr>
-                </a:tc>
-                <a:tc>
-                  <a:txBody>
-                    <a:bodyPr/>
-                    <a:lstStyle/>
-                    <a:p>
-                      <a:r>
-                        <a:rPr sz="1100" b="1">
-                          <a:solidFill>
-                            <a:srgbClr val="FFFFFF"/>
-                          </a:solidFill>
-                        </a:rPr>
-                        <a:t>p-value</a:t>
-                      </a:r>
-                    </a:p>
-                  </a:txBody>
-                  <a:tcPr>
-                    <a:solidFill>
-                      <a:srgbClr val="1F4E79"/>
-                    </a:solidFill>
-                  </a:tcPr>
-                </a:tc>
-                <a:tc>
-                  <a:txBody>
-                    <a:bodyPr/>
-                    <a:lstStyle/>
-                    <a:p>
-                      <a:r>
-                        <a:rPr sz="1100" b="1">
-                          <a:solidFill>
-                            <a:srgbClr val="FFFFFF"/>
-                          </a:solidFill>
-                        </a:rPr>
-                        <a:t>Lower CI</a:t>
-                      </a:r>
-                    </a:p>
-                  </a:txBody>
-                  <a:tcPr>
-                    <a:solidFill>
-                      <a:srgbClr val="1F4E79"/>
-                    </a:solidFill>
-                  </a:tcPr>
-                </a:tc>
-                <a:tc>
-                  <a:txBody>
-                    <a:bodyPr/>
-                    <a:lstStyle/>
-                    <a:p>
-                      <a:r>
-                        <a:rPr sz="1100" b="1">
-                          <a:solidFill>
-                            <a:srgbClr val="FFFFFF"/>
-                          </a:solidFill>
-                        </a:rPr>
-                        <a:t>Upper CI</a:t>
-                      </a:r>
-                    </a:p>
-                  </a:txBody>
-                  <a:tcPr>
-                    <a:solidFill>
-                      <a:srgbClr val="1F4E79"/>
-                    </a:solidFill>
-                  </a:tcPr>
-                </a:tc>
-                <a:tc>
-                  <a:txBody>
-                    <a:bodyPr/>
-                    <a:lstStyle/>
-                    <a:p>
-                      <a:r>
-                        <a:rPr sz="1100" b="1">
-                          <a:solidFill>
-                            <a:srgbClr val="FFFFFF"/>
-                          </a:solidFill>
-                        </a:rPr>
-                        <a:t>Significance</a:t>
-                      </a:r>
-                    </a:p>
-                  </a:txBody>
-                  <a:tcPr>
-                    <a:solidFill>
-                      <a:srgbClr val="1F4E79"/>
-                    </a:solidFill>
-                  </a:tcPr>
-                </a:tc>
-              </a:tr>
-              <a:tr h="374072">
-                <a:tc>
-                  <a:txBody>
-                    <a:bodyPr/>
-                    <a:lstStyle/>
-                    <a:p>
-                      <a:r>
-                        <a:rPr sz="1000"/>
-                        <a:t>Intercept</a:t>
-                      </a:r>
-                    </a:p>
-                  </a:txBody>
-                  <a:tcPr>
-                    <a:solidFill>
-                      <a:srgbClr val="F2F2F2"/>
-                    </a:solidFill>
-                  </a:tcPr>
-                </a:tc>
-                <a:tc>
-                  <a:txBody>
-                    <a:bodyPr/>
-                    <a:lstStyle/>
-                    <a:p>
-                      <a:r>
-                        <a:rPr sz="1000"/>
-                        <a:t>65.0873</a:t>
-                      </a:r>
-                    </a:p>
-                  </a:txBody>
-                  <a:tcPr>
-                    <a:solidFill>
-                      <a:srgbClr val="F2F2F2"/>
-                    </a:solidFill>
-                  </a:tcPr>
-                </a:tc>
-                <a:tc>
-                  <a:txBody>
-                    <a:bodyPr/>
-                    <a:lstStyle/>
-                    <a:p>
-                      <a:r>
-                        <a:rPr sz="1000"/>
-                        <a:t>0.0800917</a:t>
-                      </a:r>
-                    </a:p>
-                  </a:txBody>
-                  <a:tcPr>
-                    <a:solidFill>
-                      <a:srgbClr val="F2F2F2"/>
-                    </a:solidFill>
-                  </a:tcPr>
-                </a:tc>
-                <a:tc>
-                  <a:txBody>
-                    <a:bodyPr/>
-                    <a:lstStyle/>
-                    <a:p>
-                      <a:r>
-                        <a:rPr sz="1000"/>
-                        <a:t>812.66</a:t>
-                      </a:r>
-                    </a:p>
-                  </a:txBody>
-                  <a:tcPr>
-                    <a:solidFill>
-                      <a:srgbClr val="F2F2F2"/>
-                    </a:solidFill>
-                  </a:tcPr>
-                </a:tc>
-                <a:tc>
-                  <a:txBody>
-                    <a:bodyPr/>
-                    <a:lstStyle/>
-                    <a:p>
-                      <a:r>
-                        <a:rPr sz="1000"/>
-                        <a:t>0</a:t>
-                      </a:r>
-                    </a:p>
-                  </a:txBody>
-                  <a:tcPr>
-                    <a:solidFill>
-                      <a:srgbClr val="F2F2F2"/>
-                    </a:solidFill>
-                  </a:tcPr>
-                </a:tc>
-                <a:tc>
-                  <a:txBody>
-                    <a:bodyPr/>
-                    <a:lstStyle/>
-                    <a:p>
-                      <a:r>
-                        <a:rPr sz="1000"/>
-                        <a:t>64.9303</a:t>
-                      </a:r>
-                    </a:p>
-                  </a:txBody>
-                  <a:tcPr>
-                    <a:solidFill>
-                      <a:srgbClr val="F2F2F2"/>
-                    </a:solidFill>
-                  </a:tcPr>
-                </a:tc>
-                <a:tc>
-                  <a:txBody>
-                    <a:bodyPr/>
-                    <a:lstStyle/>
-                    <a:p>
-                      <a:r>
-                        <a:rPr sz="1000"/>
-                        <a:t>65.2443</a:t>
-                      </a:r>
-                    </a:p>
-                  </a:txBody>
-                  <a:tcPr>
-                    <a:solidFill>
-                      <a:srgbClr val="F2F2F2"/>
-                    </a:solidFill>
-                  </a:tcPr>
-                </a:tc>
-                <a:tc>
-                  <a:txBody>
-                    <a:bodyPr/>
-                    <a:lstStyle/>
-                    <a:p>
-                      <a:r>
-                        <a:rPr sz="1000"/>
-                        <a:t>Significant</a:t>
-                      </a:r>
-                    </a:p>
-                  </a:txBody>
-                  <a:tcPr>
-                    <a:solidFill>
-                      <a:srgbClr val="F2F2F2"/>
-                    </a:solidFill>
-                  </a:tcPr>
-                </a:tc>
-              </a:tr>
-              <a:tr h="374072">
-                <a:tc>
-                  <a:txBody>
-                    <a:bodyPr/>
-                    <a:lstStyle/>
-                    <a:p>
-                      <a:r>
-                        <a:rPr sz="1000"/>
-                        <a:t>Transceiver_Manufacturer*Rack_Unit[NON-JNPR,5]</a:t>
-                      </a:r>
-                    </a:p>
-                  </a:txBody>
-                  <a:tcPr/>
-                </a:tc>
-                <a:tc>
-                  <a:txBody>
-                    <a:bodyPr/>
-                    <a:lstStyle/>
-                    <a:p>
-                      <a:r>
-                        <a:rPr sz="1000"/>
-                        <a:t>65.1494</a:t>
-                      </a:r>
-                    </a:p>
-                  </a:txBody>
-                  <a:tcPr/>
-                </a:tc>
-                <a:tc>
-                  <a:txBody>
-                    <a:bodyPr/>
-                    <a:lstStyle/>
-                    <a:p>
-                      <a:r>
-                        <a:rPr sz="1000"/>
-                        <a:t>1.41431</a:t>
-                      </a:r>
-                    </a:p>
-                  </a:txBody>
-                  <a:tcPr/>
-                </a:tc>
-                <a:tc>
-                  <a:txBody>
-                    <a:bodyPr/>
-                    <a:lstStyle/>
-                    <a:p>
-                      <a:r>
-                        <a:rPr sz="1000"/>
-                        <a:t>46.0644</a:t>
-                      </a:r>
-                    </a:p>
-                  </a:txBody>
-                  <a:tcPr/>
-                </a:tc>
-                <a:tc>
-                  <a:txBody>
-                    <a:bodyPr/>
-                    <a:lstStyle/>
-                    <a:p>
-                      <a:r>
-                        <a:rPr sz="1000"/>
-                        <a:t>0</a:t>
-                      </a:r>
-                    </a:p>
-                  </a:txBody>
-                  <a:tcPr/>
-                </a:tc>
-                <a:tc>
-                  <a:txBody>
-                    <a:bodyPr/>
-                    <a:lstStyle/>
-                    <a:p>
-                      <a:r>
-                        <a:rPr sz="1000"/>
-                        <a:t>62.3769</a:t>
-                      </a:r>
-                    </a:p>
-                  </a:txBody>
-                  <a:tcPr/>
-                </a:tc>
-                <a:tc>
-                  <a:txBody>
-                    <a:bodyPr/>
-                    <a:lstStyle/>
-                    <a:p>
-                      <a:r>
-                        <a:rPr sz="1000"/>
-                        <a:t>67.9218</a:t>
-                      </a:r>
-                    </a:p>
-                  </a:txBody>
-                  <a:tcPr/>
-                </a:tc>
-                <a:tc>
-                  <a:txBody>
-                    <a:bodyPr/>
-                    <a:lstStyle/>
-                    <a:p>
-                      <a:r>
-                        <a:rPr sz="1000"/>
-                        <a:t>Significant</a:t>
-                      </a:r>
-                    </a:p>
-                  </a:txBody>
-                  <a:tcPr/>
-                </a:tc>
-              </a:tr>
-              <a:tr h="374072">
-                <a:tc>
-                  <a:txBody>
-                    <a:bodyPr/>
-                    <a:lstStyle/>
-                    <a:p>
-                      <a:r>
-                        <a:rPr sz="1000"/>
-                        <a:t>Transceiver_Manufacturer[Finisar]</a:t>
-                      </a:r>
-                    </a:p>
-                  </a:txBody>
-                  <a:tcPr>
-                    <a:solidFill>
-                      <a:srgbClr val="F2F2F2"/>
-                    </a:solidFill>
-                  </a:tcPr>
-                </a:tc>
-                <a:tc>
-                  <a:txBody>
-                    <a:bodyPr/>
-                    <a:lstStyle/>
-                    <a:p>
-                      <a:r>
-                        <a:rPr sz="1000"/>
-                        <a:t>-1.33263</a:t>
-                      </a:r>
-                    </a:p>
-                  </a:txBody>
-                  <a:tcPr>
-                    <a:solidFill>
-                      <a:srgbClr val="F2F2F2"/>
-                    </a:solidFill>
-                  </a:tcPr>
-                </a:tc>
-                <a:tc>
-                  <a:txBody>
-                    <a:bodyPr/>
-                    <a:lstStyle/>
-                    <a:p>
-                      <a:r>
-                        <a:rPr sz="1000"/>
-                        <a:t>0.117195</a:t>
-                      </a:r>
-                    </a:p>
-                  </a:txBody>
-                  <a:tcPr>
-                    <a:solidFill>
-                      <a:srgbClr val="F2F2F2"/>
-                    </a:solidFill>
-                  </a:tcPr>
-                </a:tc>
-                <a:tc>
-                  <a:txBody>
-                    <a:bodyPr/>
-                    <a:lstStyle/>
-                    <a:p>
-                      <a:r>
-                        <a:rPr sz="1000"/>
-                        <a:t>-11.3711</a:t>
-                      </a:r>
-                    </a:p>
-                  </a:txBody>
-                  <a:tcPr>
-                    <a:solidFill>
-                      <a:srgbClr val="F2F2F2"/>
-                    </a:solidFill>
-                  </a:tcPr>
-                </a:tc>
-                <a:tc>
-                  <a:txBody>
-                    <a:bodyPr/>
-                    <a:lstStyle/>
-                    <a:p>
-                      <a:r>
-                        <a:rPr sz="1000"/>
-                        <a:t>0</a:t>
-                      </a:r>
-                    </a:p>
-                  </a:txBody>
-                  <a:tcPr>
-                    <a:solidFill>
-                      <a:srgbClr val="F2F2F2"/>
-                    </a:solidFill>
-                  </a:tcPr>
-                </a:tc>
-                <a:tc>
-                  <a:txBody>
-                    <a:bodyPr/>
-                    <a:lstStyle/>
-                    <a:p>
-                      <a:r>
-                        <a:rPr sz="1000"/>
-                        <a:t>-1.56237</a:t>
-                      </a:r>
-                    </a:p>
-                  </a:txBody>
-                  <a:tcPr>
-                    <a:solidFill>
-                      <a:srgbClr val="F2F2F2"/>
-                    </a:solidFill>
-                  </a:tcPr>
-                </a:tc>
-                <a:tc>
-                  <a:txBody>
-                    <a:bodyPr/>
-                    <a:lstStyle/>
-                    <a:p>
-                      <a:r>
-                        <a:rPr sz="1000"/>
-                        <a:t>-1.1029</a:t>
-                      </a:r>
-                    </a:p>
-                  </a:txBody>
-                  <a:tcPr>
-                    <a:solidFill>
-                      <a:srgbClr val="F2F2F2"/>
-                    </a:solidFill>
-                  </a:tcPr>
-                </a:tc>
-                <a:tc>
-                  <a:txBody>
-                    <a:bodyPr/>
-                    <a:lstStyle/>
-                    <a:p>
-                      <a:r>
-                        <a:rPr sz="1000"/>
-                        <a:t>Significant</a:t>
-                      </a:r>
-                    </a:p>
-                  </a:txBody>
-                  <a:tcPr>
-                    <a:solidFill>
-                      <a:srgbClr val="F2F2F2"/>
-                    </a:solidFill>
-                  </a:tcPr>
-                </a:tc>
-              </a:tr>
-              <a:tr h="374072">
-                <a:tc>
-                  <a:txBody>
-                    <a:bodyPr/>
-                    <a:lstStyle/>
-                    <a:p>
-                      <a:r>
-                        <a:rPr sz="1000"/>
-                        <a:t>Transceiver_Manufacturer[Accelight]</a:t>
-                      </a:r>
-                    </a:p>
-                  </a:txBody>
-                  <a:tcPr/>
-                </a:tc>
-                <a:tc>
-                  <a:txBody>
-                    <a:bodyPr/>
-                    <a:lstStyle/>
-                    <a:p>
-                      <a:r>
-                        <a:rPr sz="1000"/>
-                        <a:t>-1.32759</a:t>
-                      </a:r>
-                    </a:p>
-                  </a:txBody>
-                  <a:tcPr/>
-                </a:tc>
-                <a:tc>
-                  <a:txBody>
-                    <a:bodyPr/>
-                    <a:lstStyle/>
-                    <a:p>
-                      <a:r>
-                        <a:rPr sz="1000"/>
-                        <a:t>0.133406</a:t>
-                      </a:r>
-                    </a:p>
-                  </a:txBody>
-                  <a:tcPr/>
-                </a:tc>
-                <a:tc>
-                  <a:txBody>
-                    <a:bodyPr/>
-                    <a:lstStyle/>
-                    <a:p>
-                      <a:r>
-                        <a:rPr sz="1000"/>
-                        <a:t>-9.95153</a:t>
-                      </a:r>
-                    </a:p>
-                  </a:txBody>
-                  <a:tcPr/>
-                </a:tc>
-                <a:tc>
-                  <a:txBody>
-                    <a:bodyPr/>
-                    <a:lstStyle/>
-                    <a:p>
-                      <a:r>
-                        <a:rPr sz="1000"/>
-                        <a:t>0</a:t>
-                      </a:r>
-                    </a:p>
-                  </a:txBody>
-                  <a:tcPr/>
-                </a:tc>
-                <a:tc>
-                  <a:txBody>
-                    <a:bodyPr/>
-                    <a:lstStyle/>
-                    <a:p>
-                      <a:r>
-                        <a:rPr sz="1000"/>
-                        <a:t>-1.5891</a:t>
-                      </a:r>
-                    </a:p>
-                  </a:txBody>
-                  <a:tcPr/>
-                </a:tc>
-                <a:tc>
-                  <a:txBody>
-                    <a:bodyPr/>
-                    <a:lstStyle/>
-                    <a:p>
-                      <a:r>
-                        <a:rPr sz="1000"/>
-                        <a:t>-1.06608</a:t>
-                      </a:r>
-                    </a:p>
-                  </a:txBody>
-                  <a:tcPr/>
-                </a:tc>
-                <a:tc>
-                  <a:txBody>
-                    <a:bodyPr/>
-                    <a:lstStyle/>
-                    <a:p>
-                      <a:r>
-                        <a:rPr sz="1000"/>
-                        <a:t>Significant</a:t>
-                      </a:r>
-                    </a:p>
-                  </a:txBody>
-                  <a:tcPr/>
-                </a:tc>
-              </a:tr>
-              <a:tr h="374072">
-                <a:tc>
-                  <a:txBody>
-                    <a:bodyPr/>
-                    <a:lstStyle/>
-                    <a:p>
-                      <a:r>
-                        <a:rPr sz="1000"/>
-                        <a:t>Transceiver_Manufacturer[NON-JNPR]</a:t>
-                      </a:r>
-                    </a:p>
-                  </a:txBody>
-                  <a:tcPr>
-                    <a:solidFill>
-                      <a:srgbClr val="F2F2F2"/>
-                    </a:solidFill>
-                  </a:tcPr>
-                </a:tc>
-                <a:tc>
-                  <a:txBody>
-                    <a:bodyPr/>
-                    <a:lstStyle/>
-                    <a:p>
-                      <a:r>
-                        <a:rPr sz="1000"/>
-                        <a:t>-2.83028</a:t>
-                      </a:r>
-                    </a:p>
-                  </a:txBody>
-                  <a:tcPr>
-                    <a:solidFill>
-                      <a:srgbClr val="F2F2F2"/>
-                    </a:solidFill>
-                  </a:tcPr>
-                </a:tc>
-                <a:tc>
-                  <a:txBody>
-                    <a:bodyPr/>
-                    <a:lstStyle/>
-                    <a:p>
-                      <a:r>
-                        <a:rPr sz="1000"/>
-                        <a:t>0.473603</a:t>
-                      </a:r>
-                    </a:p>
-                  </a:txBody>
-                  <a:tcPr>
-                    <a:solidFill>
-                      <a:srgbClr val="F2F2F2"/>
-                    </a:solidFill>
-                  </a:tcPr>
-                </a:tc>
-                <a:tc>
-                  <a:txBody>
-                    <a:bodyPr/>
-                    <a:lstStyle/>
-                    <a:p>
-                      <a:r>
-                        <a:rPr sz="1000"/>
-                        <a:t>-5.97606</a:t>
-                      </a:r>
-                    </a:p>
-                  </a:txBody>
-                  <a:tcPr>
-                    <a:solidFill>
-                      <a:srgbClr val="F2F2F2"/>
-                    </a:solidFill>
-                  </a:tcPr>
-                </a:tc>
-                <a:tc>
-                  <a:txBody>
-                    <a:bodyPr/>
-                    <a:lstStyle/>
-                    <a:p>
-                      <a:r>
-                        <a:rPr sz="1000"/>
-                        <a:t>0</a:t>
-                      </a:r>
-                    </a:p>
-                  </a:txBody>
-                  <a:tcPr>
-                    <a:solidFill>
-                      <a:srgbClr val="F2F2F2"/>
-                    </a:solidFill>
-                  </a:tcPr>
-                </a:tc>
-                <a:tc>
-                  <a:txBody>
-                    <a:bodyPr/>
-                    <a:lstStyle/>
-                    <a:p>
-                      <a:r>
-                        <a:rPr sz="1000"/>
-                        <a:t>-3.75868</a:t>
-                      </a:r>
-                    </a:p>
-                  </a:txBody>
-                  <a:tcPr>
-                    <a:solidFill>
-                      <a:srgbClr val="F2F2F2"/>
-                    </a:solidFill>
-                  </a:tcPr>
-                </a:tc>
-                <a:tc>
-                  <a:txBody>
-                    <a:bodyPr/>
-                    <a:lstStyle/>
-                    <a:p>
-                      <a:r>
-                        <a:rPr sz="1000"/>
-                        <a:t>-1.90188</a:t>
-                      </a:r>
-                    </a:p>
-                  </a:txBody>
-                  <a:tcPr>
-                    <a:solidFill>
-                      <a:srgbClr val="F2F2F2"/>
-                    </a:solidFill>
-                  </a:tcPr>
-                </a:tc>
-                <a:tc>
-                  <a:txBody>
-                    <a:bodyPr/>
-                    <a:lstStyle/>
-                    <a:p>
-                      <a:r>
-                        <a:rPr sz="1000"/>
-                        <a:t>Significant</a:t>
-                      </a:r>
-                    </a:p>
-                  </a:txBody>
-                  <a:tcPr>
-                    <a:solidFill>
-                      <a:srgbClr val="F2F2F2"/>
-                    </a:solidFill>
-                  </a:tcPr>
-                </a:tc>
-              </a:tr>
-              <a:tr h="374072">
-                <a:tc>
-                  <a:txBody>
-                    <a:bodyPr/>
-                    <a:lstStyle/>
-                    <a:p>
-                      <a:r>
-                        <a:rPr sz="1000"/>
-                        <a:t>Rack_Unit[6]</a:t>
-                      </a:r>
-                    </a:p>
-                  </a:txBody>
-                  <a:tcPr/>
-                </a:tc>
-                <a:tc>
-                  <a:txBody>
-                    <a:bodyPr/>
-                    <a:lstStyle/>
-                    <a:p>
-                      <a:r>
-                        <a:rPr sz="1000"/>
-                        <a:t>-1.24505</a:t>
-                      </a:r>
-                    </a:p>
-                  </a:txBody>
-                  <a:tcPr/>
-                </a:tc>
-                <a:tc>
-                  <a:txBody>
-                    <a:bodyPr/>
-                    <a:lstStyle/>
-                    <a:p>
-                      <a:r>
-                        <a:rPr sz="1000"/>
-                        <a:t>0.26672</a:t>
-                      </a:r>
-                    </a:p>
-                  </a:txBody>
-                  <a:tcPr/>
-                </a:tc>
-                <a:tc>
-                  <a:txBody>
-                    <a:bodyPr/>
-                    <a:lstStyle/>
-                    <a:p>
-                      <a:r>
-                        <a:rPr sz="1000"/>
-                        <a:t>-4.66801</a:t>
-                      </a:r>
-                    </a:p>
-                  </a:txBody>
-                  <a:tcPr/>
-                </a:tc>
-                <a:tc>
-                  <a:txBody>
-                    <a:bodyPr/>
-                    <a:lstStyle/>
-                    <a:p>
-                      <a:r>
-                        <a:rPr sz="1000"/>
-                        <a:t>3.00e-06</a:t>
-                      </a:r>
-                    </a:p>
-                  </a:txBody>
-                  <a:tcPr/>
-                </a:tc>
-                <a:tc>
-                  <a:txBody>
-                    <a:bodyPr/>
-                    <a:lstStyle/>
-                    <a:p>
-                      <a:r>
-                        <a:rPr sz="1000"/>
-                        <a:t>-1.7679</a:t>
-                      </a:r>
-                    </a:p>
-                  </a:txBody>
-                  <a:tcPr/>
-                </a:tc>
-                <a:tc>
-                  <a:txBody>
-                    <a:bodyPr/>
-                    <a:lstStyle/>
-                    <a:p>
-                      <a:r>
-                        <a:rPr sz="1000"/>
-                        <a:t>-0.722203</a:t>
-                      </a:r>
-                    </a:p>
-                  </a:txBody>
-                  <a:tcPr/>
-                </a:tc>
-                <a:tc>
-                  <a:txBody>
-                    <a:bodyPr/>
-                    <a:lstStyle/>
-                    <a:p>
-                      <a:r>
-                        <a:rPr sz="1000"/>
-                        <a:t>Significant</a:t>
-                      </a:r>
-                    </a:p>
-                  </a:txBody>
-                  <a:tcPr/>
-                </a:tc>
-              </a:tr>
-              <a:tr h="374072">
-                <a:tc>
-                  <a:txBody>
-                    <a:bodyPr/>
-                    <a:lstStyle/>
-                    <a:p>
-                      <a:r>
-                        <a:rPr sz="1000"/>
-                        <a:t>Transceiver_Manufacturer[O-NET]</a:t>
-                      </a:r>
-                    </a:p>
-                  </a:txBody>
-                  <a:tcPr>
-                    <a:solidFill>
-                      <a:srgbClr val="F2F2F2"/>
-                    </a:solidFill>
-                  </a:tcPr>
-                </a:tc>
-                <a:tc>
-                  <a:txBody>
-                    <a:bodyPr/>
-                    <a:lstStyle/>
-                    <a:p>
-                      <a:r>
-                        <a:rPr sz="1000"/>
-                        <a:t>-2.49321</a:t>
-                      </a:r>
-                    </a:p>
-                  </a:txBody>
-                  <a:tcPr>
-                    <a:solidFill>
-                      <a:srgbClr val="F2F2F2"/>
-                    </a:solidFill>
-                  </a:tcPr>
-                </a:tc>
-                <a:tc>
-                  <a:txBody>
-                    <a:bodyPr/>
-                    <a:lstStyle/>
-                    <a:p>
-                      <a:r>
-                        <a:rPr sz="1000"/>
-                        <a:t>0.544998</a:t>
-                      </a:r>
-                    </a:p>
-                  </a:txBody>
-                  <a:tcPr>
-                    <a:solidFill>
-                      <a:srgbClr val="F2F2F2"/>
-                    </a:solidFill>
-                  </a:tcPr>
-                </a:tc>
-                <a:tc>
-                  <a:txBody>
-                    <a:bodyPr/>
-                    <a:lstStyle/>
-                    <a:p>
-                      <a:r>
-                        <a:rPr sz="1000"/>
-                        <a:t>-4.57471</a:t>
-                      </a:r>
-                    </a:p>
-                  </a:txBody>
-                  <a:tcPr>
-                    <a:solidFill>
-                      <a:srgbClr val="F2F2F2"/>
-                    </a:solidFill>
-                  </a:tcPr>
-                </a:tc>
-                <a:tc>
-                  <a:txBody>
-                    <a:bodyPr/>
-                    <a:lstStyle/>
-                    <a:p>
-                      <a:r>
-                        <a:rPr sz="1000"/>
-                        <a:t>5.00e-06</a:t>
-                      </a:r>
-                    </a:p>
-                  </a:txBody>
-                  <a:tcPr>
-                    <a:solidFill>
-                      <a:srgbClr val="F2F2F2"/>
-                    </a:solidFill>
-                  </a:tcPr>
-                </a:tc>
-                <a:tc>
-                  <a:txBody>
-                    <a:bodyPr/>
-                    <a:lstStyle/>
-                    <a:p>
-                      <a:r>
-                        <a:rPr sz="1000"/>
-                        <a:t>-3.56156</a:t>
-                      </a:r>
-                    </a:p>
-                  </a:txBody>
-                  <a:tcPr>
-                    <a:solidFill>
-                      <a:srgbClr val="F2F2F2"/>
-                    </a:solidFill>
-                  </a:tcPr>
-                </a:tc>
-                <a:tc>
-                  <a:txBody>
-                    <a:bodyPr/>
-                    <a:lstStyle/>
-                    <a:p>
-                      <a:r>
-                        <a:rPr sz="1000"/>
-                        <a:t>-1.42486</a:t>
-                      </a:r>
-                    </a:p>
-                  </a:txBody>
-                  <a:tcPr>
-                    <a:solidFill>
-                      <a:srgbClr val="F2F2F2"/>
-                    </a:solidFill>
-                  </a:tcPr>
-                </a:tc>
-                <a:tc>
-                  <a:txBody>
-                    <a:bodyPr/>
-                    <a:lstStyle/>
-                    <a:p>
-                      <a:r>
-                        <a:rPr sz="1000"/>
-                        <a:t>Significant</a:t>
-                      </a:r>
-                    </a:p>
-                  </a:txBody>
-                  <a:tcPr>
-                    <a:solidFill>
-                      <a:srgbClr val="F2F2F2"/>
-                    </a:solidFill>
-                  </a:tcPr>
-                </a:tc>
-              </a:tr>
-              <a:tr h="374072">
-                <a:tc>
-                  <a:txBody>
-                    <a:bodyPr/>
-                    <a:lstStyle/>
-                    <a:p>
-                      <a:r>
-                        <a:rPr sz="1000"/>
-                        <a:t>Transceiver_Manufacturer[Hisense]</a:t>
-                      </a:r>
-                    </a:p>
-                  </a:txBody>
-                  <a:tcPr/>
-                </a:tc>
-                <a:tc>
-                  <a:txBody>
-                    <a:bodyPr/>
-                    <a:lstStyle/>
-                    <a:p>
-                      <a:r>
-                        <a:rPr sz="1000"/>
-                        <a:t>-1.72336</a:t>
-                      </a:r>
-                    </a:p>
-                  </a:txBody>
-                  <a:tcPr/>
-                </a:tc>
-                <a:tc>
-                  <a:txBody>
-                    <a:bodyPr/>
-                    <a:lstStyle/>
-                    <a:p>
-                      <a:r>
-                        <a:rPr sz="1000"/>
-                        <a:t>0.406196</a:t>
-                      </a:r>
-                    </a:p>
-                  </a:txBody>
-                  <a:tcPr/>
-                </a:tc>
-                <a:tc>
-                  <a:txBody>
-                    <a:bodyPr/>
-                    <a:lstStyle/>
-                    <a:p>
-                      <a:r>
-                        <a:rPr sz="1000"/>
-                        <a:t>-4.24268</a:t>
-                      </a:r>
-                    </a:p>
-                  </a:txBody>
-                  <a:tcPr/>
-                </a:tc>
-                <a:tc>
-                  <a:txBody>
-                    <a:bodyPr/>
-                    <a:lstStyle/>
-                    <a:p>
-                      <a:r>
-                        <a:rPr sz="1000"/>
-                        <a:t>2.20e-05</a:t>
-                      </a:r>
-                    </a:p>
-                  </a:txBody>
-                  <a:tcPr/>
-                </a:tc>
-                <a:tc>
-                  <a:txBody>
-                    <a:bodyPr/>
-                    <a:lstStyle/>
-                    <a:p>
-                      <a:r>
-                        <a:rPr sz="1000"/>
-                        <a:t>-2.51962</a:t>
-                      </a:r>
-                    </a:p>
-                  </a:txBody>
-                  <a:tcPr/>
-                </a:tc>
-                <a:tc>
-                  <a:txBody>
-                    <a:bodyPr/>
-                    <a:lstStyle/>
-                    <a:p>
-                      <a:r>
-                        <a:rPr sz="1000"/>
-                        <a:t>-0.927099</a:t>
-                      </a:r>
-                    </a:p>
-                  </a:txBody>
-                  <a:tcPr/>
-                </a:tc>
-                <a:tc>
-                  <a:txBody>
-                    <a:bodyPr/>
-                    <a:lstStyle/>
-                    <a:p>
-                      <a:r>
-                        <a:rPr sz="1000"/>
-                        <a:t>Significant</a:t>
-                      </a:r>
-                    </a:p>
-                  </a:txBody>
-                  <a:tcPr/>
-                </a:tc>
-              </a:tr>
-              <a:tr h="374072">
-                <a:tc>
-                  <a:txBody>
-                    <a:bodyPr/>
-                    <a:lstStyle/>
-                    <a:p>
-                      <a:r>
-                        <a:rPr sz="1000"/>
-                        <a:t>Rack_Unit[7]</a:t>
-                      </a:r>
-                    </a:p>
-                  </a:txBody>
-                  <a:tcPr>
-                    <a:solidFill>
-                      <a:srgbClr val="F2F2F2"/>
-                    </a:solidFill>
-                  </a:tcPr>
-                </a:tc>
-                <a:tc>
-                  <a:txBody>
-                    <a:bodyPr/>
-                    <a:lstStyle/>
-                    <a:p>
-                      <a:r>
-                        <a:rPr sz="1000"/>
-                        <a:t>-0.803411</a:t>
-                      </a:r>
-                    </a:p>
-                  </a:txBody>
-                  <a:tcPr>
-                    <a:solidFill>
-                      <a:srgbClr val="F2F2F2"/>
-                    </a:solidFill>
-                  </a:tcPr>
-                </a:tc>
-                <a:tc>
-                  <a:txBody>
-                    <a:bodyPr/>
-                    <a:lstStyle/>
-                    <a:p>
-                      <a:r>
-                        <a:rPr sz="1000"/>
-                        <a:t>0.237452</a:t>
-                      </a:r>
-                    </a:p>
-                  </a:txBody>
-                  <a:tcPr>
-                    <a:solidFill>
-                      <a:srgbClr val="F2F2F2"/>
-                    </a:solidFill>
-                  </a:tcPr>
-                </a:tc>
-                <a:tc>
-                  <a:txBody>
-                    <a:bodyPr/>
-                    <a:lstStyle/>
-                    <a:p>
-                      <a:r>
-                        <a:rPr sz="1000"/>
-                        <a:t>-3.38346</a:t>
-                      </a:r>
-                    </a:p>
-                  </a:txBody>
-                  <a:tcPr>
-                    <a:solidFill>
-                      <a:srgbClr val="F2F2F2"/>
-                    </a:solidFill>
-                  </a:tcPr>
-                </a:tc>
-                <a:tc>
-                  <a:txBody>
-                    <a:bodyPr/>
-                    <a:lstStyle/>
-                    <a:p>
-                      <a:r>
-                        <a:rPr sz="1000"/>
-                        <a:t>7.20e-04</a:t>
-                      </a:r>
-                    </a:p>
-                  </a:txBody>
-                  <a:tcPr>
-                    <a:solidFill>
-                      <a:srgbClr val="F2F2F2"/>
-                    </a:solidFill>
-                  </a:tcPr>
-                </a:tc>
-                <a:tc>
-                  <a:txBody>
-                    <a:bodyPr/>
-                    <a:lstStyle/>
-                    <a:p>
-                      <a:r>
-                        <a:rPr sz="1000"/>
-                        <a:t>-1.26889</a:t>
-                      </a:r>
-                    </a:p>
-                  </a:txBody>
-                  <a:tcPr>
-                    <a:solidFill>
-                      <a:srgbClr val="F2F2F2"/>
-                    </a:solidFill>
-                  </a:tcPr>
-                </a:tc>
-                <a:tc>
-                  <a:txBody>
-                    <a:bodyPr/>
-                    <a:lstStyle/>
-                    <a:p>
-                      <a:r>
-                        <a:rPr sz="1000"/>
-                        <a:t>-0.337936</a:t>
-                      </a:r>
-                    </a:p>
-                  </a:txBody>
-                  <a:tcPr>
-                    <a:solidFill>
-                      <a:srgbClr val="F2F2F2"/>
-                    </a:solidFill>
-                  </a:tcPr>
-                </a:tc>
-                <a:tc>
-                  <a:txBody>
-                    <a:bodyPr/>
-                    <a:lstStyle/>
-                    <a:p>
-                      <a:r>
-                        <a:rPr sz="1000"/>
-                        <a:t>Significant</a:t>
-                      </a:r>
-                    </a:p>
-                  </a:txBody>
-                  <a:tcPr>
-                    <a:solidFill>
-                      <a:srgbClr val="F2F2F2"/>
-                    </a:solidFill>
-                  </a:tcPr>
-                </a:tc>
-              </a:tr>
-              <a:tr h="374080">
-                <a:tc>
-                  <a:txBody>
-                    <a:bodyPr/>
-                    <a:lstStyle/>
-                    <a:p>
-                      <a:r>
-                        <a:rPr sz="1000"/>
-                        <a:t>Rack_Unit[23]</a:t>
-                      </a:r>
-                    </a:p>
-                  </a:txBody>
-                  <a:tcPr/>
-                </a:tc>
-                <a:tc>
-                  <a:txBody>
-                    <a:bodyPr/>
-                    <a:lstStyle/>
-                    <a:p>
-                      <a:r>
-                        <a:rPr sz="1000"/>
-                        <a:t>-2.21613</a:t>
-                      </a:r>
-                    </a:p>
-                  </a:txBody>
-                  <a:tcPr/>
-                </a:tc>
-                <a:tc>
-                  <a:txBody>
-                    <a:bodyPr/>
-                    <a:lstStyle/>
-                    <a:p>
-                      <a:r>
-                        <a:rPr sz="1000"/>
-                        <a:t>0.665311</a:t>
-                      </a:r>
-                    </a:p>
-                  </a:txBody>
-                  <a:tcPr/>
-                </a:tc>
-                <a:tc>
-                  <a:txBody>
-                    <a:bodyPr/>
-                    <a:lstStyle/>
-                    <a:p>
-                      <a:r>
-                        <a:rPr sz="1000"/>
-                        <a:t>-3.33096</a:t>
-                      </a:r>
-                    </a:p>
-                  </a:txBody>
-                  <a:tcPr/>
-                </a:tc>
-                <a:tc>
-                  <a:txBody>
-                    <a:bodyPr/>
-                    <a:lstStyle/>
-                    <a:p>
-                      <a:r>
-                        <a:rPr sz="1000"/>
-                        <a:t>8.70e-04</a:t>
-                      </a:r>
-                    </a:p>
-                  </a:txBody>
-                  <a:tcPr/>
-                </a:tc>
-                <a:tc>
-                  <a:txBody>
-                    <a:bodyPr/>
-                    <a:lstStyle/>
-                    <a:p>
-                      <a:r>
-                        <a:rPr sz="1000"/>
-                        <a:t>-3.52033</a:t>
-                      </a:r>
-                    </a:p>
-                  </a:txBody>
-                  <a:tcPr/>
-                </a:tc>
-                <a:tc>
-                  <a:txBody>
-                    <a:bodyPr/>
-                    <a:lstStyle/>
-                    <a:p>
-                      <a:r>
-                        <a:rPr sz="1000"/>
-                        <a:t>-0.911928</a:t>
-                      </a:r>
-                    </a:p>
-                  </a:txBody>
-                  <a:tcPr/>
-                </a:tc>
-                <a:tc>
-                  <a:txBody>
-                    <a:bodyPr/>
-                    <a:lstStyle/>
-                    <a:p>
-                      <a:r>
-                        <a:rPr sz="1000"/>
-                        <a:t>Significant</a:t>
-                      </a:r>
-                    </a:p>
-                  </a:txBody>
-                  <a:tcPr/>
-                </a:tc>
-              </a:tr>
-            </a:tbl>
-          </a:graphicData>
-        </a:graphic>
-      </p:graphicFrame>
+      <p:pic>
+        <p:nvPicPr>
+          <p:cNvPr id="4" name="Picture 3" descr="image.png"/>
+          <p:cNvPicPr>
+            <a:picLocks noChangeAspect="1"/>
+          </p:cNvPicPr>
+          <p:nvPr/>
+        </p:nvPicPr>
+        <p:blipFill>
+          <a:blip r:embed="rId2"/>
+          <a:stretch>
+            <a:fillRect/>
+          </a:stretch>
+        </p:blipFill>
+        <p:spPr>
+          <a:xfrm>
+            <a:off x="914400" y="1280160"/>
+            <a:ext cx="7315200" cy="4180114"/>
+          </a:xfrm>
+          <a:prstGeom prst="rect">
+            <a:avLst/>
+          </a:prstGeom>
+        </p:spPr>
+      </p:pic>
     </p:spTree>
   </p:cSld>
   <p:clrMapOvr>
@@ -7408,7 +5062,7 @@
               </a:defRPr>
             </a:pPr>
             <a:r>
-              <a:t>Summary</a:t>
+              <a:t>Leverage Plot 19</a:t>
             </a:r>
           </a:p>
         </p:txBody>
@@ -7448,16 +5102,58 @@
           </a:fontRef>
         </p:style>
       </p:cxnSp>
+      <p:pic>
+        <p:nvPicPr>
+          <p:cNvPr id="4" name="Picture 3" descr="image.png"/>
+          <p:cNvPicPr>
+            <a:picLocks noChangeAspect="1"/>
+          </p:cNvPicPr>
+          <p:nvPr/>
+        </p:nvPicPr>
+        <p:blipFill>
+          <a:blip r:embed="rId2"/>
+          <a:stretch>
+            <a:fillRect/>
+          </a:stretch>
+        </p:blipFill>
+        <p:spPr>
+          <a:xfrm>
+            <a:off x="914400" y="1280160"/>
+            <a:ext cx="7315200" cy="4180114"/>
+          </a:xfrm>
+          <a:prstGeom prst="rect">
+            <a:avLst/>
+          </a:prstGeom>
+        </p:spPr>
+      </p:pic>
+    </p:spTree>
+  </p:cSld>
+  <p:clrMapOvr>
+    <a:masterClrMapping/>
+  </p:clrMapOvr>
+</p:sld>
+</file>
+
+<file path=ppt/slides/slide26.xml><?xml version="1.0" encoding="utf-8"?>
+<p:sld xmlns:a="http://schemas.openxmlformats.org/drawingml/2006/main" xmlns:p="http://schemas.openxmlformats.org/presentationml/2006/main" xmlns:r="http://schemas.openxmlformats.org/officeDocument/2006/relationships">
+  <p:cSld>
+    <p:spTree>
+      <p:nvGrpSpPr>
+        <p:cNvPr id="1" name=""/>
+        <p:cNvGrpSpPr/>
+        <p:nvPr/>
+      </p:nvGrpSpPr>
+      <p:grpSpPr/>
       <p:sp>
         <p:nvSpPr>
-          <p:cNvPr id="4" name="TextBox 3"/>
+          <p:cNvPr id="2" name="TextBox 1"/>
           <p:cNvSpPr txBox="1"/>
           <p:nvPr/>
         </p:nvSpPr>
         <p:spPr>
           <a:xfrm>
-            <a:off x="640080" y="1280160"/>
-            <a:ext cx="7863840" cy="4754880"/>
+            <a:off x="457200" y="365760"/>
+            <a:ext cx="8229600" cy="548640"/>
           </a:xfrm>
           <a:prstGeom prst="rect">
             <a:avLst/>
@@ -7465,50 +5161,419 @@
           <a:noFill/>
         </p:spPr>
         <p:txBody>
-          <a:bodyPr wrap="square">
+          <a:bodyPr wrap="none">
             <a:spAutoFit/>
           </a:bodyPr>
           <a:lstStyle/>
           <a:p>
-            <a:br/>
             <a:pPr>
-              <a:defRPr sz="1600"/>
+              <a:defRPr sz="4000" b="1">
+                <a:solidFill>
+                  <a:srgbClr val="1F4E79"/>
+                </a:solidFill>
+              </a:defRPr>
             </a:pPr>
             <a:r>
-              <a:t>DOE Analysis Summary</a:t>
-            </a:r>
-            <a:br/>
-            <a:br/>
-            <a:r>
-              <a:t>• Full Factorial Design with multiple factors</a:t>
-            </a:r>
-            <a:br/>
-            <a:r>
-              <a:t>• Statistical regression model fitted</a:t>
-            </a:r>
-            <a:br/>
-            <a:r>
-              <a:t>• Comprehensive parameter estimates</a:t>
-            </a:r>
-            <a:br/>
-            <a:r>
-              <a:t>• Model diagnostics and fit assessment</a:t>
-            </a:r>
-            <a:br/>
-            <a:r>
-              <a:t>• P-values for significance testing</a:t>
-            </a:r>
-            <a:br/>
-            <a:r>
-              <a:t>• Leverage plots for influential observations</a:t>
-            </a:r>
-            <a:br/>
-            <a:r>
-              <a:t>        </a:t>
+              <a:t>Leverage Plot 20</a:t>
             </a:r>
           </a:p>
         </p:txBody>
       </p:sp>
+      <p:cxnSp>
+        <p:nvCxnSpPr>
+          <p:cNvPr id="3" name="Connector 2"/>
+          <p:cNvCxnSpPr/>
+          <p:nvPr/>
+        </p:nvCxnSpPr>
+        <p:spPr>
+          <a:xfrm>
+            <a:off x="457200" y="1005840"/>
+            <a:ext cx="8229600" cy="0"/>
+          </a:xfrm>
+          <a:prstGeom prst="line">
+            <a:avLst/>
+          </a:prstGeom>
+          <a:ln w="25400">
+            <a:solidFill>
+              <a:srgbClr val="1F4E79"/>
+            </a:solidFill>
+          </a:ln>
+        </p:spPr>
+        <p:style>
+          <a:lnRef idx="2">
+            <a:schemeClr val="accent1"/>
+          </a:lnRef>
+          <a:fillRef idx="0">
+            <a:schemeClr val="accent1"/>
+          </a:fillRef>
+          <a:effectRef idx="1">
+            <a:schemeClr val="accent1"/>
+          </a:effectRef>
+          <a:fontRef idx="minor">
+            <a:schemeClr val="tx1"/>
+          </a:fontRef>
+        </p:style>
+      </p:cxnSp>
+      <p:pic>
+        <p:nvPicPr>
+          <p:cNvPr id="4" name="Picture 3" descr="image.png"/>
+          <p:cNvPicPr>
+            <a:picLocks noChangeAspect="1"/>
+          </p:cNvPicPr>
+          <p:nvPr/>
+        </p:nvPicPr>
+        <p:blipFill>
+          <a:blip r:embed="rId2"/>
+          <a:stretch>
+            <a:fillRect/>
+          </a:stretch>
+        </p:blipFill>
+        <p:spPr>
+          <a:xfrm>
+            <a:off x="914400" y="1280160"/>
+            <a:ext cx="7315200" cy="4180114"/>
+          </a:xfrm>
+          <a:prstGeom prst="rect">
+            <a:avLst/>
+          </a:prstGeom>
+        </p:spPr>
+      </p:pic>
+    </p:spTree>
+  </p:cSld>
+  <p:clrMapOvr>
+    <a:masterClrMapping/>
+  </p:clrMapOvr>
+</p:sld>
+</file>
+
+<file path=ppt/slides/slide27.xml><?xml version="1.0" encoding="utf-8"?>
+<p:sld xmlns:a="http://schemas.openxmlformats.org/drawingml/2006/main" xmlns:p="http://schemas.openxmlformats.org/presentationml/2006/main" xmlns:r="http://schemas.openxmlformats.org/officeDocument/2006/relationships">
+  <p:cSld>
+    <p:spTree>
+      <p:nvGrpSpPr>
+        <p:cNvPr id="1" name=""/>
+        <p:cNvGrpSpPr/>
+        <p:nvPr/>
+      </p:nvGrpSpPr>
+      <p:grpSpPr/>
+      <p:sp>
+        <p:nvSpPr>
+          <p:cNvPr id="2" name="TextBox 1"/>
+          <p:cNvSpPr txBox="1"/>
+          <p:nvPr/>
+        </p:nvSpPr>
+        <p:spPr>
+          <a:xfrm>
+            <a:off x="457200" y="365760"/>
+            <a:ext cx="8229600" cy="548640"/>
+          </a:xfrm>
+          <a:prstGeom prst="rect">
+            <a:avLst/>
+          </a:prstGeom>
+          <a:noFill/>
+        </p:spPr>
+        <p:txBody>
+          <a:bodyPr wrap="none">
+            <a:spAutoFit/>
+          </a:bodyPr>
+          <a:lstStyle/>
+          <a:p>
+            <a:pPr>
+              <a:defRPr sz="4000" b="1">
+                <a:solidFill>
+                  <a:srgbClr val="1F4E79"/>
+                </a:solidFill>
+              </a:defRPr>
+            </a:pPr>
+            <a:r>
+              <a:t>Leverage Plot 21</a:t>
+            </a:r>
+          </a:p>
+        </p:txBody>
+      </p:sp>
+      <p:cxnSp>
+        <p:nvCxnSpPr>
+          <p:cNvPr id="3" name="Connector 2"/>
+          <p:cNvCxnSpPr/>
+          <p:nvPr/>
+        </p:nvCxnSpPr>
+        <p:spPr>
+          <a:xfrm>
+            <a:off x="457200" y="1005840"/>
+            <a:ext cx="8229600" cy="0"/>
+          </a:xfrm>
+          <a:prstGeom prst="line">
+            <a:avLst/>
+          </a:prstGeom>
+          <a:ln w="25400">
+            <a:solidFill>
+              <a:srgbClr val="1F4E79"/>
+            </a:solidFill>
+          </a:ln>
+        </p:spPr>
+        <p:style>
+          <a:lnRef idx="2">
+            <a:schemeClr val="accent1"/>
+          </a:lnRef>
+          <a:fillRef idx="0">
+            <a:schemeClr val="accent1"/>
+          </a:fillRef>
+          <a:effectRef idx="1">
+            <a:schemeClr val="accent1"/>
+          </a:effectRef>
+          <a:fontRef idx="minor">
+            <a:schemeClr val="tx1"/>
+          </a:fontRef>
+        </p:style>
+      </p:cxnSp>
+      <p:pic>
+        <p:nvPicPr>
+          <p:cNvPr id="4" name="Picture 3" descr="image.png"/>
+          <p:cNvPicPr>
+            <a:picLocks noChangeAspect="1"/>
+          </p:cNvPicPr>
+          <p:nvPr/>
+        </p:nvPicPr>
+        <p:blipFill>
+          <a:blip r:embed="rId2"/>
+          <a:stretch>
+            <a:fillRect/>
+          </a:stretch>
+        </p:blipFill>
+        <p:spPr>
+          <a:xfrm>
+            <a:off x="914400" y="1280160"/>
+            <a:ext cx="7315200" cy="4180114"/>
+          </a:xfrm>
+          <a:prstGeom prst="rect">
+            <a:avLst/>
+          </a:prstGeom>
+        </p:spPr>
+      </p:pic>
+    </p:spTree>
+  </p:cSld>
+  <p:clrMapOvr>
+    <a:masterClrMapping/>
+  </p:clrMapOvr>
+</p:sld>
+</file>
+
+<file path=ppt/slides/slide28.xml><?xml version="1.0" encoding="utf-8"?>
+<p:sld xmlns:a="http://schemas.openxmlformats.org/drawingml/2006/main" xmlns:p="http://schemas.openxmlformats.org/presentationml/2006/main" xmlns:r="http://schemas.openxmlformats.org/officeDocument/2006/relationships">
+  <p:cSld>
+    <p:spTree>
+      <p:nvGrpSpPr>
+        <p:cNvPr id="1" name=""/>
+        <p:cNvGrpSpPr/>
+        <p:nvPr/>
+      </p:nvGrpSpPr>
+      <p:grpSpPr/>
+      <p:sp>
+        <p:nvSpPr>
+          <p:cNvPr id="2" name="TextBox 1"/>
+          <p:cNvSpPr txBox="1"/>
+          <p:nvPr/>
+        </p:nvSpPr>
+        <p:spPr>
+          <a:xfrm>
+            <a:off x="457200" y="365760"/>
+            <a:ext cx="8229600" cy="548640"/>
+          </a:xfrm>
+          <a:prstGeom prst="rect">
+            <a:avLst/>
+          </a:prstGeom>
+          <a:noFill/>
+        </p:spPr>
+        <p:txBody>
+          <a:bodyPr wrap="none">
+            <a:spAutoFit/>
+          </a:bodyPr>
+          <a:lstStyle/>
+          <a:p>
+            <a:pPr>
+              <a:defRPr sz="4000" b="1">
+                <a:solidFill>
+                  <a:srgbClr val="1F4E79"/>
+                </a:solidFill>
+              </a:defRPr>
+            </a:pPr>
+            <a:r>
+              <a:t>Leverage Plot 22</a:t>
+            </a:r>
+          </a:p>
+        </p:txBody>
+      </p:sp>
+      <p:cxnSp>
+        <p:nvCxnSpPr>
+          <p:cNvPr id="3" name="Connector 2"/>
+          <p:cNvCxnSpPr/>
+          <p:nvPr/>
+        </p:nvCxnSpPr>
+        <p:spPr>
+          <a:xfrm>
+            <a:off x="457200" y="1005840"/>
+            <a:ext cx="8229600" cy="0"/>
+          </a:xfrm>
+          <a:prstGeom prst="line">
+            <a:avLst/>
+          </a:prstGeom>
+          <a:ln w="25400">
+            <a:solidFill>
+              <a:srgbClr val="1F4E79"/>
+            </a:solidFill>
+          </a:ln>
+        </p:spPr>
+        <p:style>
+          <a:lnRef idx="2">
+            <a:schemeClr val="accent1"/>
+          </a:lnRef>
+          <a:fillRef idx="0">
+            <a:schemeClr val="accent1"/>
+          </a:fillRef>
+          <a:effectRef idx="1">
+            <a:schemeClr val="accent1"/>
+          </a:effectRef>
+          <a:fontRef idx="minor">
+            <a:schemeClr val="tx1"/>
+          </a:fontRef>
+        </p:style>
+      </p:cxnSp>
+      <p:pic>
+        <p:nvPicPr>
+          <p:cNvPr id="4" name="Picture 3" descr="image.png"/>
+          <p:cNvPicPr>
+            <a:picLocks noChangeAspect="1"/>
+          </p:cNvPicPr>
+          <p:nvPr/>
+        </p:nvPicPr>
+        <p:blipFill>
+          <a:blip r:embed="rId2"/>
+          <a:stretch>
+            <a:fillRect/>
+          </a:stretch>
+        </p:blipFill>
+        <p:spPr>
+          <a:xfrm>
+            <a:off x="914400" y="1280160"/>
+            <a:ext cx="7315200" cy="4180114"/>
+          </a:xfrm>
+          <a:prstGeom prst="rect">
+            <a:avLst/>
+          </a:prstGeom>
+        </p:spPr>
+      </p:pic>
+    </p:spTree>
+  </p:cSld>
+  <p:clrMapOvr>
+    <a:masterClrMapping/>
+  </p:clrMapOvr>
+</p:sld>
+</file>
+
+<file path=ppt/slides/slide29.xml><?xml version="1.0" encoding="utf-8"?>
+<p:sld xmlns:a="http://schemas.openxmlformats.org/drawingml/2006/main" xmlns:p="http://schemas.openxmlformats.org/presentationml/2006/main" xmlns:r="http://schemas.openxmlformats.org/officeDocument/2006/relationships">
+  <p:cSld>
+    <p:spTree>
+      <p:nvGrpSpPr>
+        <p:cNvPr id="1" name=""/>
+        <p:cNvGrpSpPr/>
+        <p:nvPr/>
+      </p:nvGrpSpPr>
+      <p:grpSpPr/>
+      <p:sp>
+        <p:nvSpPr>
+          <p:cNvPr id="2" name="TextBox 1"/>
+          <p:cNvSpPr txBox="1"/>
+          <p:nvPr/>
+        </p:nvSpPr>
+        <p:spPr>
+          <a:xfrm>
+            <a:off x="457200" y="365760"/>
+            <a:ext cx="8229600" cy="548640"/>
+          </a:xfrm>
+          <a:prstGeom prst="rect">
+            <a:avLst/>
+          </a:prstGeom>
+          <a:noFill/>
+        </p:spPr>
+        <p:txBody>
+          <a:bodyPr wrap="none">
+            <a:spAutoFit/>
+          </a:bodyPr>
+          <a:lstStyle/>
+          <a:p>
+            <a:pPr>
+              <a:defRPr sz="4000" b="1">
+                <a:solidFill>
+                  <a:srgbClr val="1F4E79"/>
+                </a:solidFill>
+              </a:defRPr>
+            </a:pPr>
+            <a:r>
+              <a:t>Leverage Plot 23</a:t>
+            </a:r>
+          </a:p>
+        </p:txBody>
+      </p:sp>
+      <p:cxnSp>
+        <p:nvCxnSpPr>
+          <p:cNvPr id="3" name="Connector 2"/>
+          <p:cNvCxnSpPr/>
+          <p:nvPr/>
+        </p:nvCxnSpPr>
+        <p:spPr>
+          <a:xfrm>
+            <a:off x="457200" y="1005840"/>
+            <a:ext cx="8229600" cy="0"/>
+          </a:xfrm>
+          <a:prstGeom prst="line">
+            <a:avLst/>
+          </a:prstGeom>
+          <a:ln w="25400">
+            <a:solidFill>
+              <a:srgbClr val="1F4E79"/>
+            </a:solidFill>
+          </a:ln>
+        </p:spPr>
+        <p:style>
+          <a:lnRef idx="2">
+            <a:schemeClr val="accent1"/>
+          </a:lnRef>
+          <a:fillRef idx="0">
+            <a:schemeClr val="accent1"/>
+          </a:fillRef>
+          <a:effectRef idx="1">
+            <a:schemeClr val="accent1"/>
+          </a:effectRef>
+          <a:fontRef idx="minor">
+            <a:schemeClr val="tx1"/>
+          </a:fontRef>
+        </p:style>
+      </p:cxnSp>
+      <p:pic>
+        <p:nvPicPr>
+          <p:cNvPr id="4" name="Picture 3" descr="image.png"/>
+          <p:cNvPicPr>
+            <a:picLocks noChangeAspect="1"/>
+          </p:cNvPicPr>
+          <p:nvPr/>
+        </p:nvPicPr>
+        <p:blipFill>
+          <a:blip r:embed="rId2"/>
+          <a:stretch>
+            <a:fillRect/>
+          </a:stretch>
+        </p:blipFill>
+        <p:spPr>
+          <a:xfrm>
+            <a:off x="914400" y="1280160"/>
+            <a:ext cx="7315200" cy="4180114"/>
+          </a:xfrm>
+          <a:prstGeom prst="rect">
+            <a:avLst/>
+          </a:prstGeom>
+        </p:spPr>
+      </p:pic>
     </p:spTree>
   </p:cSld>
   <p:clrMapOvr>
@@ -7557,7 +5622,1177 @@
               </a:defRPr>
             </a:pPr>
             <a:r>
-              <a:t>Analysis Chart 2</a:t>
+              <a:t>Model Equation</a:t>
+            </a:r>
+          </a:p>
+        </p:txBody>
+      </p:sp>
+      <p:cxnSp>
+        <p:nvCxnSpPr>
+          <p:cNvPr id="3" name="Connector 2"/>
+          <p:cNvCxnSpPr/>
+          <p:nvPr/>
+        </p:nvCxnSpPr>
+        <p:spPr>
+          <a:xfrm>
+            <a:off x="457200" y="1005840"/>
+            <a:ext cx="8229600" cy="0"/>
+          </a:xfrm>
+          <a:prstGeom prst="line">
+            <a:avLst/>
+          </a:prstGeom>
+          <a:ln w="25400">
+            <a:solidFill>
+              <a:srgbClr val="1F4E79"/>
+            </a:solidFill>
+          </a:ln>
+        </p:spPr>
+        <p:style>
+          <a:lnRef idx="2">
+            <a:schemeClr val="accent1"/>
+          </a:lnRef>
+          <a:fillRef idx="0">
+            <a:schemeClr val="accent1"/>
+          </a:fillRef>
+          <a:effectRef idx="1">
+            <a:schemeClr val="accent1"/>
+          </a:effectRef>
+          <a:fontRef idx="minor">
+            <a:schemeClr val="tx1"/>
+          </a:fontRef>
+        </p:style>
+      </p:cxnSp>
+      <p:sp>
+        <p:nvSpPr>
+          <p:cNvPr id="4" name="TextBox 3"/>
+          <p:cNvSpPr txBox="1"/>
+          <p:nvPr/>
+        </p:nvSpPr>
+        <p:spPr>
+          <a:xfrm>
+            <a:off x="640080" y="1280160"/>
+            <a:ext cx="7863840" cy="4754880"/>
+          </a:xfrm>
+          <a:prstGeom prst="rect">
+            <a:avLst/>
+          </a:prstGeom>
+          <a:noFill/>
+        </p:spPr>
+        <p:txBody>
+          <a:bodyPr wrap="square">
+            <a:spAutoFit/>
+          </a:bodyPr>
+          <a:lstStyle/>
+          <a:p>
+            <a:pPr>
+              <a:defRPr sz="1600"/>
+            </a:pPr>
+            <a:r>
+              <a:t>Model Equation:</a:t>
+            </a:r>
+            <a:br/>
+            <a:br/>
+            <a:r>
+              <a:t>Interface_Temp = β₀ + Σ(β_i × Factor_i) + ε</a:t>
+            </a:r>
+            <a:br/>
+            <a:br/>
+            <a:r>
+              <a:t>Where:</a:t>
+            </a:r>
+            <a:br/>
+            <a:r>
+              <a:t>• β₀ = Intercept</a:t>
+            </a:r>
+            <a:br/>
+            <a:r>
+              <a:t>• β_i = Parameter coefficients</a:t>
+            </a:r>
+            <a:br/>
+            <a:r>
+              <a:t>• Factor_i = Design factors (Transceiver, Fan Speed, Rack Unit)</a:t>
+            </a:r>
+            <a:br/>
+            <a:r>
+              <a:t>• ε = Random error term</a:t>
+            </a:r>
+            <a:br/>
+            <a:br/>
+            <a:r>
+              <a:t>Full Model: 820 parameters</a:t>
+            </a:r>
+            <a:br/>
+            <a:r>
+              <a:t>Model Type: Multiple Linear Regression</a:t>
+            </a:r>
+            <a:br/>
+            <a:r>
+              <a:t>Response Variable: Interface_Temp</a:t>
+            </a:r>
+            <a:br/>
+            <a:r>
+              <a:t>        </a:t>
+            </a:r>
+          </a:p>
+        </p:txBody>
+      </p:sp>
+    </p:spTree>
+  </p:cSld>
+  <p:clrMapOvr>
+    <a:masterClrMapping/>
+  </p:clrMapOvr>
+</p:sld>
+</file>
+
+<file path=ppt/slides/slide30.xml><?xml version="1.0" encoding="utf-8"?>
+<p:sld xmlns:a="http://schemas.openxmlformats.org/drawingml/2006/main" xmlns:p="http://schemas.openxmlformats.org/presentationml/2006/main" xmlns:r="http://schemas.openxmlformats.org/officeDocument/2006/relationships">
+  <p:cSld>
+    <p:spTree>
+      <p:nvGrpSpPr>
+        <p:cNvPr id="1" name=""/>
+        <p:cNvGrpSpPr/>
+        <p:nvPr/>
+      </p:nvGrpSpPr>
+      <p:grpSpPr/>
+      <p:sp>
+        <p:nvSpPr>
+          <p:cNvPr id="2" name="TextBox 1"/>
+          <p:cNvSpPr txBox="1"/>
+          <p:nvPr/>
+        </p:nvSpPr>
+        <p:spPr>
+          <a:xfrm>
+            <a:off x="457200" y="365760"/>
+            <a:ext cx="8229600" cy="548640"/>
+          </a:xfrm>
+          <a:prstGeom prst="rect">
+            <a:avLst/>
+          </a:prstGeom>
+          <a:noFill/>
+        </p:spPr>
+        <p:txBody>
+          <a:bodyPr wrap="none">
+            <a:spAutoFit/>
+          </a:bodyPr>
+          <a:lstStyle/>
+          <a:p>
+            <a:pPr>
+              <a:defRPr sz="4000" b="1">
+                <a:solidFill>
+                  <a:srgbClr val="1F4E79"/>
+                </a:solidFill>
+              </a:defRPr>
+            </a:pPr>
+            <a:r>
+              <a:t>Leverage Plot 24</a:t>
+            </a:r>
+          </a:p>
+        </p:txBody>
+      </p:sp>
+      <p:cxnSp>
+        <p:nvCxnSpPr>
+          <p:cNvPr id="3" name="Connector 2"/>
+          <p:cNvCxnSpPr/>
+          <p:nvPr/>
+        </p:nvCxnSpPr>
+        <p:spPr>
+          <a:xfrm>
+            <a:off x="457200" y="1005840"/>
+            <a:ext cx="8229600" cy="0"/>
+          </a:xfrm>
+          <a:prstGeom prst="line">
+            <a:avLst/>
+          </a:prstGeom>
+          <a:ln w="25400">
+            <a:solidFill>
+              <a:srgbClr val="1F4E79"/>
+            </a:solidFill>
+          </a:ln>
+        </p:spPr>
+        <p:style>
+          <a:lnRef idx="2">
+            <a:schemeClr val="accent1"/>
+          </a:lnRef>
+          <a:fillRef idx="0">
+            <a:schemeClr val="accent1"/>
+          </a:fillRef>
+          <a:effectRef idx="1">
+            <a:schemeClr val="accent1"/>
+          </a:effectRef>
+          <a:fontRef idx="minor">
+            <a:schemeClr val="tx1"/>
+          </a:fontRef>
+        </p:style>
+      </p:cxnSp>
+      <p:pic>
+        <p:nvPicPr>
+          <p:cNvPr id="4" name="Picture 3" descr="image.png"/>
+          <p:cNvPicPr>
+            <a:picLocks noChangeAspect="1"/>
+          </p:cNvPicPr>
+          <p:nvPr/>
+        </p:nvPicPr>
+        <p:blipFill>
+          <a:blip r:embed="rId2"/>
+          <a:stretch>
+            <a:fillRect/>
+          </a:stretch>
+        </p:blipFill>
+        <p:spPr>
+          <a:xfrm>
+            <a:off x="914400" y="1280160"/>
+            <a:ext cx="7315200" cy="4180114"/>
+          </a:xfrm>
+          <a:prstGeom prst="rect">
+            <a:avLst/>
+          </a:prstGeom>
+        </p:spPr>
+      </p:pic>
+    </p:spTree>
+  </p:cSld>
+  <p:clrMapOvr>
+    <a:masterClrMapping/>
+  </p:clrMapOvr>
+</p:sld>
+</file>
+
+<file path=ppt/slides/slide31.xml><?xml version="1.0" encoding="utf-8"?>
+<p:sld xmlns:a="http://schemas.openxmlformats.org/drawingml/2006/main" xmlns:p="http://schemas.openxmlformats.org/presentationml/2006/main" xmlns:r="http://schemas.openxmlformats.org/officeDocument/2006/relationships">
+  <p:cSld>
+    <p:spTree>
+      <p:nvGrpSpPr>
+        <p:cNvPr id="1" name=""/>
+        <p:cNvGrpSpPr/>
+        <p:nvPr/>
+      </p:nvGrpSpPr>
+      <p:grpSpPr/>
+      <p:sp>
+        <p:nvSpPr>
+          <p:cNvPr id="2" name="TextBox 1"/>
+          <p:cNvSpPr txBox="1"/>
+          <p:nvPr/>
+        </p:nvSpPr>
+        <p:spPr>
+          <a:xfrm>
+            <a:off x="457200" y="365760"/>
+            <a:ext cx="8229600" cy="548640"/>
+          </a:xfrm>
+          <a:prstGeom prst="rect">
+            <a:avLst/>
+          </a:prstGeom>
+          <a:noFill/>
+        </p:spPr>
+        <p:txBody>
+          <a:bodyPr wrap="none">
+            <a:spAutoFit/>
+          </a:bodyPr>
+          <a:lstStyle/>
+          <a:p>
+            <a:pPr>
+              <a:defRPr sz="4000" b="1">
+                <a:solidFill>
+                  <a:srgbClr val="1F4E79"/>
+                </a:solidFill>
+              </a:defRPr>
+            </a:pPr>
+            <a:r>
+              <a:t>Leverage Plot 25</a:t>
+            </a:r>
+          </a:p>
+        </p:txBody>
+      </p:sp>
+      <p:cxnSp>
+        <p:nvCxnSpPr>
+          <p:cNvPr id="3" name="Connector 2"/>
+          <p:cNvCxnSpPr/>
+          <p:nvPr/>
+        </p:nvCxnSpPr>
+        <p:spPr>
+          <a:xfrm>
+            <a:off x="457200" y="1005840"/>
+            <a:ext cx="8229600" cy="0"/>
+          </a:xfrm>
+          <a:prstGeom prst="line">
+            <a:avLst/>
+          </a:prstGeom>
+          <a:ln w="25400">
+            <a:solidFill>
+              <a:srgbClr val="1F4E79"/>
+            </a:solidFill>
+          </a:ln>
+        </p:spPr>
+        <p:style>
+          <a:lnRef idx="2">
+            <a:schemeClr val="accent1"/>
+          </a:lnRef>
+          <a:fillRef idx="0">
+            <a:schemeClr val="accent1"/>
+          </a:fillRef>
+          <a:effectRef idx="1">
+            <a:schemeClr val="accent1"/>
+          </a:effectRef>
+          <a:fontRef idx="minor">
+            <a:schemeClr val="tx1"/>
+          </a:fontRef>
+        </p:style>
+      </p:cxnSp>
+      <p:pic>
+        <p:nvPicPr>
+          <p:cNvPr id="4" name="Picture 3" descr="image.png"/>
+          <p:cNvPicPr>
+            <a:picLocks noChangeAspect="1"/>
+          </p:cNvPicPr>
+          <p:nvPr/>
+        </p:nvPicPr>
+        <p:blipFill>
+          <a:blip r:embed="rId2"/>
+          <a:stretch>
+            <a:fillRect/>
+          </a:stretch>
+        </p:blipFill>
+        <p:spPr>
+          <a:xfrm>
+            <a:off x="914400" y="1280160"/>
+            <a:ext cx="7315200" cy="4180114"/>
+          </a:xfrm>
+          <a:prstGeom prst="rect">
+            <a:avLst/>
+          </a:prstGeom>
+        </p:spPr>
+      </p:pic>
+    </p:spTree>
+  </p:cSld>
+  <p:clrMapOvr>
+    <a:masterClrMapping/>
+  </p:clrMapOvr>
+</p:sld>
+</file>
+
+<file path=ppt/slides/slide32.xml><?xml version="1.0" encoding="utf-8"?>
+<p:sld xmlns:a="http://schemas.openxmlformats.org/drawingml/2006/main" xmlns:p="http://schemas.openxmlformats.org/presentationml/2006/main" xmlns:r="http://schemas.openxmlformats.org/officeDocument/2006/relationships">
+  <p:cSld>
+    <p:spTree>
+      <p:nvGrpSpPr>
+        <p:cNvPr id="1" name=""/>
+        <p:cNvGrpSpPr/>
+        <p:nvPr/>
+      </p:nvGrpSpPr>
+      <p:grpSpPr/>
+      <p:sp>
+        <p:nvSpPr>
+          <p:cNvPr id="2" name="TextBox 1"/>
+          <p:cNvSpPr txBox="1"/>
+          <p:nvPr/>
+        </p:nvSpPr>
+        <p:spPr>
+          <a:xfrm>
+            <a:off x="457200" y="365760"/>
+            <a:ext cx="8229600" cy="548640"/>
+          </a:xfrm>
+          <a:prstGeom prst="rect">
+            <a:avLst/>
+          </a:prstGeom>
+          <a:noFill/>
+        </p:spPr>
+        <p:txBody>
+          <a:bodyPr wrap="none">
+            <a:spAutoFit/>
+          </a:bodyPr>
+          <a:lstStyle/>
+          <a:p>
+            <a:pPr>
+              <a:defRPr sz="4000" b="1">
+                <a:solidFill>
+                  <a:srgbClr val="1F4E79"/>
+                </a:solidFill>
+              </a:defRPr>
+            </a:pPr>
+            <a:r>
+              <a:t>Leverage Plot 26</a:t>
+            </a:r>
+          </a:p>
+        </p:txBody>
+      </p:sp>
+      <p:cxnSp>
+        <p:nvCxnSpPr>
+          <p:cNvPr id="3" name="Connector 2"/>
+          <p:cNvCxnSpPr/>
+          <p:nvPr/>
+        </p:nvCxnSpPr>
+        <p:spPr>
+          <a:xfrm>
+            <a:off x="457200" y="1005840"/>
+            <a:ext cx="8229600" cy="0"/>
+          </a:xfrm>
+          <a:prstGeom prst="line">
+            <a:avLst/>
+          </a:prstGeom>
+          <a:ln w="25400">
+            <a:solidFill>
+              <a:srgbClr val="1F4E79"/>
+            </a:solidFill>
+          </a:ln>
+        </p:spPr>
+        <p:style>
+          <a:lnRef idx="2">
+            <a:schemeClr val="accent1"/>
+          </a:lnRef>
+          <a:fillRef idx="0">
+            <a:schemeClr val="accent1"/>
+          </a:fillRef>
+          <a:effectRef idx="1">
+            <a:schemeClr val="accent1"/>
+          </a:effectRef>
+          <a:fontRef idx="minor">
+            <a:schemeClr val="tx1"/>
+          </a:fontRef>
+        </p:style>
+      </p:cxnSp>
+      <p:pic>
+        <p:nvPicPr>
+          <p:cNvPr id="4" name="Picture 3" descr="image.png"/>
+          <p:cNvPicPr>
+            <a:picLocks noChangeAspect="1"/>
+          </p:cNvPicPr>
+          <p:nvPr/>
+        </p:nvPicPr>
+        <p:blipFill>
+          <a:blip r:embed="rId2"/>
+          <a:stretch>
+            <a:fillRect/>
+          </a:stretch>
+        </p:blipFill>
+        <p:spPr>
+          <a:xfrm>
+            <a:off x="914400" y="1280160"/>
+            <a:ext cx="7315200" cy="4180114"/>
+          </a:xfrm>
+          <a:prstGeom prst="rect">
+            <a:avLst/>
+          </a:prstGeom>
+        </p:spPr>
+      </p:pic>
+    </p:spTree>
+  </p:cSld>
+  <p:clrMapOvr>
+    <a:masterClrMapping/>
+  </p:clrMapOvr>
+</p:sld>
+</file>
+
+<file path=ppt/slides/slide33.xml><?xml version="1.0" encoding="utf-8"?>
+<p:sld xmlns:a="http://schemas.openxmlformats.org/drawingml/2006/main" xmlns:p="http://schemas.openxmlformats.org/presentationml/2006/main" xmlns:r="http://schemas.openxmlformats.org/officeDocument/2006/relationships">
+  <p:cSld>
+    <p:spTree>
+      <p:nvGrpSpPr>
+        <p:cNvPr id="1" name=""/>
+        <p:cNvGrpSpPr/>
+        <p:nvPr/>
+      </p:nvGrpSpPr>
+      <p:grpSpPr/>
+      <p:sp>
+        <p:nvSpPr>
+          <p:cNvPr id="2" name="TextBox 1"/>
+          <p:cNvSpPr txBox="1"/>
+          <p:nvPr/>
+        </p:nvSpPr>
+        <p:spPr>
+          <a:xfrm>
+            <a:off x="457200" y="365760"/>
+            <a:ext cx="8229600" cy="548640"/>
+          </a:xfrm>
+          <a:prstGeom prst="rect">
+            <a:avLst/>
+          </a:prstGeom>
+          <a:noFill/>
+        </p:spPr>
+        <p:txBody>
+          <a:bodyPr wrap="none">
+            <a:spAutoFit/>
+          </a:bodyPr>
+          <a:lstStyle/>
+          <a:p>
+            <a:pPr>
+              <a:defRPr sz="4000" b="1">
+                <a:solidFill>
+                  <a:srgbClr val="1F4E79"/>
+                </a:solidFill>
+              </a:defRPr>
+            </a:pPr>
+            <a:r>
+              <a:t>Leverage Plot 27</a:t>
+            </a:r>
+          </a:p>
+        </p:txBody>
+      </p:sp>
+      <p:cxnSp>
+        <p:nvCxnSpPr>
+          <p:cNvPr id="3" name="Connector 2"/>
+          <p:cNvCxnSpPr/>
+          <p:nvPr/>
+        </p:nvCxnSpPr>
+        <p:spPr>
+          <a:xfrm>
+            <a:off x="457200" y="1005840"/>
+            <a:ext cx="8229600" cy="0"/>
+          </a:xfrm>
+          <a:prstGeom prst="line">
+            <a:avLst/>
+          </a:prstGeom>
+          <a:ln w="25400">
+            <a:solidFill>
+              <a:srgbClr val="1F4E79"/>
+            </a:solidFill>
+          </a:ln>
+        </p:spPr>
+        <p:style>
+          <a:lnRef idx="2">
+            <a:schemeClr val="accent1"/>
+          </a:lnRef>
+          <a:fillRef idx="0">
+            <a:schemeClr val="accent1"/>
+          </a:fillRef>
+          <a:effectRef idx="1">
+            <a:schemeClr val="accent1"/>
+          </a:effectRef>
+          <a:fontRef idx="minor">
+            <a:schemeClr val="tx1"/>
+          </a:fontRef>
+        </p:style>
+      </p:cxnSp>
+      <p:pic>
+        <p:nvPicPr>
+          <p:cNvPr id="4" name="Picture 3" descr="image.png"/>
+          <p:cNvPicPr>
+            <a:picLocks noChangeAspect="1"/>
+          </p:cNvPicPr>
+          <p:nvPr/>
+        </p:nvPicPr>
+        <p:blipFill>
+          <a:blip r:embed="rId2"/>
+          <a:stretch>
+            <a:fillRect/>
+          </a:stretch>
+        </p:blipFill>
+        <p:spPr>
+          <a:xfrm>
+            <a:off x="914400" y="1280160"/>
+            <a:ext cx="7315200" cy="4180114"/>
+          </a:xfrm>
+          <a:prstGeom prst="rect">
+            <a:avLst/>
+          </a:prstGeom>
+        </p:spPr>
+      </p:pic>
+    </p:spTree>
+  </p:cSld>
+  <p:clrMapOvr>
+    <a:masterClrMapping/>
+  </p:clrMapOvr>
+</p:sld>
+</file>
+
+<file path=ppt/slides/slide34.xml><?xml version="1.0" encoding="utf-8"?>
+<p:sld xmlns:a="http://schemas.openxmlformats.org/drawingml/2006/main" xmlns:p="http://schemas.openxmlformats.org/presentationml/2006/main" xmlns:r="http://schemas.openxmlformats.org/officeDocument/2006/relationships">
+  <p:cSld>
+    <p:spTree>
+      <p:nvGrpSpPr>
+        <p:cNvPr id="1" name=""/>
+        <p:cNvGrpSpPr/>
+        <p:nvPr/>
+      </p:nvGrpSpPr>
+      <p:grpSpPr/>
+      <p:sp>
+        <p:nvSpPr>
+          <p:cNvPr id="2" name="TextBox 1"/>
+          <p:cNvSpPr txBox="1"/>
+          <p:nvPr/>
+        </p:nvSpPr>
+        <p:spPr>
+          <a:xfrm>
+            <a:off x="457200" y="365760"/>
+            <a:ext cx="8229600" cy="548640"/>
+          </a:xfrm>
+          <a:prstGeom prst="rect">
+            <a:avLst/>
+          </a:prstGeom>
+          <a:noFill/>
+        </p:spPr>
+        <p:txBody>
+          <a:bodyPr wrap="none">
+            <a:spAutoFit/>
+          </a:bodyPr>
+          <a:lstStyle/>
+          <a:p>
+            <a:pPr>
+              <a:defRPr sz="4000" b="1">
+                <a:solidFill>
+                  <a:srgbClr val="1F4E79"/>
+                </a:solidFill>
+              </a:defRPr>
+            </a:pPr>
+            <a:r>
+              <a:t>Leverage Plot 28</a:t>
+            </a:r>
+          </a:p>
+        </p:txBody>
+      </p:sp>
+      <p:cxnSp>
+        <p:nvCxnSpPr>
+          <p:cNvPr id="3" name="Connector 2"/>
+          <p:cNvCxnSpPr/>
+          <p:nvPr/>
+        </p:nvCxnSpPr>
+        <p:spPr>
+          <a:xfrm>
+            <a:off x="457200" y="1005840"/>
+            <a:ext cx="8229600" cy="0"/>
+          </a:xfrm>
+          <a:prstGeom prst="line">
+            <a:avLst/>
+          </a:prstGeom>
+          <a:ln w="25400">
+            <a:solidFill>
+              <a:srgbClr val="1F4E79"/>
+            </a:solidFill>
+          </a:ln>
+        </p:spPr>
+        <p:style>
+          <a:lnRef idx="2">
+            <a:schemeClr val="accent1"/>
+          </a:lnRef>
+          <a:fillRef idx="0">
+            <a:schemeClr val="accent1"/>
+          </a:fillRef>
+          <a:effectRef idx="1">
+            <a:schemeClr val="accent1"/>
+          </a:effectRef>
+          <a:fontRef idx="minor">
+            <a:schemeClr val="tx1"/>
+          </a:fontRef>
+        </p:style>
+      </p:cxnSp>
+      <p:pic>
+        <p:nvPicPr>
+          <p:cNvPr id="4" name="Picture 3" descr="image.png"/>
+          <p:cNvPicPr>
+            <a:picLocks noChangeAspect="1"/>
+          </p:cNvPicPr>
+          <p:nvPr/>
+        </p:nvPicPr>
+        <p:blipFill>
+          <a:blip r:embed="rId2"/>
+          <a:stretch>
+            <a:fillRect/>
+          </a:stretch>
+        </p:blipFill>
+        <p:spPr>
+          <a:xfrm>
+            <a:off x="914400" y="1280160"/>
+            <a:ext cx="7315200" cy="4180114"/>
+          </a:xfrm>
+          <a:prstGeom prst="rect">
+            <a:avLst/>
+          </a:prstGeom>
+        </p:spPr>
+      </p:pic>
+    </p:spTree>
+  </p:cSld>
+  <p:clrMapOvr>
+    <a:masterClrMapping/>
+  </p:clrMapOvr>
+</p:sld>
+</file>
+
+<file path=ppt/slides/slide35.xml><?xml version="1.0" encoding="utf-8"?>
+<p:sld xmlns:a="http://schemas.openxmlformats.org/drawingml/2006/main" xmlns:p="http://schemas.openxmlformats.org/presentationml/2006/main" xmlns:r="http://schemas.openxmlformats.org/officeDocument/2006/relationships">
+  <p:cSld>
+    <p:spTree>
+      <p:nvGrpSpPr>
+        <p:cNvPr id="1" name=""/>
+        <p:cNvGrpSpPr/>
+        <p:nvPr/>
+      </p:nvGrpSpPr>
+      <p:grpSpPr/>
+      <p:sp>
+        <p:nvSpPr>
+          <p:cNvPr id="2" name="TextBox 1"/>
+          <p:cNvSpPr txBox="1"/>
+          <p:nvPr/>
+        </p:nvSpPr>
+        <p:spPr>
+          <a:xfrm>
+            <a:off x="457200" y="365760"/>
+            <a:ext cx="8229600" cy="548640"/>
+          </a:xfrm>
+          <a:prstGeom prst="rect">
+            <a:avLst/>
+          </a:prstGeom>
+          <a:noFill/>
+        </p:spPr>
+        <p:txBody>
+          <a:bodyPr wrap="none">
+            <a:spAutoFit/>
+          </a:bodyPr>
+          <a:lstStyle/>
+          <a:p>
+            <a:pPr>
+              <a:defRPr sz="4000" b="1">
+                <a:solidFill>
+                  <a:srgbClr val="1F4E79"/>
+                </a:solidFill>
+              </a:defRPr>
+            </a:pPr>
+            <a:r>
+              <a:t>Leverage Plot 29</a:t>
+            </a:r>
+          </a:p>
+        </p:txBody>
+      </p:sp>
+      <p:cxnSp>
+        <p:nvCxnSpPr>
+          <p:cNvPr id="3" name="Connector 2"/>
+          <p:cNvCxnSpPr/>
+          <p:nvPr/>
+        </p:nvCxnSpPr>
+        <p:spPr>
+          <a:xfrm>
+            <a:off x="457200" y="1005840"/>
+            <a:ext cx="8229600" cy="0"/>
+          </a:xfrm>
+          <a:prstGeom prst="line">
+            <a:avLst/>
+          </a:prstGeom>
+          <a:ln w="25400">
+            <a:solidFill>
+              <a:srgbClr val="1F4E79"/>
+            </a:solidFill>
+          </a:ln>
+        </p:spPr>
+        <p:style>
+          <a:lnRef idx="2">
+            <a:schemeClr val="accent1"/>
+          </a:lnRef>
+          <a:fillRef idx="0">
+            <a:schemeClr val="accent1"/>
+          </a:fillRef>
+          <a:effectRef idx="1">
+            <a:schemeClr val="accent1"/>
+          </a:effectRef>
+          <a:fontRef idx="minor">
+            <a:schemeClr val="tx1"/>
+          </a:fontRef>
+        </p:style>
+      </p:cxnSp>
+      <p:pic>
+        <p:nvPicPr>
+          <p:cNvPr id="4" name="Picture 3" descr="image.png"/>
+          <p:cNvPicPr>
+            <a:picLocks noChangeAspect="1"/>
+          </p:cNvPicPr>
+          <p:nvPr/>
+        </p:nvPicPr>
+        <p:blipFill>
+          <a:blip r:embed="rId2"/>
+          <a:stretch>
+            <a:fillRect/>
+          </a:stretch>
+        </p:blipFill>
+        <p:spPr>
+          <a:xfrm>
+            <a:off x="914400" y="1280160"/>
+            <a:ext cx="7315200" cy="4180114"/>
+          </a:xfrm>
+          <a:prstGeom prst="rect">
+            <a:avLst/>
+          </a:prstGeom>
+        </p:spPr>
+      </p:pic>
+    </p:spTree>
+  </p:cSld>
+  <p:clrMapOvr>
+    <a:masterClrMapping/>
+  </p:clrMapOvr>
+</p:sld>
+</file>
+
+<file path=ppt/slides/slide36.xml><?xml version="1.0" encoding="utf-8"?>
+<p:sld xmlns:a="http://schemas.openxmlformats.org/drawingml/2006/main" xmlns:p="http://schemas.openxmlformats.org/presentationml/2006/main" xmlns:r="http://schemas.openxmlformats.org/officeDocument/2006/relationships">
+  <p:cSld>
+    <p:spTree>
+      <p:nvGrpSpPr>
+        <p:cNvPr id="1" name=""/>
+        <p:cNvGrpSpPr/>
+        <p:nvPr/>
+      </p:nvGrpSpPr>
+      <p:grpSpPr/>
+      <p:sp>
+        <p:nvSpPr>
+          <p:cNvPr id="2" name="TextBox 1"/>
+          <p:cNvSpPr txBox="1"/>
+          <p:nvPr/>
+        </p:nvSpPr>
+        <p:spPr>
+          <a:xfrm>
+            <a:off x="457200" y="365760"/>
+            <a:ext cx="8229600" cy="548640"/>
+          </a:xfrm>
+          <a:prstGeom prst="rect">
+            <a:avLst/>
+          </a:prstGeom>
+          <a:noFill/>
+        </p:spPr>
+        <p:txBody>
+          <a:bodyPr wrap="none">
+            <a:spAutoFit/>
+          </a:bodyPr>
+          <a:lstStyle/>
+          <a:p>
+            <a:pPr>
+              <a:defRPr sz="4000" b="1">
+                <a:solidFill>
+                  <a:srgbClr val="1F4E79"/>
+                </a:solidFill>
+              </a:defRPr>
+            </a:pPr>
+            <a:r>
+              <a:t>Leverage Plot 30</a:t>
+            </a:r>
+          </a:p>
+        </p:txBody>
+      </p:sp>
+      <p:cxnSp>
+        <p:nvCxnSpPr>
+          <p:cNvPr id="3" name="Connector 2"/>
+          <p:cNvCxnSpPr/>
+          <p:nvPr/>
+        </p:nvCxnSpPr>
+        <p:spPr>
+          <a:xfrm>
+            <a:off x="457200" y="1005840"/>
+            <a:ext cx="8229600" cy="0"/>
+          </a:xfrm>
+          <a:prstGeom prst="line">
+            <a:avLst/>
+          </a:prstGeom>
+          <a:ln w="25400">
+            <a:solidFill>
+              <a:srgbClr val="1F4E79"/>
+            </a:solidFill>
+          </a:ln>
+        </p:spPr>
+        <p:style>
+          <a:lnRef idx="2">
+            <a:schemeClr val="accent1"/>
+          </a:lnRef>
+          <a:fillRef idx="0">
+            <a:schemeClr val="accent1"/>
+          </a:fillRef>
+          <a:effectRef idx="1">
+            <a:schemeClr val="accent1"/>
+          </a:effectRef>
+          <a:fontRef idx="minor">
+            <a:schemeClr val="tx1"/>
+          </a:fontRef>
+        </p:style>
+      </p:cxnSp>
+      <p:pic>
+        <p:nvPicPr>
+          <p:cNvPr id="4" name="Picture 3" descr="image.png"/>
+          <p:cNvPicPr>
+            <a:picLocks noChangeAspect="1"/>
+          </p:cNvPicPr>
+          <p:nvPr/>
+        </p:nvPicPr>
+        <p:blipFill>
+          <a:blip r:embed="rId2"/>
+          <a:stretch>
+            <a:fillRect/>
+          </a:stretch>
+        </p:blipFill>
+        <p:spPr>
+          <a:xfrm>
+            <a:off x="914400" y="1280160"/>
+            <a:ext cx="7315200" cy="4180114"/>
+          </a:xfrm>
+          <a:prstGeom prst="rect">
+            <a:avLst/>
+          </a:prstGeom>
+        </p:spPr>
+      </p:pic>
+    </p:spTree>
+  </p:cSld>
+  <p:clrMapOvr>
+    <a:masterClrMapping/>
+  </p:clrMapOvr>
+</p:sld>
+</file>
+
+<file path=ppt/slides/slide37.xml><?xml version="1.0" encoding="utf-8"?>
+<p:sld xmlns:a="http://schemas.openxmlformats.org/drawingml/2006/main" xmlns:p="http://schemas.openxmlformats.org/presentationml/2006/main" xmlns:r="http://schemas.openxmlformats.org/officeDocument/2006/relationships">
+  <p:cSld>
+    <p:spTree>
+      <p:nvGrpSpPr>
+        <p:cNvPr id="1" name=""/>
+        <p:cNvGrpSpPr/>
+        <p:nvPr/>
+      </p:nvGrpSpPr>
+      <p:grpSpPr/>
+      <p:sp>
+        <p:nvSpPr>
+          <p:cNvPr id="2" name="TextBox 1"/>
+          <p:cNvSpPr txBox="1"/>
+          <p:nvPr/>
+        </p:nvSpPr>
+        <p:spPr>
+          <a:xfrm>
+            <a:off x="457200" y="365760"/>
+            <a:ext cx="8229600" cy="548640"/>
+          </a:xfrm>
+          <a:prstGeom prst="rect">
+            <a:avLst/>
+          </a:prstGeom>
+          <a:noFill/>
+        </p:spPr>
+        <p:txBody>
+          <a:bodyPr wrap="none">
+            <a:spAutoFit/>
+          </a:bodyPr>
+          <a:lstStyle/>
+          <a:p>
+            <a:pPr>
+              <a:defRPr sz="4000" b="1">
+                <a:solidFill>
+                  <a:srgbClr val="1F4E79"/>
+                </a:solidFill>
+              </a:defRPr>
+            </a:pPr>
+            <a:r>
+              <a:t>Leverage Plot 31</a:t>
+            </a:r>
+          </a:p>
+        </p:txBody>
+      </p:sp>
+      <p:cxnSp>
+        <p:nvCxnSpPr>
+          <p:cNvPr id="3" name="Connector 2"/>
+          <p:cNvCxnSpPr/>
+          <p:nvPr/>
+        </p:nvCxnSpPr>
+        <p:spPr>
+          <a:xfrm>
+            <a:off x="457200" y="1005840"/>
+            <a:ext cx="8229600" cy="0"/>
+          </a:xfrm>
+          <a:prstGeom prst="line">
+            <a:avLst/>
+          </a:prstGeom>
+          <a:ln w="25400">
+            <a:solidFill>
+              <a:srgbClr val="1F4E79"/>
+            </a:solidFill>
+          </a:ln>
+        </p:spPr>
+        <p:style>
+          <a:lnRef idx="2">
+            <a:schemeClr val="accent1"/>
+          </a:lnRef>
+          <a:fillRef idx="0">
+            <a:schemeClr val="accent1"/>
+          </a:fillRef>
+          <a:effectRef idx="1">
+            <a:schemeClr val="accent1"/>
+          </a:effectRef>
+          <a:fontRef idx="minor">
+            <a:schemeClr val="tx1"/>
+          </a:fontRef>
+        </p:style>
+      </p:cxnSp>
+      <p:pic>
+        <p:nvPicPr>
+          <p:cNvPr id="4" name="Picture 3" descr="image.png"/>
+          <p:cNvPicPr>
+            <a:picLocks noChangeAspect="1"/>
+          </p:cNvPicPr>
+          <p:nvPr/>
+        </p:nvPicPr>
+        <p:blipFill>
+          <a:blip r:embed="rId2"/>
+          <a:stretch>
+            <a:fillRect/>
+          </a:stretch>
+        </p:blipFill>
+        <p:spPr>
+          <a:xfrm>
+            <a:off x="914400" y="1280160"/>
+            <a:ext cx="7315200" cy="4180114"/>
+          </a:xfrm>
+          <a:prstGeom prst="rect">
+            <a:avLst/>
+          </a:prstGeom>
+        </p:spPr>
+      </p:pic>
+    </p:spTree>
+  </p:cSld>
+  <p:clrMapOvr>
+    <a:masterClrMapping/>
+  </p:clrMapOvr>
+</p:sld>
+</file>
+
+<file path=ppt/slides/slide38.xml><?xml version="1.0" encoding="utf-8"?>
+<p:sld xmlns:a="http://schemas.openxmlformats.org/drawingml/2006/main" xmlns:p="http://schemas.openxmlformats.org/presentationml/2006/main" xmlns:r="http://schemas.openxmlformats.org/officeDocument/2006/relationships">
+  <p:cSld>
+    <p:spTree>
+      <p:nvGrpSpPr>
+        <p:cNvPr id="1" name=""/>
+        <p:cNvGrpSpPr/>
+        <p:nvPr/>
+      </p:nvGrpSpPr>
+      <p:grpSpPr/>
+      <p:sp>
+        <p:nvSpPr>
+          <p:cNvPr id="2" name="TextBox 1"/>
+          <p:cNvSpPr txBox="1"/>
+          <p:nvPr/>
+        </p:nvSpPr>
+        <p:spPr>
+          <a:xfrm>
+            <a:off x="457200" y="365760"/>
+            <a:ext cx="8229600" cy="548640"/>
+          </a:xfrm>
+          <a:prstGeom prst="rect">
+            <a:avLst/>
+          </a:prstGeom>
+          <a:noFill/>
+        </p:spPr>
+        <p:txBody>
+          <a:bodyPr wrap="none">
+            <a:spAutoFit/>
+          </a:bodyPr>
+          <a:lstStyle/>
+          <a:p>
+            <a:pPr>
+              <a:defRPr sz="4000" b="1">
+                <a:solidFill>
+                  <a:srgbClr val="1F4E79"/>
+                </a:solidFill>
+              </a:defRPr>
+            </a:pPr>
+            <a:r>
+              <a:t>Leverage Plot 32</a:t>
+            </a:r>
+          </a:p>
+        </p:txBody>
+      </p:sp>
+      <p:cxnSp>
+        <p:nvCxnSpPr>
+          <p:cNvPr id="3" name="Connector 2"/>
+          <p:cNvCxnSpPr/>
+          <p:nvPr/>
+        </p:nvCxnSpPr>
+        <p:spPr>
+          <a:xfrm>
+            <a:off x="457200" y="1005840"/>
+            <a:ext cx="8229600" cy="0"/>
+          </a:xfrm>
+          <a:prstGeom prst="line">
+            <a:avLst/>
+          </a:prstGeom>
+          <a:ln w="25400">
+            <a:solidFill>
+              <a:srgbClr val="1F4E79"/>
+            </a:solidFill>
+          </a:ln>
+        </p:spPr>
+        <p:style>
+          <a:lnRef idx="2">
+            <a:schemeClr val="accent1"/>
+          </a:lnRef>
+          <a:fillRef idx="0">
+            <a:schemeClr val="accent1"/>
+          </a:fillRef>
+          <a:effectRef idx="1">
+            <a:schemeClr val="accent1"/>
+          </a:effectRef>
+          <a:fontRef idx="minor">
+            <a:schemeClr val="tx1"/>
+          </a:fontRef>
+        </p:style>
+      </p:cxnSp>
+      <p:pic>
+        <p:nvPicPr>
+          <p:cNvPr id="4" name="Picture 3" descr="image.png"/>
+          <p:cNvPicPr>
+            <a:picLocks noChangeAspect="1"/>
+          </p:cNvPicPr>
+          <p:nvPr/>
+        </p:nvPicPr>
+        <p:blipFill>
+          <a:blip r:embed="rId2"/>
+          <a:stretch>
+            <a:fillRect/>
+          </a:stretch>
+        </p:blipFill>
+        <p:spPr>
+          <a:xfrm>
+            <a:off x="914400" y="1280160"/>
+            <a:ext cx="7315200" cy="4180114"/>
+          </a:xfrm>
+          <a:prstGeom prst="rect">
+            <a:avLst/>
+          </a:prstGeom>
+        </p:spPr>
+      </p:pic>
+    </p:spTree>
+  </p:cSld>
+  <p:clrMapOvr>
+    <a:masterClrMapping/>
+  </p:clrMapOvr>
+</p:sld>
+</file>
+
+<file path=ppt/slides/slide39.xml><?xml version="1.0" encoding="utf-8"?>
+<p:sld xmlns:a="http://schemas.openxmlformats.org/drawingml/2006/main" xmlns:p="http://schemas.openxmlformats.org/presentationml/2006/main" xmlns:r="http://schemas.openxmlformats.org/officeDocument/2006/relationships">
+  <p:cSld>
+    <p:spTree>
+      <p:nvGrpSpPr>
+        <p:cNvPr id="1" name=""/>
+        <p:cNvGrpSpPr/>
+        <p:nvPr/>
+      </p:nvGrpSpPr>
+      <p:grpSpPr/>
+      <p:sp>
+        <p:nvSpPr>
+          <p:cNvPr id="2" name="TextBox 1"/>
+          <p:cNvSpPr txBox="1"/>
+          <p:nvPr/>
+        </p:nvSpPr>
+        <p:spPr>
+          <a:xfrm>
+            <a:off x="457200" y="365760"/>
+            <a:ext cx="8229600" cy="548640"/>
+          </a:xfrm>
+          <a:prstGeom prst="rect">
+            <a:avLst/>
+          </a:prstGeom>
+          <a:noFill/>
+        </p:spPr>
+        <p:txBody>
+          <a:bodyPr wrap="none">
+            <a:spAutoFit/>
+          </a:bodyPr>
+          <a:lstStyle/>
+          <a:p>
+            <a:pPr>
+              <a:defRPr sz="4000" b="1">
+                <a:solidFill>
+                  <a:srgbClr val="1F4E79"/>
+                </a:solidFill>
+              </a:defRPr>
+            </a:pPr>
+            <a:r>
+              <a:t>Leverage Plot 33</a:t>
             </a:r>
           </a:p>
         </p:txBody>
@@ -7669,7 +6904,1589 @@
               </a:defRPr>
             </a:pPr>
             <a:r>
-              <a:t>Analysis Chart 3</a:t>
+              <a:t>Model Comparison: Full vs Reduced</a:t>
+            </a:r>
+          </a:p>
+        </p:txBody>
+      </p:sp>
+      <p:cxnSp>
+        <p:nvCxnSpPr>
+          <p:cNvPr id="3" name="Connector 2"/>
+          <p:cNvCxnSpPr/>
+          <p:nvPr/>
+        </p:nvCxnSpPr>
+        <p:spPr>
+          <a:xfrm>
+            <a:off x="457200" y="1005840"/>
+            <a:ext cx="8229600" cy="0"/>
+          </a:xfrm>
+          <a:prstGeom prst="line">
+            <a:avLst/>
+          </a:prstGeom>
+          <a:ln w="25400">
+            <a:solidFill>
+              <a:srgbClr val="1F4E79"/>
+            </a:solidFill>
+          </a:ln>
+        </p:spPr>
+        <p:style>
+          <a:lnRef idx="2">
+            <a:schemeClr val="accent1"/>
+          </a:lnRef>
+          <a:fillRef idx="0">
+            <a:schemeClr val="accent1"/>
+          </a:fillRef>
+          <a:effectRef idx="1">
+            <a:schemeClr val="accent1"/>
+          </a:effectRef>
+          <a:fontRef idx="minor">
+            <a:schemeClr val="tx1"/>
+          </a:fontRef>
+        </p:style>
+      </p:cxnSp>
+      <p:graphicFrame>
+        <p:nvGraphicFramePr>
+          <p:cNvPr id="4" name="Table 3"/>
+          <p:cNvGraphicFramePr>
+            <a:graphicFrameLocks noGrp="1"/>
+          </p:cNvGraphicFramePr>
+          <p:nvPr/>
+        </p:nvGraphicFramePr>
+        <p:xfrm>
+          <a:off x="457200" y="1280160"/>
+          <a:ext cx="8229600" cy="4114800"/>
+        </p:xfrm>
+        <a:graphic>
+          <a:graphicData uri="http://schemas.openxmlformats.org/drawingml/2006/table">
+            <a:tbl>
+              <a:tblPr firstRow="1" bandRow="1">
+                <a:tableStyleId>{5C22544A-7EE6-4342-B048-85BDC9FD1C3A}</a:tableStyleId>
+              </a:tblPr>
+              <a:tblGrid>
+                <a:gridCol w="2057400"/>
+                <a:gridCol w="2057400"/>
+                <a:gridCol w="2057400"/>
+                <a:gridCol w="2057400"/>
+              </a:tblGrid>
+              <a:tr h="587828">
+                <a:tc>
+                  <a:txBody>
+                    <a:bodyPr/>
+                    <a:lstStyle/>
+                    <a:p>
+                      <a:r>
+                        <a:rPr sz="1100" b="1">
+                          <a:solidFill>
+                            <a:srgbClr val="FFFFFF"/>
+                          </a:solidFill>
+                        </a:rPr>
+                        <a:t>Metric</a:t>
+                      </a:r>
+                    </a:p>
+                  </a:txBody>
+                  <a:tcPr>
+                    <a:solidFill>
+                      <a:srgbClr val="1F4E79"/>
+                    </a:solidFill>
+                  </a:tcPr>
+                </a:tc>
+                <a:tc>
+                  <a:txBody>
+                    <a:bodyPr/>
+                    <a:lstStyle/>
+                    <a:p>
+                      <a:r>
+                        <a:rPr sz="1100" b="1">
+                          <a:solidFill>
+                            <a:srgbClr val="FFFFFF"/>
+                          </a:solidFill>
+                        </a:rPr>
+                        <a:t>Full Model</a:t>
+                      </a:r>
+                    </a:p>
+                  </a:txBody>
+                  <a:tcPr>
+                    <a:solidFill>
+                      <a:srgbClr val="1F4E79"/>
+                    </a:solidFill>
+                  </a:tcPr>
+                </a:tc>
+                <a:tc>
+                  <a:txBody>
+                    <a:bodyPr/>
+                    <a:lstStyle/>
+                    <a:p>
+                      <a:r>
+                        <a:rPr sz="1100" b="1">
+                          <a:solidFill>
+                            <a:srgbClr val="FFFFFF"/>
+                          </a:solidFill>
+                        </a:rPr>
+                        <a:t>Reduced Model</a:t>
+                      </a:r>
+                    </a:p>
+                  </a:txBody>
+                  <a:tcPr>
+                    <a:solidFill>
+                      <a:srgbClr val="1F4E79"/>
+                    </a:solidFill>
+                  </a:tcPr>
+                </a:tc>
+                <a:tc>
+                  <a:txBody>
+                    <a:bodyPr/>
+                    <a:lstStyle/>
+                    <a:p>
+                      <a:r>
+                        <a:rPr sz="1100" b="1">
+                          <a:solidFill>
+                            <a:srgbClr val="FFFFFF"/>
+                          </a:solidFill>
+                        </a:rPr>
+                        <a:t>Difference</a:t>
+                      </a:r>
+                    </a:p>
+                  </a:txBody>
+                  <a:tcPr>
+                    <a:solidFill>
+                      <a:srgbClr val="1F4E79"/>
+                    </a:solidFill>
+                  </a:tcPr>
+                </a:tc>
+              </a:tr>
+              <a:tr h="587828">
+                <a:tc>
+                  <a:txBody>
+                    <a:bodyPr/>
+                    <a:lstStyle/>
+                    <a:p>
+                      <a:r>
+                        <a:rPr sz="1000"/>
+                        <a:t>Parameters</a:t>
+                      </a:r>
+                    </a:p>
+                  </a:txBody>
+                  <a:tcPr>
+                    <a:solidFill>
+                      <a:srgbClr val="F2F2F2"/>
+                    </a:solidFill>
+                  </a:tcPr>
+                </a:tc>
+                <a:tc>
+                  <a:txBody>
+                    <a:bodyPr/>
+                    <a:lstStyle/>
+                    <a:p>
+                      <a:r>
+                        <a:rPr sz="1000"/>
+                        <a:t>820</a:t>
+                      </a:r>
+                    </a:p>
+                  </a:txBody>
+                  <a:tcPr>
+                    <a:solidFill>
+                      <a:srgbClr val="F2F2F2"/>
+                    </a:solidFill>
+                  </a:tcPr>
+                </a:tc>
+                <a:tc>
+                  <a:txBody>
+                    <a:bodyPr/>
+                    <a:lstStyle/>
+                    <a:p>
+                      <a:r>
+                        <a:rPr sz="1000"/>
+                        <a:t>451</a:t>
+                      </a:r>
+                    </a:p>
+                  </a:txBody>
+                  <a:tcPr>
+                    <a:solidFill>
+                      <a:srgbClr val="F2F2F2"/>
+                    </a:solidFill>
+                  </a:tcPr>
+                </a:tc>
+                <a:tc>
+                  <a:txBody>
+                    <a:bodyPr/>
+                    <a:lstStyle/>
+                    <a:p>
+                      <a:r>
+                        <a:rPr sz="1000"/>
+                        <a:t>-369 (-45%)</a:t>
+                      </a:r>
+                    </a:p>
+                  </a:txBody>
+                  <a:tcPr>
+                    <a:solidFill>
+                      <a:srgbClr val="F2F2F2"/>
+                    </a:solidFill>
+                  </a:tcPr>
+                </a:tc>
+              </a:tr>
+              <a:tr h="587828">
+                <a:tc>
+                  <a:txBody>
+                    <a:bodyPr/>
+                    <a:lstStyle/>
+                    <a:p>
+                      <a:r>
+                        <a:rPr sz="1000"/>
+                        <a:t>R²</a:t>
+                      </a:r>
+                    </a:p>
+                  </a:txBody>
+                  <a:tcPr/>
+                </a:tc>
+                <a:tc>
+                  <a:txBody>
+                    <a:bodyPr/>
+                    <a:lstStyle/>
+                    <a:p>
+                      <a:r>
+                        <a:rPr sz="1000"/>
+                        <a:t>0.3897</a:t>
+                      </a:r>
+                    </a:p>
+                  </a:txBody>
+                  <a:tcPr/>
+                </a:tc>
+                <a:tc>
+                  <a:txBody>
+                    <a:bodyPr/>
+                    <a:lstStyle/>
+                    <a:p>
+                      <a:r>
+                        <a:rPr sz="1000"/>
+                        <a:t>0.3852</a:t>
+                      </a:r>
+                    </a:p>
+                  </a:txBody>
+                  <a:tcPr/>
+                </a:tc>
+                <a:tc>
+                  <a:txBody>
+                    <a:bodyPr/>
+                    <a:lstStyle/>
+                    <a:p>
+                      <a:r>
+                        <a:rPr sz="1000"/>
+                        <a:t>-0.0045 (-1.1%)</a:t>
+                      </a:r>
+                    </a:p>
+                  </a:txBody>
+                  <a:tcPr/>
+                </a:tc>
+              </a:tr>
+              <a:tr h="587828">
+                <a:tc>
+                  <a:txBody>
+                    <a:bodyPr/>
+                    <a:lstStyle/>
+                    <a:p>
+                      <a:r>
+                        <a:rPr sz="1000"/>
+                        <a:t>Adjusted R²</a:t>
+                      </a:r>
+                    </a:p>
+                  </a:txBody>
+                  <a:tcPr>
+                    <a:solidFill>
+                      <a:srgbClr val="F2F2F2"/>
+                    </a:solidFill>
+                  </a:tcPr>
+                </a:tc>
+                <a:tc>
+                  <a:txBody>
+                    <a:bodyPr/>
+                    <a:lstStyle/>
+                    <a:p>
+                      <a:r>
+                        <a:rPr sz="1000"/>
+                        <a:t>0.3830</a:t>
+                      </a:r>
+                    </a:p>
+                  </a:txBody>
+                  <a:tcPr>
+                    <a:solidFill>
+                      <a:srgbClr val="F2F2F2"/>
+                    </a:solidFill>
+                  </a:tcPr>
+                </a:tc>
+                <a:tc>
+                  <a:txBody>
+                    <a:bodyPr/>
+                    <a:lstStyle/>
+                    <a:p>
+                      <a:r>
+                        <a:rPr sz="1000"/>
+                        <a:t>0.3816</a:t>
+                      </a:r>
+                    </a:p>
+                  </a:txBody>
+                  <a:tcPr>
+                    <a:solidFill>
+                      <a:srgbClr val="F2F2F2"/>
+                    </a:solidFill>
+                  </a:tcPr>
+                </a:tc>
+                <a:tc>
+                  <a:txBody>
+                    <a:bodyPr/>
+                    <a:lstStyle/>
+                    <a:p>
+                      <a:r>
+                        <a:rPr sz="1000"/>
+                        <a:t>-0.0014</a:t>
+                      </a:r>
+                    </a:p>
+                  </a:txBody>
+                  <a:tcPr>
+                    <a:solidFill>
+                      <a:srgbClr val="F2F2F2"/>
+                    </a:solidFill>
+                  </a:tcPr>
+                </a:tc>
+              </a:tr>
+              <a:tr h="587828">
+                <a:tc>
+                  <a:txBody>
+                    <a:bodyPr/>
+                    <a:lstStyle/>
+                    <a:p>
+                      <a:r>
+                        <a:rPr sz="1000"/>
+                        <a:t>MSE</a:t>
+                      </a:r>
+                    </a:p>
+                  </a:txBody>
+                  <a:tcPr/>
+                </a:tc>
+                <a:tc>
+                  <a:txBody>
+                    <a:bodyPr/>
+                    <a:lstStyle/>
+                    <a:p>
+                      <a:r>
+                        <a:rPr sz="1000"/>
+                        <a:t>1.7437</a:t>
+                      </a:r>
+                    </a:p>
+                  </a:txBody>
+                  <a:tcPr/>
+                </a:tc>
+                <a:tc>
+                  <a:txBody>
+                    <a:bodyPr/>
+                    <a:lstStyle/>
+                    <a:p>
+                      <a:r>
+                        <a:rPr sz="1000"/>
+                        <a:t>1.7460</a:t>
+                      </a:r>
+                    </a:p>
+                  </a:txBody>
+                  <a:tcPr/>
+                </a:tc>
+                <a:tc>
+                  <a:txBody>
+                    <a:bodyPr/>
+                    <a:lstStyle/>
+                    <a:p>
+                      <a:r>
+                        <a:rPr sz="1000"/>
+                        <a:t>+0.0023 (+0.1%)</a:t>
+                      </a:r>
+                    </a:p>
+                  </a:txBody>
+                  <a:tcPr/>
+                </a:tc>
+              </a:tr>
+              <a:tr h="587828">
+                <a:tc>
+                  <a:txBody>
+                    <a:bodyPr/>
+                    <a:lstStyle/>
+                    <a:p>
+                      <a:r>
+                        <a:rPr sz="1000"/>
+                        <a:t>F-Statistic</a:t>
+                      </a:r>
+                    </a:p>
+                  </a:txBody>
+                  <a:tcPr>
+                    <a:solidFill>
+                      <a:srgbClr val="F2F2F2"/>
+                    </a:solidFill>
+                  </a:tcPr>
+                </a:tc>
+                <a:tc>
+                  <a:txBody>
+                    <a:bodyPr/>
+                    <a:lstStyle/>
+                    <a:p>
+                      <a:r>
+                        <a:rPr sz="1000"/>
+                        <a:t>58.42</a:t>
+                      </a:r>
+                    </a:p>
+                  </a:txBody>
+                  <a:tcPr>
+                    <a:solidFill>
+                      <a:srgbClr val="F2F2F2"/>
+                    </a:solidFill>
+                  </a:tcPr>
+                </a:tc>
+                <a:tc>
+                  <a:txBody>
+                    <a:bodyPr/>
+                    <a:lstStyle/>
+                    <a:p>
+                      <a:r>
+                        <a:rPr sz="1000"/>
+                        <a:t>108.36</a:t>
+                      </a:r>
+                    </a:p>
+                  </a:txBody>
+                  <a:tcPr>
+                    <a:solidFill>
+                      <a:srgbClr val="F2F2F2"/>
+                    </a:solidFill>
+                  </a:tcPr>
+                </a:tc>
+                <a:tc>
+                  <a:txBody>
+                    <a:bodyPr/>
+                    <a:lstStyle/>
+                    <a:p>
+                      <a:r>
+                        <a:rPr sz="1000"/>
+                        <a:t>+49.94</a:t>
+                      </a:r>
+                    </a:p>
+                  </a:txBody>
+                  <a:tcPr>
+                    <a:solidFill>
+                      <a:srgbClr val="F2F2F2"/>
+                    </a:solidFill>
+                  </a:tcPr>
+                </a:tc>
+              </a:tr>
+              <a:tr h="587832">
+                <a:tc>
+                  <a:txBody>
+                    <a:bodyPr/>
+                    <a:lstStyle/>
+                    <a:p>
+                      <a:r>
+                        <a:rPr sz="1000"/>
+                        <a:t>p-value</a:t>
+                      </a:r>
+                    </a:p>
+                  </a:txBody>
+                  <a:tcPr/>
+                </a:tc>
+                <a:tc>
+                  <a:txBody>
+                    <a:bodyPr/>
+                    <a:lstStyle/>
+                    <a:p>
+                      <a:r>
+                        <a:rPr sz="1000"/>
+                        <a:t>&lt;0.001</a:t>
+                      </a:r>
+                    </a:p>
+                  </a:txBody>
+                  <a:tcPr/>
+                </a:tc>
+                <a:tc>
+                  <a:txBody>
+                    <a:bodyPr/>
+                    <a:lstStyle/>
+                    <a:p>
+                      <a:r>
+                        <a:rPr sz="1000"/>
+                        <a:t>&lt;0.001</a:t>
+                      </a:r>
+                    </a:p>
+                  </a:txBody>
+                  <a:tcPr/>
+                </a:tc>
+                <a:tc>
+                  <a:txBody>
+                    <a:bodyPr/>
+                    <a:lstStyle/>
+                    <a:p>
+                      <a:r>
+                        <a:rPr sz="1000"/>
+                        <a:t>N/A</a:t>
+                      </a:r>
+                    </a:p>
+                  </a:txBody>
+                  <a:tcPr/>
+                </a:tc>
+              </a:tr>
+            </a:tbl>
+          </a:graphicData>
+        </a:graphic>
+      </p:graphicFrame>
+    </p:spTree>
+  </p:cSld>
+  <p:clrMapOvr>
+    <a:masterClrMapping/>
+  </p:clrMapOvr>
+</p:sld>
+</file>
+
+<file path=ppt/slides/slide40.xml><?xml version="1.0" encoding="utf-8"?>
+<p:sld xmlns:a="http://schemas.openxmlformats.org/drawingml/2006/main" xmlns:p="http://schemas.openxmlformats.org/presentationml/2006/main" xmlns:r="http://schemas.openxmlformats.org/officeDocument/2006/relationships">
+  <p:cSld>
+    <p:spTree>
+      <p:nvGrpSpPr>
+        <p:cNvPr id="1" name=""/>
+        <p:cNvGrpSpPr/>
+        <p:nvPr/>
+      </p:nvGrpSpPr>
+      <p:grpSpPr/>
+      <p:sp>
+        <p:nvSpPr>
+          <p:cNvPr id="2" name="TextBox 1"/>
+          <p:cNvSpPr txBox="1"/>
+          <p:nvPr/>
+        </p:nvSpPr>
+        <p:spPr>
+          <a:xfrm>
+            <a:off x="457200" y="365760"/>
+            <a:ext cx="8229600" cy="548640"/>
+          </a:xfrm>
+          <a:prstGeom prst="rect">
+            <a:avLst/>
+          </a:prstGeom>
+          <a:noFill/>
+        </p:spPr>
+        <p:txBody>
+          <a:bodyPr wrap="none">
+            <a:spAutoFit/>
+          </a:bodyPr>
+          <a:lstStyle/>
+          <a:p>
+            <a:pPr>
+              <a:defRPr sz="4000" b="1">
+                <a:solidFill>
+                  <a:srgbClr val="1F4E79"/>
+                </a:solidFill>
+              </a:defRPr>
+            </a:pPr>
+            <a:r>
+              <a:t>Leverage Plot 34</a:t>
+            </a:r>
+          </a:p>
+        </p:txBody>
+      </p:sp>
+      <p:cxnSp>
+        <p:nvCxnSpPr>
+          <p:cNvPr id="3" name="Connector 2"/>
+          <p:cNvCxnSpPr/>
+          <p:nvPr/>
+        </p:nvCxnSpPr>
+        <p:spPr>
+          <a:xfrm>
+            <a:off x="457200" y="1005840"/>
+            <a:ext cx="8229600" cy="0"/>
+          </a:xfrm>
+          <a:prstGeom prst="line">
+            <a:avLst/>
+          </a:prstGeom>
+          <a:ln w="25400">
+            <a:solidFill>
+              <a:srgbClr val="1F4E79"/>
+            </a:solidFill>
+          </a:ln>
+        </p:spPr>
+        <p:style>
+          <a:lnRef idx="2">
+            <a:schemeClr val="accent1"/>
+          </a:lnRef>
+          <a:fillRef idx="0">
+            <a:schemeClr val="accent1"/>
+          </a:fillRef>
+          <a:effectRef idx="1">
+            <a:schemeClr val="accent1"/>
+          </a:effectRef>
+          <a:fontRef idx="minor">
+            <a:schemeClr val="tx1"/>
+          </a:fontRef>
+        </p:style>
+      </p:cxnSp>
+      <p:pic>
+        <p:nvPicPr>
+          <p:cNvPr id="4" name="Picture 3" descr="image.png"/>
+          <p:cNvPicPr>
+            <a:picLocks noChangeAspect="1"/>
+          </p:cNvPicPr>
+          <p:nvPr/>
+        </p:nvPicPr>
+        <p:blipFill>
+          <a:blip r:embed="rId2"/>
+          <a:stretch>
+            <a:fillRect/>
+          </a:stretch>
+        </p:blipFill>
+        <p:spPr>
+          <a:xfrm>
+            <a:off x="914400" y="1280160"/>
+            <a:ext cx="7315200" cy="4180114"/>
+          </a:xfrm>
+          <a:prstGeom prst="rect">
+            <a:avLst/>
+          </a:prstGeom>
+        </p:spPr>
+      </p:pic>
+    </p:spTree>
+  </p:cSld>
+  <p:clrMapOvr>
+    <a:masterClrMapping/>
+  </p:clrMapOvr>
+</p:sld>
+</file>
+
+<file path=ppt/slides/slide41.xml><?xml version="1.0" encoding="utf-8"?>
+<p:sld xmlns:a="http://schemas.openxmlformats.org/drawingml/2006/main" xmlns:p="http://schemas.openxmlformats.org/presentationml/2006/main" xmlns:r="http://schemas.openxmlformats.org/officeDocument/2006/relationships">
+  <p:cSld>
+    <p:spTree>
+      <p:nvGrpSpPr>
+        <p:cNvPr id="1" name=""/>
+        <p:cNvGrpSpPr/>
+        <p:nvPr/>
+      </p:nvGrpSpPr>
+      <p:grpSpPr/>
+      <p:sp>
+        <p:nvSpPr>
+          <p:cNvPr id="2" name="TextBox 1"/>
+          <p:cNvSpPr txBox="1"/>
+          <p:nvPr/>
+        </p:nvSpPr>
+        <p:spPr>
+          <a:xfrm>
+            <a:off x="457200" y="365760"/>
+            <a:ext cx="8229600" cy="548640"/>
+          </a:xfrm>
+          <a:prstGeom prst="rect">
+            <a:avLst/>
+          </a:prstGeom>
+          <a:noFill/>
+        </p:spPr>
+        <p:txBody>
+          <a:bodyPr wrap="none">
+            <a:spAutoFit/>
+          </a:bodyPr>
+          <a:lstStyle/>
+          <a:p>
+            <a:pPr>
+              <a:defRPr sz="4000" b="1">
+                <a:solidFill>
+                  <a:srgbClr val="1F4E79"/>
+                </a:solidFill>
+              </a:defRPr>
+            </a:pPr>
+            <a:r>
+              <a:t>Leverage Plot 35</a:t>
+            </a:r>
+          </a:p>
+        </p:txBody>
+      </p:sp>
+      <p:cxnSp>
+        <p:nvCxnSpPr>
+          <p:cNvPr id="3" name="Connector 2"/>
+          <p:cNvCxnSpPr/>
+          <p:nvPr/>
+        </p:nvCxnSpPr>
+        <p:spPr>
+          <a:xfrm>
+            <a:off x="457200" y="1005840"/>
+            <a:ext cx="8229600" cy="0"/>
+          </a:xfrm>
+          <a:prstGeom prst="line">
+            <a:avLst/>
+          </a:prstGeom>
+          <a:ln w="25400">
+            <a:solidFill>
+              <a:srgbClr val="1F4E79"/>
+            </a:solidFill>
+          </a:ln>
+        </p:spPr>
+        <p:style>
+          <a:lnRef idx="2">
+            <a:schemeClr val="accent1"/>
+          </a:lnRef>
+          <a:fillRef idx="0">
+            <a:schemeClr val="accent1"/>
+          </a:fillRef>
+          <a:effectRef idx="1">
+            <a:schemeClr val="accent1"/>
+          </a:effectRef>
+          <a:fontRef idx="minor">
+            <a:schemeClr val="tx1"/>
+          </a:fontRef>
+        </p:style>
+      </p:cxnSp>
+      <p:pic>
+        <p:nvPicPr>
+          <p:cNvPr id="4" name="Picture 3" descr="image.png"/>
+          <p:cNvPicPr>
+            <a:picLocks noChangeAspect="1"/>
+          </p:cNvPicPr>
+          <p:nvPr/>
+        </p:nvPicPr>
+        <p:blipFill>
+          <a:blip r:embed="rId2"/>
+          <a:stretch>
+            <a:fillRect/>
+          </a:stretch>
+        </p:blipFill>
+        <p:spPr>
+          <a:xfrm>
+            <a:off x="914400" y="1280160"/>
+            <a:ext cx="7315200" cy="4180114"/>
+          </a:xfrm>
+          <a:prstGeom prst="rect">
+            <a:avLst/>
+          </a:prstGeom>
+        </p:spPr>
+      </p:pic>
+    </p:spTree>
+  </p:cSld>
+  <p:clrMapOvr>
+    <a:masterClrMapping/>
+  </p:clrMapOvr>
+</p:sld>
+</file>
+
+<file path=ppt/slides/slide42.xml><?xml version="1.0" encoding="utf-8"?>
+<p:sld xmlns:a="http://schemas.openxmlformats.org/drawingml/2006/main" xmlns:p="http://schemas.openxmlformats.org/presentationml/2006/main" xmlns:r="http://schemas.openxmlformats.org/officeDocument/2006/relationships">
+  <p:cSld>
+    <p:spTree>
+      <p:nvGrpSpPr>
+        <p:cNvPr id="1" name=""/>
+        <p:cNvGrpSpPr/>
+        <p:nvPr/>
+      </p:nvGrpSpPr>
+      <p:grpSpPr/>
+      <p:sp>
+        <p:nvSpPr>
+          <p:cNvPr id="2" name="TextBox 1"/>
+          <p:cNvSpPr txBox="1"/>
+          <p:nvPr/>
+        </p:nvSpPr>
+        <p:spPr>
+          <a:xfrm>
+            <a:off x="457200" y="365760"/>
+            <a:ext cx="8229600" cy="548640"/>
+          </a:xfrm>
+          <a:prstGeom prst="rect">
+            <a:avLst/>
+          </a:prstGeom>
+          <a:noFill/>
+        </p:spPr>
+        <p:txBody>
+          <a:bodyPr wrap="none">
+            <a:spAutoFit/>
+          </a:bodyPr>
+          <a:lstStyle/>
+          <a:p>
+            <a:pPr>
+              <a:defRPr sz="4000" b="1">
+                <a:solidFill>
+                  <a:srgbClr val="1F4E79"/>
+                </a:solidFill>
+              </a:defRPr>
+            </a:pPr>
+            <a:r>
+              <a:t>Leverage Plot 36</a:t>
+            </a:r>
+          </a:p>
+        </p:txBody>
+      </p:sp>
+      <p:cxnSp>
+        <p:nvCxnSpPr>
+          <p:cNvPr id="3" name="Connector 2"/>
+          <p:cNvCxnSpPr/>
+          <p:nvPr/>
+        </p:nvCxnSpPr>
+        <p:spPr>
+          <a:xfrm>
+            <a:off x="457200" y="1005840"/>
+            <a:ext cx="8229600" cy="0"/>
+          </a:xfrm>
+          <a:prstGeom prst="line">
+            <a:avLst/>
+          </a:prstGeom>
+          <a:ln w="25400">
+            <a:solidFill>
+              <a:srgbClr val="1F4E79"/>
+            </a:solidFill>
+          </a:ln>
+        </p:spPr>
+        <p:style>
+          <a:lnRef idx="2">
+            <a:schemeClr val="accent1"/>
+          </a:lnRef>
+          <a:fillRef idx="0">
+            <a:schemeClr val="accent1"/>
+          </a:fillRef>
+          <a:effectRef idx="1">
+            <a:schemeClr val="accent1"/>
+          </a:effectRef>
+          <a:fontRef idx="minor">
+            <a:schemeClr val="tx1"/>
+          </a:fontRef>
+        </p:style>
+      </p:cxnSp>
+      <p:pic>
+        <p:nvPicPr>
+          <p:cNvPr id="4" name="Picture 3" descr="image.png"/>
+          <p:cNvPicPr>
+            <a:picLocks noChangeAspect="1"/>
+          </p:cNvPicPr>
+          <p:nvPr/>
+        </p:nvPicPr>
+        <p:blipFill>
+          <a:blip r:embed="rId2"/>
+          <a:stretch>
+            <a:fillRect/>
+          </a:stretch>
+        </p:blipFill>
+        <p:spPr>
+          <a:xfrm>
+            <a:off x="914400" y="1280160"/>
+            <a:ext cx="7315200" cy="4180114"/>
+          </a:xfrm>
+          <a:prstGeom prst="rect">
+            <a:avLst/>
+          </a:prstGeom>
+        </p:spPr>
+      </p:pic>
+    </p:spTree>
+  </p:cSld>
+  <p:clrMapOvr>
+    <a:masterClrMapping/>
+  </p:clrMapOvr>
+</p:sld>
+</file>
+
+<file path=ppt/slides/slide43.xml><?xml version="1.0" encoding="utf-8"?>
+<p:sld xmlns:a="http://schemas.openxmlformats.org/drawingml/2006/main" xmlns:p="http://schemas.openxmlformats.org/presentationml/2006/main" xmlns:r="http://schemas.openxmlformats.org/officeDocument/2006/relationships">
+  <p:cSld>
+    <p:spTree>
+      <p:nvGrpSpPr>
+        <p:cNvPr id="1" name=""/>
+        <p:cNvGrpSpPr/>
+        <p:nvPr/>
+      </p:nvGrpSpPr>
+      <p:grpSpPr/>
+      <p:sp>
+        <p:nvSpPr>
+          <p:cNvPr id="2" name="TextBox 1"/>
+          <p:cNvSpPr txBox="1"/>
+          <p:nvPr/>
+        </p:nvSpPr>
+        <p:spPr>
+          <a:xfrm>
+            <a:off x="457200" y="365760"/>
+            <a:ext cx="8229600" cy="548640"/>
+          </a:xfrm>
+          <a:prstGeom prst="rect">
+            <a:avLst/>
+          </a:prstGeom>
+          <a:noFill/>
+        </p:spPr>
+        <p:txBody>
+          <a:bodyPr wrap="none">
+            <a:spAutoFit/>
+          </a:bodyPr>
+          <a:lstStyle/>
+          <a:p>
+            <a:pPr>
+              <a:defRPr sz="4000" b="1">
+                <a:solidFill>
+                  <a:srgbClr val="1F4E79"/>
+                </a:solidFill>
+              </a:defRPr>
+            </a:pPr>
+            <a:r>
+              <a:t>Leverage Plot 37</a:t>
+            </a:r>
+          </a:p>
+        </p:txBody>
+      </p:sp>
+      <p:cxnSp>
+        <p:nvCxnSpPr>
+          <p:cNvPr id="3" name="Connector 2"/>
+          <p:cNvCxnSpPr/>
+          <p:nvPr/>
+        </p:nvCxnSpPr>
+        <p:spPr>
+          <a:xfrm>
+            <a:off x="457200" y="1005840"/>
+            <a:ext cx="8229600" cy="0"/>
+          </a:xfrm>
+          <a:prstGeom prst="line">
+            <a:avLst/>
+          </a:prstGeom>
+          <a:ln w="25400">
+            <a:solidFill>
+              <a:srgbClr val="1F4E79"/>
+            </a:solidFill>
+          </a:ln>
+        </p:spPr>
+        <p:style>
+          <a:lnRef idx="2">
+            <a:schemeClr val="accent1"/>
+          </a:lnRef>
+          <a:fillRef idx="0">
+            <a:schemeClr val="accent1"/>
+          </a:fillRef>
+          <a:effectRef idx="1">
+            <a:schemeClr val="accent1"/>
+          </a:effectRef>
+          <a:fontRef idx="minor">
+            <a:schemeClr val="tx1"/>
+          </a:fontRef>
+        </p:style>
+      </p:cxnSp>
+      <p:pic>
+        <p:nvPicPr>
+          <p:cNvPr id="4" name="Picture 3" descr="image.png"/>
+          <p:cNvPicPr>
+            <a:picLocks noChangeAspect="1"/>
+          </p:cNvPicPr>
+          <p:nvPr/>
+        </p:nvPicPr>
+        <p:blipFill>
+          <a:blip r:embed="rId2"/>
+          <a:stretch>
+            <a:fillRect/>
+          </a:stretch>
+        </p:blipFill>
+        <p:spPr>
+          <a:xfrm>
+            <a:off x="914400" y="1280160"/>
+            <a:ext cx="7315200" cy="4180114"/>
+          </a:xfrm>
+          <a:prstGeom prst="rect">
+            <a:avLst/>
+          </a:prstGeom>
+        </p:spPr>
+      </p:pic>
+    </p:spTree>
+  </p:cSld>
+  <p:clrMapOvr>
+    <a:masterClrMapping/>
+  </p:clrMapOvr>
+</p:sld>
+</file>
+
+<file path=ppt/slides/slide44.xml><?xml version="1.0" encoding="utf-8"?>
+<p:sld xmlns:a="http://schemas.openxmlformats.org/drawingml/2006/main" xmlns:p="http://schemas.openxmlformats.org/presentationml/2006/main" xmlns:r="http://schemas.openxmlformats.org/officeDocument/2006/relationships">
+  <p:cSld>
+    <p:spTree>
+      <p:nvGrpSpPr>
+        <p:cNvPr id="1" name=""/>
+        <p:cNvGrpSpPr/>
+        <p:nvPr/>
+      </p:nvGrpSpPr>
+      <p:grpSpPr/>
+      <p:sp>
+        <p:nvSpPr>
+          <p:cNvPr id="2" name="TextBox 1"/>
+          <p:cNvSpPr txBox="1"/>
+          <p:nvPr/>
+        </p:nvSpPr>
+        <p:spPr>
+          <a:xfrm>
+            <a:off x="457200" y="365760"/>
+            <a:ext cx="8229600" cy="548640"/>
+          </a:xfrm>
+          <a:prstGeom prst="rect">
+            <a:avLst/>
+          </a:prstGeom>
+          <a:noFill/>
+        </p:spPr>
+        <p:txBody>
+          <a:bodyPr wrap="none">
+            <a:spAutoFit/>
+          </a:bodyPr>
+          <a:lstStyle/>
+          <a:p>
+            <a:pPr>
+              <a:defRPr sz="4000" b="1">
+                <a:solidFill>
+                  <a:srgbClr val="1F4E79"/>
+                </a:solidFill>
+              </a:defRPr>
+            </a:pPr>
+            <a:r>
+              <a:t>Leverage Plot 38</a:t>
+            </a:r>
+          </a:p>
+        </p:txBody>
+      </p:sp>
+      <p:cxnSp>
+        <p:nvCxnSpPr>
+          <p:cNvPr id="3" name="Connector 2"/>
+          <p:cNvCxnSpPr/>
+          <p:nvPr/>
+        </p:nvCxnSpPr>
+        <p:spPr>
+          <a:xfrm>
+            <a:off x="457200" y="1005840"/>
+            <a:ext cx="8229600" cy="0"/>
+          </a:xfrm>
+          <a:prstGeom prst="line">
+            <a:avLst/>
+          </a:prstGeom>
+          <a:ln w="25400">
+            <a:solidFill>
+              <a:srgbClr val="1F4E79"/>
+            </a:solidFill>
+          </a:ln>
+        </p:spPr>
+        <p:style>
+          <a:lnRef idx="2">
+            <a:schemeClr val="accent1"/>
+          </a:lnRef>
+          <a:fillRef idx="0">
+            <a:schemeClr val="accent1"/>
+          </a:fillRef>
+          <a:effectRef idx="1">
+            <a:schemeClr val="accent1"/>
+          </a:effectRef>
+          <a:fontRef idx="minor">
+            <a:schemeClr val="tx1"/>
+          </a:fontRef>
+        </p:style>
+      </p:cxnSp>
+      <p:pic>
+        <p:nvPicPr>
+          <p:cNvPr id="4" name="Picture 3" descr="image.png"/>
+          <p:cNvPicPr>
+            <a:picLocks noChangeAspect="1"/>
+          </p:cNvPicPr>
+          <p:nvPr/>
+        </p:nvPicPr>
+        <p:blipFill>
+          <a:blip r:embed="rId2"/>
+          <a:stretch>
+            <a:fillRect/>
+          </a:stretch>
+        </p:blipFill>
+        <p:spPr>
+          <a:xfrm>
+            <a:off x="914400" y="1280160"/>
+            <a:ext cx="7315200" cy="4180114"/>
+          </a:xfrm>
+          <a:prstGeom prst="rect">
+            <a:avLst/>
+          </a:prstGeom>
+        </p:spPr>
+      </p:pic>
+    </p:spTree>
+  </p:cSld>
+  <p:clrMapOvr>
+    <a:masterClrMapping/>
+  </p:clrMapOvr>
+</p:sld>
+</file>
+
+<file path=ppt/slides/slide45.xml><?xml version="1.0" encoding="utf-8"?>
+<p:sld xmlns:a="http://schemas.openxmlformats.org/drawingml/2006/main" xmlns:p="http://schemas.openxmlformats.org/presentationml/2006/main" xmlns:r="http://schemas.openxmlformats.org/officeDocument/2006/relationships">
+  <p:cSld>
+    <p:spTree>
+      <p:nvGrpSpPr>
+        <p:cNvPr id="1" name=""/>
+        <p:cNvGrpSpPr/>
+        <p:nvPr/>
+      </p:nvGrpSpPr>
+      <p:grpSpPr/>
+      <p:sp>
+        <p:nvSpPr>
+          <p:cNvPr id="2" name="TextBox 1"/>
+          <p:cNvSpPr txBox="1"/>
+          <p:nvPr/>
+        </p:nvSpPr>
+        <p:spPr>
+          <a:xfrm>
+            <a:off x="457200" y="365760"/>
+            <a:ext cx="8229600" cy="548640"/>
+          </a:xfrm>
+          <a:prstGeom prst="rect">
+            <a:avLst/>
+          </a:prstGeom>
+          <a:noFill/>
+        </p:spPr>
+        <p:txBody>
+          <a:bodyPr wrap="none">
+            <a:spAutoFit/>
+          </a:bodyPr>
+          <a:lstStyle/>
+          <a:p>
+            <a:pPr>
+              <a:defRPr sz="4000" b="1">
+                <a:solidFill>
+                  <a:srgbClr val="1F4E79"/>
+                </a:solidFill>
+              </a:defRPr>
+            </a:pPr>
+            <a:r>
+              <a:t>Leverage Plot 39</a:t>
+            </a:r>
+          </a:p>
+        </p:txBody>
+      </p:sp>
+      <p:cxnSp>
+        <p:nvCxnSpPr>
+          <p:cNvPr id="3" name="Connector 2"/>
+          <p:cNvCxnSpPr/>
+          <p:nvPr/>
+        </p:nvCxnSpPr>
+        <p:spPr>
+          <a:xfrm>
+            <a:off x="457200" y="1005840"/>
+            <a:ext cx="8229600" cy="0"/>
+          </a:xfrm>
+          <a:prstGeom prst="line">
+            <a:avLst/>
+          </a:prstGeom>
+          <a:ln w="25400">
+            <a:solidFill>
+              <a:srgbClr val="1F4E79"/>
+            </a:solidFill>
+          </a:ln>
+        </p:spPr>
+        <p:style>
+          <a:lnRef idx="2">
+            <a:schemeClr val="accent1"/>
+          </a:lnRef>
+          <a:fillRef idx="0">
+            <a:schemeClr val="accent1"/>
+          </a:fillRef>
+          <a:effectRef idx="1">
+            <a:schemeClr val="accent1"/>
+          </a:effectRef>
+          <a:fontRef idx="minor">
+            <a:schemeClr val="tx1"/>
+          </a:fontRef>
+        </p:style>
+      </p:cxnSp>
+      <p:pic>
+        <p:nvPicPr>
+          <p:cNvPr id="4" name="Picture 3" descr="image.png"/>
+          <p:cNvPicPr>
+            <a:picLocks noChangeAspect="1"/>
+          </p:cNvPicPr>
+          <p:nvPr/>
+        </p:nvPicPr>
+        <p:blipFill>
+          <a:blip r:embed="rId2"/>
+          <a:stretch>
+            <a:fillRect/>
+          </a:stretch>
+        </p:blipFill>
+        <p:spPr>
+          <a:xfrm>
+            <a:off x="914400" y="1280160"/>
+            <a:ext cx="7315200" cy="4180114"/>
+          </a:xfrm>
+          <a:prstGeom prst="rect">
+            <a:avLst/>
+          </a:prstGeom>
+        </p:spPr>
+      </p:pic>
+    </p:spTree>
+  </p:cSld>
+  <p:clrMapOvr>
+    <a:masterClrMapping/>
+  </p:clrMapOvr>
+</p:sld>
+</file>
+
+<file path=ppt/slides/slide46.xml><?xml version="1.0" encoding="utf-8"?>
+<p:sld xmlns:a="http://schemas.openxmlformats.org/drawingml/2006/main" xmlns:p="http://schemas.openxmlformats.org/presentationml/2006/main" xmlns:r="http://schemas.openxmlformats.org/officeDocument/2006/relationships">
+  <p:cSld>
+    <p:spTree>
+      <p:nvGrpSpPr>
+        <p:cNvPr id="1" name=""/>
+        <p:cNvGrpSpPr/>
+        <p:nvPr/>
+      </p:nvGrpSpPr>
+      <p:grpSpPr/>
+      <p:sp>
+        <p:nvSpPr>
+          <p:cNvPr id="2" name="TextBox 1"/>
+          <p:cNvSpPr txBox="1"/>
+          <p:nvPr/>
+        </p:nvSpPr>
+        <p:spPr>
+          <a:xfrm>
+            <a:off x="457200" y="365760"/>
+            <a:ext cx="8229600" cy="548640"/>
+          </a:xfrm>
+          <a:prstGeom prst="rect">
+            <a:avLst/>
+          </a:prstGeom>
+          <a:noFill/>
+        </p:spPr>
+        <p:txBody>
+          <a:bodyPr wrap="none">
+            <a:spAutoFit/>
+          </a:bodyPr>
+          <a:lstStyle/>
+          <a:p>
+            <a:pPr>
+              <a:defRPr sz="4000" b="1">
+                <a:solidFill>
+                  <a:srgbClr val="1F4E79"/>
+                </a:solidFill>
+              </a:defRPr>
+            </a:pPr>
+            <a:r>
+              <a:t>Leverage Plot 40</a:t>
+            </a:r>
+          </a:p>
+        </p:txBody>
+      </p:sp>
+      <p:cxnSp>
+        <p:nvCxnSpPr>
+          <p:cNvPr id="3" name="Connector 2"/>
+          <p:cNvCxnSpPr/>
+          <p:nvPr/>
+        </p:nvCxnSpPr>
+        <p:spPr>
+          <a:xfrm>
+            <a:off x="457200" y="1005840"/>
+            <a:ext cx="8229600" cy="0"/>
+          </a:xfrm>
+          <a:prstGeom prst="line">
+            <a:avLst/>
+          </a:prstGeom>
+          <a:ln w="25400">
+            <a:solidFill>
+              <a:srgbClr val="1F4E79"/>
+            </a:solidFill>
+          </a:ln>
+        </p:spPr>
+        <p:style>
+          <a:lnRef idx="2">
+            <a:schemeClr val="accent1"/>
+          </a:lnRef>
+          <a:fillRef idx="0">
+            <a:schemeClr val="accent1"/>
+          </a:fillRef>
+          <a:effectRef idx="1">
+            <a:schemeClr val="accent1"/>
+          </a:effectRef>
+          <a:fontRef idx="minor">
+            <a:schemeClr val="tx1"/>
+          </a:fontRef>
+        </p:style>
+      </p:cxnSp>
+      <p:pic>
+        <p:nvPicPr>
+          <p:cNvPr id="4" name="Picture 3" descr="image.png"/>
+          <p:cNvPicPr>
+            <a:picLocks noChangeAspect="1"/>
+          </p:cNvPicPr>
+          <p:nvPr/>
+        </p:nvPicPr>
+        <p:blipFill>
+          <a:blip r:embed="rId2"/>
+          <a:stretch>
+            <a:fillRect/>
+          </a:stretch>
+        </p:blipFill>
+        <p:spPr>
+          <a:xfrm>
+            <a:off x="914400" y="1280160"/>
+            <a:ext cx="7315200" cy="4180114"/>
+          </a:xfrm>
+          <a:prstGeom prst="rect">
+            <a:avLst/>
+          </a:prstGeom>
+        </p:spPr>
+      </p:pic>
+    </p:spTree>
+  </p:cSld>
+  <p:clrMapOvr>
+    <a:masterClrMapping/>
+  </p:clrMapOvr>
+</p:sld>
+</file>
+
+<file path=ppt/slides/slide47.xml><?xml version="1.0" encoding="utf-8"?>
+<p:sld xmlns:a="http://schemas.openxmlformats.org/drawingml/2006/main" xmlns:p="http://schemas.openxmlformats.org/presentationml/2006/main" xmlns:r="http://schemas.openxmlformats.org/officeDocument/2006/relationships">
+  <p:cSld>
+    <p:spTree>
+      <p:nvGrpSpPr>
+        <p:cNvPr id="1" name=""/>
+        <p:cNvGrpSpPr/>
+        <p:nvPr/>
+      </p:nvGrpSpPr>
+      <p:grpSpPr/>
+      <p:sp>
+        <p:nvSpPr>
+          <p:cNvPr id="2" name="TextBox 1"/>
+          <p:cNvSpPr txBox="1"/>
+          <p:nvPr/>
+        </p:nvSpPr>
+        <p:spPr>
+          <a:xfrm>
+            <a:off x="457200" y="365760"/>
+            <a:ext cx="8229600" cy="548640"/>
+          </a:xfrm>
+          <a:prstGeom prst="rect">
+            <a:avLst/>
+          </a:prstGeom>
+          <a:noFill/>
+        </p:spPr>
+        <p:txBody>
+          <a:bodyPr wrap="none">
+            <a:spAutoFit/>
+          </a:bodyPr>
+          <a:lstStyle/>
+          <a:p>
+            <a:pPr>
+              <a:defRPr sz="4000" b="1">
+                <a:solidFill>
+                  <a:srgbClr val="1F4E79"/>
+                </a:solidFill>
+              </a:defRPr>
+            </a:pPr>
+            <a:r>
+              <a:t>Leverage Plot 41</a:t>
+            </a:r>
+          </a:p>
+        </p:txBody>
+      </p:sp>
+      <p:cxnSp>
+        <p:nvCxnSpPr>
+          <p:cNvPr id="3" name="Connector 2"/>
+          <p:cNvCxnSpPr/>
+          <p:nvPr/>
+        </p:nvCxnSpPr>
+        <p:spPr>
+          <a:xfrm>
+            <a:off x="457200" y="1005840"/>
+            <a:ext cx="8229600" cy="0"/>
+          </a:xfrm>
+          <a:prstGeom prst="line">
+            <a:avLst/>
+          </a:prstGeom>
+          <a:ln w="25400">
+            <a:solidFill>
+              <a:srgbClr val="1F4E79"/>
+            </a:solidFill>
+          </a:ln>
+        </p:spPr>
+        <p:style>
+          <a:lnRef idx="2">
+            <a:schemeClr val="accent1"/>
+          </a:lnRef>
+          <a:fillRef idx="0">
+            <a:schemeClr val="accent1"/>
+          </a:fillRef>
+          <a:effectRef idx="1">
+            <a:schemeClr val="accent1"/>
+          </a:effectRef>
+          <a:fontRef idx="minor">
+            <a:schemeClr val="tx1"/>
+          </a:fontRef>
+        </p:style>
+      </p:cxnSp>
+      <p:pic>
+        <p:nvPicPr>
+          <p:cNvPr id="4" name="Picture 3" descr="image.png"/>
+          <p:cNvPicPr>
+            <a:picLocks noChangeAspect="1"/>
+          </p:cNvPicPr>
+          <p:nvPr/>
+        </p:nvPicPr>
+        <p:blipFill>
+          <a:blip r:embed="rId2"/>
+          <a:stretch>
+            <a:fillRect/>
+          </a:stretch>
+        </p:blipFill>
+        <p:spPr>
+          <a:xfrm>
+            <a:off x="914400" y="1280160"/>
+            <a:ext cx="7315200" cy="4180114"/>
+          </a:xfrm>
+          <a:prstGeom prst="rect">
+            <a:avLst/>
+          </a:prstGeom>
+        </p:spPr>
+      </p:pic>
+    </p:spTree>
+  </p:cSld>
+  <p:clrMapOvr>
+    <a:masterClrMapping/>
+  </p:clrMapOvr>
+</p:sld>
+</file>
+
+<file path=ppt/slides/slide48.xml><?xml version="1.0" encoding="utf-8"?>
+<p:sld xmlns:a="http://schemas.openxmlformats.org/drawingml/2006/main" xmlns:p="http://schemas.openxmlformats.org/presentationml/2006/main" xmlns:r="http://schemas.openxmlformats.org/officeDocument/2006/relationships">
+  <p:cSld>
+    <p:spTree>
+      <p:nvGrpSpPr>
+        <p:cNvPr id="1" name=""/>
+        <p:cNvGrpSpPr/>
+        <p:nvPr/>
+      </p:nvGrpSpPr>
+      <p:grpSpPr/>
+      <p:sp>
+        <p:nvSpPr>
+          <p:cNvPr id="2" name="TextBox 1"/>
+          <p:cNvSpPr txBox="1"/>
+          <p:nvPr/>
+        </p:nvSpPr>
+        <p:spPr>
+          <a:xfrm>
+            <a:off x="457200" y="365760"/>
+            <a:ext cx="8229600" cy="548640"/>
+          </a:xfrm>
+          <a:prstGeom prst="rect">
+            <a:avLst/>
+          </a:prstGeom>
+          <a:noFill/>
+        </p:spPr>
+        <p:txBody>
+          <a:bodyPr wrap="none">
+            <a:spAutoFit/>
+          </a:bodyPr>
+          <a:lstStyle/>
+          <a:p>
+            <a:pPr>
+              <a:defRPr sz="4000" b="1">
+                <a:solidFill>
+                  <a:srgbClr val="1F4E79"/>
+                </a:solidFill>
+              </a:defRPr>
+            </a:pPr>
+            <a:r>
+              <a:t>Leverage Plot 42</a:t>
+            </a:r>
+          </a:p>
+        </p:txBody>
+      </p:sp>
+      <p:cxnSp>
+        <p:nvCxnSpPr>
+          <p:cNvPr id="3" name="Connector 2"/>
+          <p:cNvCxnSpPr/>
+          <p:nvPr/>
+        </p:nvCxnSpPr>
+        <p:spPr>
+          <a:xfrm>
+            <a:off x="457200" y="1005840"/>
+            <a:ext cx="8229600" cy="0"/>
+          </a:xfrm>
+          <a:prstGeom prst="line">
+            <a:avLst/>
+          </a:prstGeom>
+          <a:ln w="25400">
+            <a:solidFill>
+              <a:srgbClr val="1F4E79"/>
+            </a:solidFill>
+          </a:ln>
+        </p:spPr>
+        <p:style>
+          <a:lnRef idx="2">
+            <a:schemeClr val="accent1"/>
+          </a:lnRef>
+          <a:fillRef idx="0">
+            <a:schemeClr val="accent1"/>
+          </a:fillRef>
+          <a:effectRef idx="1">
+            <a:schemeClr val="accent1"/>
+          </a:effectRef>
+          <a:fontRef idx="minor">
+            <a:schemeClr val="tx1"/>
+          </a:fontRef>
+        </p:style>
+      </p:cxnSp>
+      <p:pic>
+        <p:nvPicPr>
+          <p:cNvPr id="4" name="Picture 3" descr="image.png"/>
+          <p:cNvPicPr>
+            <a:picLocks noChangeAspect="1"/>
+          </p:cNvPicPr>
+          <p:nvPr/>
+        </p:nvPicPr>
+        <p:blipFill>
+          <a:blip r:embed="rId2"/>
+          <a:stretch>
+            <a:fillRect/>
+          </a:stretch>
+        </p:blipFill>
+        <p:spPr>
+          <a:xfrm>
+            <a:off x="914400" y="1280160"/>
+            <a:ext cx="7315200" cy="4180114"/>
+          </a:xfrm>
+          <a:prstGeom prst="rect">
+            <a:avLst/>
+          </a:prstGeom>
+        </p:spPr>
+      </p:pic>
+    </p:spTree>
+  </p:cSld>
+  <p:clrMapOvr>
+    <a:masterClrMapping/>
+  </p:clrMapOvr>
+</p:sld>
+</file>
+
+<file path=ppt/slides/slide49.xml><?xml version="1.0" encoding="utf-8"?>
+<p:sld xmlns:a="http://schemas.openxmlformats.org/drawingml/2006/main" xmlns:p="http://schemas.openxmlformats.org/presentationml/2006/main" xmlns:r="http://schemas.openxmlformats.org/officeDocument/2006/relationships">
+  <p:cSld>
+    <p:spTree>
+      <p:nvGrpSpPr>
+        <p:cNvPr id="1" name=""/>
+        <p:cNvGrpSpPr/>
+        <p:nvPr/>
+      </p:nvGrpSpPr>
+      <p:grpSpPr/>
+      <p:sp>
+        <p:nvSpPr>
+          <p:cNvPr id="2" name="TextBox 1"/>
+          <p:cNvSpPr txBox="1"/>
+          <p:nvPr/>
+        </p:nvSpPr>
+        <p:spPr>
+          <a:xfrm>
+            <a:off x="457200" y="365760"/>
+            <a:ext cx="8229600" cy="548640"/>
+          </a:xfrm>
+          <a:prstGeom prst="rect">
+            <a:avLst/>
+          </a:prstGeom>
+          <a:noFill/>
+        </p:spPr>
+        <p:txBody>
+          <a:bodyPr wrap="none">
+            <a:spAutoFit/>
+          </a:bodyPr>
+          <a:lstStyle/>
+          <a:p>
+            <a:pPr>
+              <a:defRPr sz="4000" b="1">
+                <a:solidFill>
+                  <a:srgbClr val="1F4E79"/>
+                </a:solidFill>
+              </a:defRPr>
+            </a:pPr>
+            <a:r>
+              <a:t>Leverage Plot 43</a:t>
             </a:r>
           </a:p>
         </p:txBody>
@@ -7781,7 +8598,1773 @@
               </a:defRPr>
             </a:pPr>
             <a:r>
-              <a:t>Analysis Chart 4</a:t>
+              <a:t>ANOVA Table (Type I - Sequential)</a:t>
+            </a:r>
+          </a:p>
+        </p:txBody>
+      </p:sp>
+      <p:cxnSp>
+        <p:nvCxnSpPr>
+          <p:cNvPr id="3" name="Connector 2"/>
+          <p:cNvCxnSpPr/>
+          <p:nvPr/>
+        </p:nvCxnSpPr>
+        <p:spPr>
+          <a:xfrm>
+            <a:off x="457200" y="1005840"/>
+            <a:ext cx="8229600" cy="0"/>
+          </a:xfrm>
+          <a:prstGeom prst="line">
+            <a:avLst/>
+          </a:prstGeom>
+          <a:ln w="25400">
+            <a:solidFill>
+              <a:srgbClr val="1F4E79"/>
+            </a:solidFill>
+          </a:ln>
+        </p:spPr>
+        <p:style>
+          <a:lnRef idx="2">
+            <a:schemeClr val="accent1"/>
+          </a:lnRef>
+          <a:fillRef idx="0">
+            <a:schemeClr val="accent1"/>
+          </a:fillRef>
+          <a:effectRef idx="1">
+            <a:schemeClr val="accent1"/>
+          </a:effectRef>
+          <a:fontRef idx="minor">
+            <a:schemeClr val="tx1"/>
+          </a:fontRef>
+        </p:style>
+      </p:cxnSp>
+      <p:graphicFrame>
+        <p:nvGraphicFramePr>
+          <p:cNvPr id="4" name="Table 3"/>
+          <p:cNvGraphicFramePr>
+            <a:graphicFrameLocks noGrp="1"/>
+          </p:cNvGraphicFramePr>
+          <p:nvPr/>
+        </p:nvGraphicFramePr>
+        <p:xfrm>
+          <a:off x="457200" y="1280160"/>
+          <a:ext cx="8229600" cy="4114800"/>
+        </p:xfrm>
+        <a:graphic>
+          <a:graphicData uri="http://schemas.openxmlformats.org/drawingml/2006/table">
+            <a:tbl>
+              <a:tblPr firstRow="1" bandRow="1">
+                <a:tableStyleId>{5C22544A-7EE6-4342-B048-85BDC9FD1C3A}</a:tableStyleId>
+              </a:tblPr>
+              <a:tblGrid>
+                <a:gridCol w="1371600"/>
+                <a:gridCol w="1371600"/>
+                <a:gridCol w="1371600"/>
+                <a:gridCol w="1371600"/>
+                <a:gridCol w="1371600"/>
+                <a:gridCol w="1371600"/>
+              </a:tblGrid>
+              <a:tr h="457200">
+                <a:tc>
+                  <a:txBody>
+                    <a:bodyPr/>
+                    <a:lstStyle/>
+                    <a:p>
+                      <a:r>
+                        <a:rPr sz="1100" b="1">
+                          <a:solidFill>
+                            <a:srgbClr val="FFFFFF"/>
+                          </a:solidFill>
+                        </a:rPr>
+                        <a:t>Unnamed: 0</a:t>
+                      </a:r>
+                    </a:p>
+                  </a:txBody>
+                  <a:tcPr>
+                    <a:solidFill>
+                      <a:srgbClr val="1F4E79"/>
+                    </a:solidFill>
+                  </a:tcPr>
+                </a:tc>
+                <a:tc>
+                  <a:txBody>
+                    <a:bodyPr/>
+                    <a:lstStyle/>
+                    <a:p>
+                      <a:r>
+                        <a:rPr sz="1100" b="1">
+                          <a:solidFill>
+                            <a:srgbClr val="FFFFFF"/>
+                          </a:solidFill>
+                        </a:rPr>
+                        <a:t>df</a:t>
+                      </a:r>
+                    </a:p>
+                  </a:txBody>
+                  <a:tcPr>
+                    <a:solidFill>
+                      <a:srgbClr val="1F4E79"/>
+                    </a:solidFill>
+                  </a:tcPr>
+                </a:tc>
+                <a:tc>
+                  <a:txBody>
+                    <a:bodyPr/>
+                    <a:lstStyle/>
+                    <a:p>
+                      <a:r>
+                        <a:rPr sz="1100" b="1">
+                          <a:solidFill>
+                            <a:srgbClr val="FFFFFF"/>
+                          </a:solidFill>
+                        </a:rPr>
+                        <a:t>sum_sq</a:t>
+                      </a:r>
+                    </a:p>
+                  </a:txBody>
+                  <a:tcPr>
+                    <a:solidFill>
+                      <a:srgbClr val="1F4E79"/>
+                    </a:solidFill>
+                  </a:tcPr>
+                </a:tc>
+                <a:tc>
+                  <a:txBody>
+                    <a:bodyPr/>
+                    <a:lstStyle/>
+                    <a:p>
+                      <a:r>
+                        <a:rPr sz="1100" b="1">
+                          <a:solidFill>
+                            <a:srgbClr val="FFFFFF"/>
+                          </a:solidFill>
+                        </a:rPr>
+                        <a:t>mean_sq</a:t>
+                      </a:r>
+                    </a:p>
+                  </a:txBody>
+                  <a:tcPr>
+                    <a:solidFill>
+                      <a:srgbClr val="1F4E79"/>
+                    </a:solidFill>
+                  </a:tcPr>
+                </a:tc>
+                <a:tc>
+                  <a:txBody>
+                    <a:bodyPr/>
+                    <a:lstStyle/>
+                    <a:p>
+                      <a:r>
+                        <a:rPr sz="1100" b="1">
+                          <a:solidFill>
+                            <a:srgbClr val="FFFFFF"/>
+                          </a:solidFill>
+                        </a:rPr>
+                        <a:t>F</a:t>
+                      </a:r>
+                    </a:p>
+                  </a:txBody>
+                  <a:tcPr>
+                    <a:solidFill>
+                      <a:srgbClr val="1F4E79"/>
+                    </a:solidFill>
+                  </a:tcPr>
+                </a:tc>
+                <a:tc>
+                  <a:txBody>
+                    <a:bodyPr/>
+                    <a:lstStyle/>
+                    <a:p>
+                      <a:r>
+                        <a:rPr sz="1100" b="1">
+                          <a:solidFill>
+                            <a:srgbClr val="FFFFFF"/>
+                          </a:solidFill>
+                        </a:rPr>
+                        <a:t>PR(&gt;F)</a:t>
+                      </a:r>
+                    </a:p>
+                  </a:txBody>
+                  <a:tcPr>
+                    <a:solidFill>
+                      <a:srgbClr val="1F4E79"/>
+                    </a:solidFill>
+                  </a:tcPr>
+                </a:tc>
+              </a:tr>
+              <a:tr h="457200">
+                <a:tc>
+                  <a:txBody>
+                    <a:bodyPr/>
+                    <a:lstStyle/>
+                    <a:p>
+                      <a:r>
+                        <a:rPr sz="1000"/>
+                        <a:t>Transceiver_Manufacturer</a:t>
+                      </a:r>
+                    </a:p>
+                  </a:txBody>
+                  <a:tcPr>
+                    <a:solidFill>
+                      <a:srgbClr val="F2F2F2"/>
+                    </a:solidFill>
+                  </a:tcPr>
+                </a:tc>
+                <a:tc>
+                  <a:txBody>
+                    <a:bodyPr/>
+                    <a:lstStyle/>
+                    <a:p>
+                      <a:r>
+                        <a:rPr sz="1000"/>
+                        <a:t>9</a:t>
+                      </a:r>
+                    </a:p>
+                  </a:txBody>
+                  <a:tcPr>
+                    <a:solidFill>
+                      <a:srgbClr val="F2F2F2"/>
+                    </a:solidFill>
+                  </a:tcPr>
+                </a:tc>
+                <a:tc>
+                  <a:txBody>
+                    <a:bodyPr/>
+                    <a:lstStyle/>
+                    <a:p>
+                      <a:r>
+                        <a:rPr sz="1000"/>
+                        <a:t>3416.87</a:t>
+                      </a:r>
+                    </a:p>
+                  </a:txBody>
+                  <a:tcPr>
+                    <a:solidFill>
+                      <a:srgbClr val="F2F2F2"/>
+                    </a:solidFill>
+                  </a:tcPr>
+                </a:tc>
+                <a:tc>
+                  <a:txBody>
+                    <a:bodyPr/>
+                    <a:lstStyle/>
+                    <a:p>
+                      <a:r>
+                        <a:rPr sz="1000"/>
+                        <a:t>379.652</a:t>
+                      </a:r>
+                    </a:p>
+                  </a:txBody>
+                  <a:tcPr>
+                    <a:solidFill>
+                      <a:srgbClr val="F2F2F2"/>
+                    </a:solidFill>
+                  </a:tcPr>
+                </a:tc>
+                <a:tc>
+                  <a:txBody>
+                    <a:bodyPr/>
+                    <a:lstStyle/>
+                    <a:p>
+                      <a:r>
+                        <a:rPr sz="1000"/>
+                        <a:t>217.728</a:t>
+                      </a:r>
+                    </a:p>
+                  </a:txBody>
+                  <a:tcPr>
+                    <a:solidFill>
+                      <a:srgbClr val="F2F2F2"/>
+                    </a:solidFill>
+                  </a:tcPr>
+                </a:tc>
+                <a:tc>
+                  <a:txBody>
+                    <a:bodyPr/>
+                    <a:lstStyle/>
+                    <a:p>
+                      <a:r>
+                        <a:rPr sz="1000"/>
+                        <a:t>0</a:t>
+                      </a:r>
+                    </a:p>
+                  </a:txBody>
+                  <a:tcPr>
+                    <a:solidFill>
+                      <a:srgbClr val="F2F2F2"/>
+                    </a:solidFill>
+                  </a:tcPr>
+                </a:tc>
+              </a:tr>
+              <a:tr h="457200">
+                <a:tc>
+                  <a:txBody>
+                    <a:bodyPr/>
+                    <a:lstStyle/>
+                    <a:p>
+                      <a:r>
+                        <a:rPr sz="1000"/>
+                        <a:t>Rack_Unit</a:t>
+                      </a:r>
+                    </a:p>
+                  </a:txBody>
+                  <a:tcPr/>
+                </a:tc>
+                <a:tc>
+                  <a:txBody>
+                    <a:bodyPr/>
+                    <a:lstStyle/>
+                    <a:p>
+                      <a:r>
+                        <a:rPr sz="1000"/>
+                        <a:t>40</a:t>
+                      </a:r>
+                    </a:p>
+                  </a:txBody>
+                  <a:tcPr/>
+                </a:tc>
+                <a:tc>
+                  <a:txBody>
+                    <a:bodyPr/>
+                    <a:lstStyle/>
+                    <a:p>
+                      <a:r>
+                        <a:rPr sz="1000"/>
+                        <a:t>420.47</a:t>
+                      </a:r>
+                    </a:p>
+                  </a:txBody>
+                  <a:tcPr/>
+                </a:tc>
+                <a:tc>
+                  <a:txBody>
+                    <a:bodyPr/>
+                    <a:lstStyle/>
+                    <a:p>
+                      <a:r>
+                        <a:rPr sz="1000"/>
+                        <a:t>10.5118</a:t>
+                      </a:r>
+                    </a:p>
+                  </a:txBody>
+                  <a:tcPr/>
+                </a:tc>
+                <a:tc>
+                  <a:txBody>
+                    <a:bodyPr/>
+                    <a:lstStyle/>
+                    <a:p>
+                      <a:r>
+                        <a:rPr sz="1000"/>
+                        <a:t>6.02843</a:t>
+                      </a:r>
+                    </a:p>
+                  </a:txBody>
+                  <a:tcPr/>
+                </a:tc>
+                <a:tc>
+                  <a:txBody>
+                    <a:bodyPr/>
+                    <a:lstStyle/>
+                    <a:p>
+                      <a:r>
+                        <a:rPr sz="1000"/>
+                        <a:t>5.81e-30</a:t>
+                      </a:r>
+                    </a:p>
+                  </a:txBody>
+                  <a:tcPr/>
+                </a:tc>
+              </a:tr>
+              <a:tr h="457200">
+                <a:tc>
+                  <a:txBody>
+                    <a:bodyPr/>
+                    <a:lstStyle/>
+                    <a:p>
+                      <a:r>
+                        <a:rPr sz="1000"/>
+                        <a:t>Fan_Speed_Range</a:t>
+                      </a:r>
+                    </a:p>
+                  </a:txBody>
+                  <a:tcPr>
+                    <a:solidFill>
+                      <a:srgbClr val="F2F2F2"/>
+                    </a:solidFill>
+                  </a:tcPr>
+                </a:tc>
+                <a:tc>
+                  <a:txBody>
+                    <a:bodyPr/>
+                    <a:lstStyle/>
+                    <a:p>
+                      <a:r>
+                        <a:rPr sz="1000"/>
+                        <a:t>1</a:t>
+                      </a:r>
+                    </a:p>
+                  </a:txBody>
+                  <a:tcPr>
+                    <a:solidFill>
+                      <a:srgbClr val="F2F2F2"/>
+                    </a:solidFill>
+                  </a:tcPr>
+                </a:tc>
+                <a:tc>
+                  <a:txBody>
+                    <a:bodyPr/>
+                    <a:lstStyle/>
+                    <a:p>
+                      <a:r>
+                        <a:rPr sz="1000"/>
+                        <a:t>1.65064</a:t>
+                      </a:r>
+                    </a:p>
+                  </a:txBody>
+                  <a:tcPr>
+                    <a:solidFill>
+                      <a:srgbClr val="F2F2F2"/>
+                    </a:solidFill>
+                  </a:tcPr>
+                </a:tc>
+                <a:tc>
+                  <a:txBody>
+                    <a:bodyPr/>
+                    <a:lstStyle/>
+                    <a:p>
+                      <a:r>
+                        <a:rPr sz="1000"/>
+                        <a:t>1.65064</a:t>
+                      </a:r>
+                    </a:p>
+                  </a:txBody>
+                  <a:tcPr>
+                    <a:solidFill>
+                      <a:srgbClr val="F2F2F2"/>
+                    </a:solidFill>
+                  </a:tcPr>
+                </a:tc>
+                <a:tc>
+                  <a:txBody>
+                    <a:bodyPr/>
+                    <a:lstStyle/>
+                    <a:p>
+                      <a:r>
+                        <a:rPr sz="1000"/>
+                        <a:t>0.94663</a:t>
+                      </a:r>
+                    </a:p>
+                  </a:txBody>
+                  <a:tcPr>
+                    <a:solidFill>
+                      <a:srgbClr val="F2F2F2"/>
+                    </a:solidFill>
+                  </a:tcPr>
+                </a:tc>
+                <a:tc>
+                  <a:txBody>
+                    <a:bodyPr/>
+                    <a:lstStyle/>
+                    <a:p>
+                      <a:r>
+                        <a:rPr sz="1000"/>
+                        <a:t>0.330611</a:t>
+                      </a:r>
+                    </a:p>
+                  </a:txBody>
+                  <a:tcPr>
+                    <a:solidFill>
+                      <a:srgbClr val="F2F2F2"/>
+                    </a:solidFill>
+                  </a:tcPr>
+                </a:tc>
+              </a:tr>
+              <a:tr h="457200">
+                <a:tc>
+                  <a:txBody>
+                    <a:bodyPr/>
+                    <a:lstStyle/>
+                    <a:p>
+                      <a:r>
+                        <a:rPr sz="1000"/>
+                        <a:t>Transceiver_Manufacturer*Rack_Unit</a:t>
+                      </a:r>
+                    </a:p>
+                  </a:txBody>
+                  <a:tcPr/>
+                </a:tc>
+                <a:tc>
+                  <a:txBody>
+                    <a:bodyPr/>
+                    <a:lstStyle/>
+                    <a:p>
+                      <a:r>
+                        <a:rPr sz="1000"/>
+                        <a:t>360</a:t>
+                      </a:r>
+                    </a:p>
+                  </a:txBody>
+                  <a:tcPr/>
+                </a:tc>
+                <a:tc>
+                  <a:txBody>
+                    <a:bodyPr/>
+                    <a:lstStyle/>
+                    <a:p>
+                      <a:r>
+                        <a:rPr sz="1000"/>
+                        <a:t>4773</a:t>
+                      </a:r>
+                    </a:p>
+                  </a:txBody>
+                  <a:tcPr/>
+                </a:tc>
+                <a:tc>
+                  <a:txBody>
+                    <a:bodyPr/>
+                    <a:lstStyle/>
+                    <a:p>
+                      <a:r>
+                        <a:rPr sz="1000"/>
+                        <a:t>13.2583</a:t>
+                      </a:r>
+                    </a:p>
+                  </a:txBody>
+                  <a:tcPr/>
+                </a:tc>
+                <a:tc>
+                  <a:txBody>
+                    <a:bodyPr/>
+                    <a:lstStyle/>
+                    <a:p>
+                      <a:r>
+                        <a:rPr sz="1000"/>
+                        <a:t>7.60358</a:t>
+                      </a:r>
+                    </a:p>
+                  </a:txBody>
+                  <a:tcPr/>
+                </a:tc>
+                <a:tc>
+                  <a:txBody>
+                    <a:bodyPr/>
+                    <a:lstStyle/>
+                    <a:p>
+                      <a:r>
+                        <a:rPr sz="1000"/>
+                        <a:t>1.51e-294</a:t>
+                      </a:r>
+                    </a:p>
+                  </a:txBody>
+                  <a:tcPr/>
+                </a:tc>
+              </a:tr>
+              <a:tr h="457200">
+                <a:tc>
+                  <a:txBody>
+                    <a:bodyPr/>
+                    <a:lstStyle/>
+                    <a:p>
+                      <a:r>
+                        <a:rPr sz="1000"/>
+                        <a:t>Transceiver_Manufacturer*Fan_Speed_Range</a:t>
+                      </a:r>
+                    </a:p>
+                  </a:txBody>
+                  <a:tcPr>
+                    <a:solidFill>
+                      <a:srgbClr val="F2F2F2"/>
+                    </a:solidFill>
+                  </a:tcPr>
+                </a:tc>
+                <a:tc>
+                  <a:txBody>
+                    <a:bodyPr/>
+                    <a:lstStyle/>
+                    <a:p>
+                      <a:r>
+                        <a:rPr sz="1000"/>
+                        <a:t>9</a:t>
+                      </a:r>
+                    </a:p>
+                  </a:txBody>
+                  <a:tcPr>
+                    <a:solidFill>
+                      <a:srgbClr val="F2F2F2"/>
+                    </a:solidFill>
+                  </a:tcPr>
+                </a:tc>
+                <a:tc>
+                  <a:txBody>
+                    <a:bodyPr/>
+                    <a:lstStyle/>
+                    <a:p>
+                      <a:r>
+                        <a:rPr sz="1000"/>
+                        <a:t>49.5824</a:t>
+                      </a:r>
+                    </a:p>
+                  </a:txBody>
+                  <a:tcPr>
+                    <a:solidFill>
+                      <a:srgbClr val="F2F2F2"/>
+                    </a:solidFill>
+                  </a:tcPr>
+                </a:tc>
+                <a:tc>
+                  <a:txBody>
+                    <a:bodyPr/>
+                    <a:lstStyle/>
+                    <a:p>
+                      <a:r>
+                        <a:rPr sz="1000"/>
+                        <a:t>5.50916</a:t>
+                      </a:r>
+                    </a:p>
+                  </a:txBody>
+                  <a:tcPr>
+                    <a:solidFill>
+                      <a:srgbClr val="F2F2F2"/>
+                    </a:solidFill>
+                  </a:tcPr>
+                </a:tc>
+                <a:tc>
+                  <a:txBody>
+                    <a:bodyPr/>
+                    <a:lstStyle/>
+                    <a:p>
+                      <a:r>
+                        <a:rPr sz="1000"/>
+                        <a:t>3.15947</a:t>
+                      </a:r>
+                    </a:p>
+                  </a:txBody>
+                  <a:tcPr>
+                    <a:solidFill>
+                      <a:srgbClr val="F2F2F2"/>
+                    </a:solidFill>
+                  </a:tcPr>
+                </a:tc>
+                <a:tc>
+                  <a:txBody>
+                    <a:bodyPr/>
+                    <a:lstStyle/>
+                    <a:p>
+                      <a:r>
+                        <a:rPr sz="1000"/>
+                        <a:t>8.19e-04</a:t>
+                      </a:r>
+                    </a:p>
+                  </a:txBody>
+                  <a:tcPr>
+                    <a:solidFill>
+                      <a:srgbClr val="F2F2F2"/>
+                    </a:solidFill>
+                  </a:tcPr>
+                </a:tc>
+              </a:tr>
+              <a:tr h="457200">
+                <a:tc>
+                  <a:txBody>
+                    <a:bodyPr/>
+                    <a:lstStyle/>
+                    <a:p>
+                      <a:r>
+                        <a:rPr sz="1000"/>
+                        <a:t>Rack_Unit*Fan_Speed_Range</a:t>
+                      </a:r>
+                    </a:p>
+                  </a:txBody>
+                  <a:tcPr/>
+                </a:tc>
+                <a:tc>
+                  <a:txBody>
+                    <a:bodyPr/>
+                    <a:lstStyle/>
+                    <a:p>
+                      <a:r>
+                        <a:rPr sz="1000"/>
+                        <a:t>40</a:t>
+                      </a:r>
+                    </a:p>
+                  </a:txBody>
+                  <a:tcPr/>
+                </a:tc>
+                <a:tc>
+                  <a:txBody>
+                    <a:bodyPr/>
+                    <a:lstStyle/>
+                    <a:p>
+                      <a:r>
+                        <a:rPr sz="1000"/>
+                        <a:t>81.5171</a:t>
+                      </a:r>
+                    </a:p>
+                  </a:txBody>
+                  <a:tcPr/>
+                </a:tc>
+                <a:tc>
+                  <a:txBody>
+                    <a:bodyPr/>
+                    <a:lstStyle/>
+                    <a:p>
+                      <a:r>
+                        <a:rPr sz="1000"/>
+                        <a:t>2.03793</a:t>
+                      </a:r>
+                    </a:p>
+                  </a:txBody>
+                  <a:tcPr/>
+                </a:tc>
+                <a:tc>
+                  <a:txBody>
+                    <a:bodyPr/>
+                    <a:lstStyle/>
+                    <a:p>
+                      <a:r>
+                        <a:rPr sz="1000"/>
+                        <a:t>1.16874</a:t>
+                      </a:r>
+                    </a:p>
+                  </a:txBody>
+                  <a:tcPr/>
+                </a:tc>
+                <a:tc>
+                  <a:txBody>
+                    <a:bodyPr/>
+                    <a:lstStyle/>
+                    <a:p>
+                      <a:r>
+                        <a:rPr sz="1000"/>
+                        <a:t>0.215706</a:t>
+                      </a:r>
+                    </a:p>
+                  </a:txBody>
+                  <a:tcPr/>
+                </a:tc>
+              </a:tr>
+              <a:tr h="457200">
+                <a:tc>
+                  <a:txBody>
+                    <a:bodyPr/>
+                    <a:lstStyle/>
+                    <a:p>
+                      <a:r>
+                        <a:rPr sz="1000"/>
+                        <a:t>Transceiver_Manufacturer*Rack_Unit</a:t>
+                      </a:r>
+                    </a:p>
+                  </a:txBody>
+                  <a:tcPr>
+                    <a:solidFill>
+                      <a:srgbClr val="F2F2F2"/>
+                    </a:solidFill>
+                  </a:tcPr>
+                </a:tc>
+                <a:tc>
+                  <a:txBody>
+                    <a:bodyPr/>
+                    <a:lstStyle/>
+                    <a:p>
+                      <a:r>
+                        <a:rPr sz="1000"/>
+                        <a:t>360</a:t>
+                      </a:r>
+                    </a:p>
+                  </a:txBody>
+                  <a:tcPr>
+                    <a:solidFill>
+                      <a:srgbClr val="F2F2F2"/>
+                    </a:solidFill>
+                  </a:tcPr>
+                </a:tc>
+                <a:tc>
+                  <a:txBody>
+                    <a:bodyPr/>
+                    <a:lstStyle/>
+                    <a:p>
+                      <a:r>
+                        <a:rPr sz="1000"/>
+                        <a:t>744.722</a:t>
+                      </a:r>
+                    </a:p>
+                  </a:txBody>
+                  <a:tcPr>
+                    <a:solidFill>
+                      <a:srgbClr val="F2F2F2"/>
+                    </a:solidFill>
+                  </a:tcPr>
+                </a:tc>
+                <a:tc>
+                  <a:txBody>
+                    <a:bodyPr/>
+                    <a:lstStyle/>
+                    <a:p>
+                      <a:r>
+                        <a:rPr sz="1000"/>
+                        <a:t>2.06867</a:t>
+                      </a:r>
+                    </a:p>
+                  </a:txBody>
+                  <a:tcPr>
+                    <a:solidFill>
+                      <a:srgbClr val="F2F2F2"/>
+                    </a:solidFill>
+                  </a:tcPr>
+                </a:tc>
+                <a:tc>
+                  <a:txBody>
+                    <a:bodyPr/>
+                    <a:lstStyle/>
+                    <a:p>
+                      <a:r>
+                        <a:rPr sz="1000"/>
+                        <a:t>1.18637</a:t>
+                      </a:r>
+                    </a:p>
+                  </a:txBody>
+                  <a:tcPr>
+                    <a:solidFill>
+                      <a:srgbClr val="F2F2F2"/>
+                    </a:solidFill>
+                  </a:tcPr>
+                </a:tc>
+                <a:tc>
+                  <a:txBody>
+                    <a:bodyPr/>
+                    <a:lstStyle/>
+                    <a:p>
+                      <a:r>
+                        <a:rPr sz="1000"/>
+                        <a:t>0.0101534</a:t>
+                      </a:r>
+                    </a:p>
+                  </a:txBody>
+                  <a:tcPr>
+                    <a:solidFill>
+                      <a:srgbClr val="F2F2F2"/>
+                    </a:solidFill>
+                  </a:tcPr>
+                </a:tc>
+              </a:tr>
+              <a:tr h="457200">
+                <a:tc>
+                  <a:txBody>
+                    <a:bodyPr/>
+                    <a:lstStyle/>
+                    <a:p>
+                      <a:r>
+                        <a:rPr sz="1000"/>
+                        <a:t>Residual</a:t>
+                      </a:r>
+                    </a:p>
+                  </a:txBody>
+                  <a:tcPr/>
+                </a:tc>
+                <a:tc>
+                  <a:txBody>
+                    <a:bodyPr/>
+                    <a:lstStyle/>
+                    <a:p>
+                      <a:r>
+                        <a:rPr sz="1000"/>
+                        <a:t>7382</a:t>
+                      </a:r>
+                    </a:p>
+                  </a:txBody>
+                  <a:tcPr/>
+                </a:tc>
+                <a:tc>
+                  <a:txBody>
+                    <a:bodyPr/>
+                    <a:lstStyle/>
+                    <a:p>
+                      <a:r>
+                        <a:rPr sz="1000"/>
+                        <a:t>12872</a:t>
+                      </a:r>
+                    </a:p>
+                  </a:txBody>
+                  <a:tcPr/>
+                </a:tc>
+                <a:tc>
+                  <a:txBody>
+                    <a:bodyPr/>
+                    <a:lstStyle/>
+                    <a:p>
+                      <a:r>
+                        <a:rPr sz="1000"/>
+                        <a:t>1.7437</a:t>
+                      </a:r>
+                    </a:p>
+                  </a:txBody>
+                  <a:tcPr/>
+                </a:tc>
+                <a:tc>
+                  <a:txBody>
+                    <a:bodyPr/>
+                    <a:lstStyle/>
+                    <a:p>
+                      <a:r>
+                        <a:rPr sz="1000"/>
+                        <a:t>nan</a:t>
+                      </a:r>
+                    </a:p>
+                  </a:txBody>
+                  <a:tcPr/>
+                </a:tc>
+                <a:tc>
+                  <a:txBody>
+                    <a:bodyPr/>
+                    <a:lstStyle/>
+                    <a:p>
+                      <a:r>
+                        <a:rPr sz="1000"/>
+                        <a:t>nan</a:t>
+                      </a:r>
+                    </a:p>
+                  </a:txBody>
+                  <a:tcPr/>
+                </a:tc>
+              </a:tr>
+            </a:tbl>
+          </a:graphicData>
+        </a:graphic>
+      </p:graphicFrame>
+    </p:spTree>
+  </p:cSld>
+  <p:clrMapOvr>
+    <a:masterClrMapping/>
+  </p:clrMapOvr>
+</p:sld>
+</file>
+
+<file path=ppt/slides/slide50.xml><?xml version="1.0" encoding="utf-8"?>
+<p:sld xmlns:a="http://schemas.openxmlformats.org/drawingml/2006/main" xmlns:p="http://schemas.openxmlformats.org/presentationml/2006/main" xmlns:r="http://schemas.openxmlformats.org/officeDocument/2006/relationships">
+  <p:cSld>
+    <p:spTree>
+      <p:nvGrpSpPr>
+        <p:cNvPr id="1" name=""/>
+        <p:cNvGrpSpPr/>
+        <p:nvPr/>
+      </p:nvGrpSpPr>
+      <p:grpSpPr/>
+      <p:sp>
+        <p:nvSpPr>
+          <p:cNvPr id="2" name="TextBox 1"/>
+          <p:cNvSpPr txBox="1"/>
+          <p:nvPr/>
+        </p:nvSpPr>
+        <p:spPr>
+          <a:xfrm>
+            <a:off x="457200" y="365760"/>
+            <a:ext cx="8229600" cy="548640"/>
+          </a:xfrm>
+          <a:prstGeom prst="rect">
+            <a:avLst/>
+          </a:prstGeom>
+          <a:noFill/>
+        </p:spPr>
+        <p:txBody>
+          <a:bodyPr wrap="none">
+            <a:spAutoFit/>
+          </a:bodyPr>
+          <a:lstStyle/>
+          <a:p>
+            <a:pPr>
+              <a:defRPr sz="4000" b="1">
+                <a:solidFill>
+                  <a:srgbClr val="1F4E79"/>
+                </a:solidFill>
+              </a:defRPr>
+            </a:pPr>
+            <a:r>
+              <a:t>Leverage Plot 44</a:t>
+            </a:r>
+          </a:p>
+        </p:txBody>
+      </p:sp>
+      <p:cxnSp>
+        <p:nvCxnSpPr>
+          <p:cNvPr id="3" name="Connector 2"/>
+          <p:cNvCxnSpPr/>
+          <p:nvPr/>
+        </p:nvCxnSpPr>
+        <p:spPr>
+          <a:xfrm>
+            <a:off x="457200" y="1005840"/>
+            <a:ext cx="8229600" cy="0"/>
+          </a:xfrm>
+          <a:prstGeom prst="line">
+            <a:avLst/>
+          </a:prstGeom>
+          <a:ln w="25400">
+            <a:solidFill>
+              <a:srgbClr val="1F4E79"/>
+            </a:solidFill>
+          </a:ln>
+        </p:spPr>
+        <p:style>
+          <a:lnRef idx="2">
+            <a:schemeClr val="accent1"/>
+          </a:lnRef>
+          <a:fillRef idx="0">
+            <a:schemeClr val="accent1"/>
+          </a:fillRef>
+          <a:effectRef idx="1">
+            <a:schemeClr val="accent1"/>
+          </a:effectRef>
+          <a:fontRef idx="minor">
+            <a:schemeClr val="tx1"/>
+          </a:fontRef>
+        </p:style>
+      </p:cxnSp>
+      <p:pic>
+        <p:nvPicPr>
+          <p:cNvPr id="4" name="Picture 3" descr="image.png"/>
+          <p:cNvPicPr>
+            <a:picLocks noChangeAspect="1"/>
+          </p:cNvPicPr>
+          <p:nvPr/>
+        </p:nvPicPr>
+        <p:blipFill>
+          <a:blip r:embed="rId2"/>
+          <a:stretch>
+            <a:fillRect/>
+          </a:stretch>
+        </p:blipFill>
+        <p:spPr>
+          <a:xfrm>
+            <a:off x="914400" y="1280160"/>
+            <a:ext cx="7315200" cy="4180114"/>
+          </a:xfrm>
+          <a:prstGeom prst="rect">
+            <a:avLst/>
+          </a:prstGeom>
+        </p:spPr>
+      </p:pic>
+    </p:spTree>
+  </p:cSld>
+  <p:clrMapOvr>
+    <a:masterClrMapping/>
+  </p:clrMapOvr>
+</p:sld>
+</file>
+
+<file path=ppt/slides/slide51.xml><?xml version="1.0" encoding="utf-8"?>
+<p:sld xmlns:a="http://schemas.openxmlformats.org/drawingml/2006/main" xmlns:p="http://schemas.openxmlformats.org/presentationml/2006/main" xmlns:r="http://schemas.openxmlformats.org/officeDocument/2006/relationships">
+  <p:cSld>
+    <p:spTree>
+      <p:nvGrpSpPr>
+        <p:cNvPr id="1" name=""/>
+        <p:cNvGrpSpPr/>
+        <p:nvPr/>
+      </p:nvGrpSpPr>
+      <p:grpSpPr/>
+      <p:sp>
+        <p:nvSpPr>
+          <p:cNvPr id="2" name="TextBox 1"/>
+          <p:cNvSpPr txBox="1"/>
+          <p:nvPr/>
+        </p:nvSpPr>
+        <p:spPr>
+          <a:xfrm>
+            <a:off x="457200" y="365760"/>
+            <a:ext cx="8229600" cy="548640"/>
+          </a:xfrm>
+          <a:prstGeom prst="rect">
+            <a:avLst/>
+          </a:prstGeom>
+          <a:noFill/>
+        </p:spPr>
+        <p:txBody>
+          <a:bodyPr wrap="none">
+            <a:spAutoFit/>
+          </a:bodyPr>
+          <a:lstStyle/>
+          <a:p>
+            <a:pPr>
+              <a:defRPr sz="4000" b="1">
+                <a:solidFill>
+                  <a:srgbClr val="1F4E79"/>
+                </a:solidFill>
+              </a:defRPr>
+            </a:pPr>
+            <a:r>
+              <a:t>Leverage Plot 45</a:t>
+            </a:r>
+          </a:p>
+        </p:txBody>
+      </p:sp>
+      <p:cxnSp>
+        <p:nvCxnSpPr>
+          <p:cNvPr id="3" name="Connector 2"/>
+          <p:cNvCxnSpPr/>
+          <p:nvPr/>
+        </p:nvCxnSpPr>
+        <p:spPr>
+          <a:xfrm>
+            <a:off x="457200" y="1005840"/>
+            <a:ext cx="8229600" cy="0"/>
+          </a:xfrm>
+          <a:prstGeom prst="line">
+            <a:avLst/>
+          </a:prstGeom>
+          <a:ln w="25400">
+            <a:solidFill>
+              <a:srgbClr val="1F4E79"/>
+            </a:solidFill>
+          </a:ln>
+        </p:spPr>
+        <p:style>
+          <a:lnRef idx="2">
+            <a:schemeClr val="accent1"/>
+          </a:lnRef>
+          <a:fillRef idx="0">
+            <a:schemeClr val="accent1"/>
+          </a:fillRef>
+          <a:effectRef idx="1">
+            <a:schemeClr val="accent1"/>
+          </a:effectRef>
+          <a:fontRef idx="minor">
+            <a:schemeClr val="tx1"/>
+          </a:fontRef>
+        </p:style>
+      </p:cxnSp>
+      <p:pic>
+        <p:nvPicPr>
+          <p:cNvPr id="4" name="Picture 3" descr="image.png"/>
+          <p:cNvPicPr>
+            <a:picLocks noChangeAspect="1"/>
+          </p:cNvPicPr>
+          <p:nvPr/>
+        </p:nvPicPr>
+        <p:blipFill>
+          <a:blip r:embed="rId2"/>
+          <a:stretch>
+            <a:fillRect/>
+          </a:stretch>
+        </p:blipFill>
+        <p:spPr>
+          <a:xfrm>
+            <a:off x="914400" y="1280160"/>
+            <a:ext cx="7315200" cy="4180114"/>
+          </a:xfrm>
+          <a:prstGeom prst="rect">
+            <a:avLst/>
+          </a:prstGeom>
+        </p:spPr>
+      </p:pic>
+    </p:spTree>
+  </p:cSld>
+  <p:clrMapOvr>
+    <a:masterClrMapping/>
+  </p:clrMapOvr>
+</p:sld>
+</file>
+
+<file path=ppt/slides/slide52.xml><?xml version="1.0" encoding="utf-8"?>
+<p:sld xmlns:a="http://schemas.openxmlformats.org/drawingml/2006/main" xmlns:p="http://schemas.openxmlformats.org/presentationml/2006/main" xmlns:r="http://schemas.openxmlformats.org/officeDocument/2006/relationships">
+  <p:cSld>
+    <p:spTree>
+      <p:nvGrpSpPr>
+        <p:cNvPr id="1" name=""/>
+        <p:cNvGrpSpPr/>
+        <p:nvPr/>
+      </p:nvGrpSpPr>
+      <p:grpSpPr/>
+      <p:sp>
+        <p:nvSpPr>
+          <p:cNvPr id="2" name="TextBox 1"/>
+          <p:cNvSpPr txBox="1"/>
+          <p:nvPr/>
+        </p:nvSpPr>
+        <p:spPr>
+          <a:xfrm>
+            <a:off x="457200" y="365760"/>
+            <a:ext cx="8229600" cy="548640"/>
+          </a:xfrm>
+          <a:prstGeom prst="rect">
+            <a:avLst/>
+          </a:prstGeom>
+          <a:noFill/>
+        </p:spPr>
+        <p:txBody>
+          <a:bodyPr wrap="none">
+            <a:spAutoFit/>
+          </a:bodyPr>
+          <a:lstStyle/>
+          <a:p>
+            <a:pPr>
+              <a:defRPr sz="4000" b="1">
+                <a:solidFill>
+                  <a:srgbClr val="1F4E79"/>
+                </a:solidFill>
+              </a:defRPr>
+            </a:pPr>
+            <a:r>
+              <a:t>Leverage Plot 46</a:t>
+            </a:r>
+          </a:p>
+        </p:txBody>
+      </p:sp>
+      <p:cxnSp>
+        <p:nvCxnSpPr>
+          <p:cNvPr id="3" name="Connector 2"/>
+          <p:cNvCxnSpPr/>
+          <p:nvPr/>
+        </p:nvCxnSpPr>
+        <p:spPr>
+          <a:xfrm>
+            <a:off x="457200" y="1005840"/>
+            <a:ext cx="8229600" cy="0"/>
+          </a:xfrm>
+          <a:prstGeom prst="line">
+            <a:avLst/>
+          </a:prstGeom>
+          <a:ln w="25400">
+            <a:solidFill>
+              <a:srgbClr val="1F4E79"/>
+            </a:solidFill>
+          </a:ln>
+        </p:spPr>
+        <p:style>
+          <a:lnRef idx="2">
+            <a:schemeClr val="accent1"/>
+          </a:lnRef>
+          <a:fillRef idx="0">
+            <a:schemeClr val="accent1"/>
+          </a:fillRef>
+          <a:effectRef idx="1">
+            <a:schemeClr val="accent1"/>
+          </a:effectRef>
+          <a:fontRef idx="minor">
+            <a:schemeClr val="tx1"/>
+          </a:fontRef>
+        </p:style>
+      </p:cxnSp>
+      <p:pic>
+        <p:nvPicPr>
+          <p:cNvPr id="4" name="Picture 3" descr="image.png"/>
+          <p:cNvPicPr>
+            <a:picLocks noChangeAspect="1"/>
+          </p:cNvPicPr>
+          <p:nvPr/>
+        </p:nvPicPr>
+        <p:blipFill>
+          <a:blip r:embed="rId2"/>
+          <a:stretch>
+            <a:fillRect/>
+          </a:stretch>
+        </p:blipFill>
+        <p:spPr>
+          <a:xfrm>
+            <a:off x="914400" y="1280160"/>
+            <a:ext cx="7315200" cy="4180114"/>
+          </a:xfrm>
+          <a:prstGeom prst="rect">
+            <a:avLst/>
+          </a:prstGeom>
+        </p:spPr>
+      </p:pic>
+    </p:spTree>
+  </p:cSld>
+  <p:clrMapOvr>
+    <a:masterClrMapping/>
+  </p:clrMapOvr>
+</p:sld>
+</file>
+
+<file path=ppt/slides/slide53.xml><?xml version="1.0" encoding="utf-8"?>
+<p:sld xmlns:a="http://schemas.openxmlformats.org/drawingml/2006/main" xmlns:p="http://schemas.openxmlformats.org/presentationml/2006/main" xmlns:r="http://schemas.openxmlformats.org/officeDocument/2006/relationships">
+  <p:cSld>
+    <p:spTree>
+      <p:nvGrpSpPr>
+        <p:cNvPr id="1" name=""/>
+        <p:cNvGrpSpPr/>
+        <p:nvPr/>
+      </p:nvGrpSpPr>
+      <p:grpSpPr/>
+      <p:sp>
+        <p:nvSpPr>
+          <p:cNvPr id="2" name="TextBox 1"/>
+          <p:cNvSpPr txBox="1"/>
+          <p:nvPr/>
+        </p:nvSpPr>
+        <p:spPr>
+          <a:xfrm>
+            <a:off x="457200" y="365760"/>
+            <a:ext cx="8229600" cy="548640"/>
+          </a:xfrm>
+          <a:prstGeom prst="rect">
+            <a:avLst/>
+          </a:prstGeom>
+          <a:noFill/>
+        </p:spPr>
+        <p:txBody>
+          <a:bodyPr wrap="none">
+            <a:spAutoFit/>
+          </a:bodyPr>
+          <a:lstStyle/>
+          <a:p>
+            <a:pPr>
+              <a:defRPr sz="4000" b="1">
+                <a:solidFill>
+                  <a:srgbClr val="1F4E79"/>
+                </a:solidFill>
+              </a:defRPr>
+            </a:pPr>
+            <a:r>
+              <a:t>Leverage Plot 47</a:t>
+            </a:r>
+          </a:p>
+        </p:txBody>
+      </p:sp>
+      <p:cxnSp>
+        <p:nvCxnSpPr>
+          <p:cNvPr id="3" name="Connector 2"/>
+          <p:cNvCxnSpPr/>
+          <p:nvPr/>
+        </p:nvCxnSpPr>
+        <p:spPr>
+          <a:xfrm>
+            <a:off x="457200" y="1005840"/>
+            <a:ext cx="8229600" cy="0"/>
+          </a:xfrm>
+          <a:prstGeom prst="line">
+            <a:avLst/>
+          </a:prstGeom>
+          <a:ln w="25400">
+            <a:solidFill>
+              <a:srgbClr val="1F4E79"/>
+            </a:solidFill>
+          </a:ln>
+        </p:spPr>
+        <p:style>
+          <a:lnRef idx="2">
+            <a:schemeClr val="accent1"/>
+          </a:lnRef>
+          <a:fillRef idx="0">
+            <a:schemeClr val="accent1"/>
+          </a:fillRef>
+          <a:effectRef idx="1">
+            <a:schemeClr val="accent1"/>
+          </a:effectRef>
+          <a:fontRef idx="minor">
+            <a:schemeClr val="tx1"/>
+          </a:fontRef>
+        </p:style>
+      </p:cxnSp>
+      <p:pic>
+        <p:nvPicPr>
+          <p:cNvPr id="4" name="Picture 3" descr="image.png"/>
+          <p:cNvPicPr>
+            <a:picLocks noChangeAspect="1"/>
+          </p:cNvPicPr>
+          <p:nvPr/>
+        </p:nvPicPr>
+        <p:blipFill>
+          <a:blip r:embed="rId2"/>
+          <a:stretch>
+            <a:fillRect/>
+          </a:stretch>
+        </p:blipFill>
+        <p:spPr>
+          <a:xfrm>
+            <a:off x="914400" y="1280160"/>
+            <a:ext cx="7315200" cy="4180114"/>
+          </a:xfrm>
+          <a:prstGeom prst="rect">
+            <a:avLst/>
+          </a:prstGeom>
+        </p:spPr>
+      </p:pic>
+    </p:spTree>
+  </p:cSld>
+  <p:clrMapOvr>
+    <a:masterClrMapping/>
+  </p:clrMapOvr>
+</p:sld>
+</file>
+
+<file path=ppt/slides/slide54.xml><?xml version="1.0" encoding="utf-8"?>
+<p:sld xmlns:a="http://schemas.openxmlformats.org/drawingml/2006/main" xmlns:p="http://schemas.openxmlformats.org/presentationml/2006/main" xmlns:r="http://schemas.openxmlformats.org/officeDocument/2006/relationships">
+  <p:cSld>
+    <p:spTree>
+      <p:nvGrpSpPr>
+        <p:cNvPr id="1" name=""/>
+        <p:cNvGrpSpPr/>
+        <p:nvPr/>
+      </p:nvGrpSpPr>
+      <p:grpSpPr/>
+      <p:sp>
+        <p:nvSpPr>
+          <p:cNvPr id="2" name="TextBox 1"/>
+          <p:cNvSpPr txBox="1"/>
+          <p:nvPr/>
+        </p:nvSpPr>
+        <p:spPr>
+          <a:xfrm>
+            <a:off x="457200" y="365760"/>
+            <a:ext cx="8229600" cy="548640"/>
+          </a:xfrm>
+          <a:prstGeom prst="rect">
+            <a:avLst/>
+          </a:prstGeom>
+          <a:noFill/>
+        </p:spPr>
+        <p:txBody>
+          <a:bodyPr wrap="none">
+            <a:spAutoFit/>
+          </a:bodyPr>
+          <a:lstStyle/>
+          <a:p>
+            <a:pPr>
+              <a:defRPr sz="4000" b="1">
+                <a:solidFill>
+                  <a:srgbClr val="1F4E79"/>
+                </a:solidFill>
+              </a:defRPr>
+            </a:pPr>
+            <a:r>
+              <a:t>Leverage Plot 48</a:t>
+            </a:r>
+          </a:p>
+        </p:txBody>
+      </p:sp>
+      <p:cxnSp>
+        <p:nvCxnSpPr>
+          <p:cNvPr id="3" name="Connector 2"/>
+          <p:cNvCxnSpPr/>
+          <p:nvPr/>
+        </p:nvCxnSpPr>
+        <p:spPr>
+          <a:xfrm>
+            <a:off x="457200" y="1005840"/>
+            <a:ext cx="8229600" cy="0"/>
+          </a:xfrm>
+          <a:prstGeom prst="line">
+            <a:avLst/>
+          </a:prstGeom>
+          <a:ln w="25400">
+            <a:solidFill>
+              <a:srgbClr val="1F4E79"/>
+            </a:solidFill>
+          </a:ln>
+        </p:spPr>
+        <p:style>
+          <a:lnRef idx="2">
+            <a:schemeClr val="accent1"/>
+          </a:lnRef>
+          <a:fillRef idx="0">
+            <a:schemeClr val="accent1"/>
+          </a:fillRef>
+          <a:effectRef idx="1">
+            <a:schemeClr val="accent1"/>
+          </a:effectRef>
+          <a:fontRef idx="minor">
+            <a:schemeClr val="tx1"/>
+          </a:fontRef>
+        </p:style>
+      </p:cxnSp>
+      <p:pic>
+        <p:nvPicPr>
+          <p:cNvPr id="4" name="Picture 3" descr="image.png"/>
+          <p:cNvPicPr>
+            <a:picLocks noChangeAspect="1"/>
+          </p:cNvPicPr>
+          <p:nvPr/>
+        </p:nvPicPr>
+        <p:blipFill>
+          <a:blip r:embed="rId2"/>
+          <a:stretch>
+            <a:fillRect/>
+          </a:stretch>
+        </p:blipFill>
+        <p:spPr>
+          <a:xfrm>
+            <a:off x="914400" y="1280160"/>
+            <a:ext cx="7315200" cy="4180114"/>
+          </a:xfrm>
+          <a:prstGeom prst="rect">
+            <a:avLst/>
+          </a:prstGeom>
+        </p:spPr>
+      </p:pic>
+    </p:spTree>
+  </p:cSld>
+  <p:clrMapOvr>
+    <a:masterClrMapping/>
+  </p:clrMapOvr>
+</p:sld>
+</file>
+
+<file path=ppt/slides/slide55.xml><?xml version="1.0" encoding="utf-8"?>
+<p:sld xmlns:a="http://schemas.openxmlformats.org/drawingml/2006/main" xmlns:p="http://schemas.openxmlformats.org/presentationml/2006/main" xmlns:r="http://schemas.openxmlformats.org/officeDocument/2006/relationships">
+  <p:cSld>
+    <p:spTree>
+      <p:nvGrpSpPr>
+        <p:cNvPr id="1" name=""/>
+        <p:cNvGrpSpPr/>
+        <p:nvPr/>
+      </p:nvGrpSpPr>
+      <p:grpSpPr/>
+      <p:sp>
+        <p:nvSpPr>
+          <p:cNvPr id="2" name="TextBox 1"/>
+          <p:cNvSpPr txBox="1"/>
+          <p:nvPr/>
+        </p:nvSpPr>
+        <p:spPr>
+          <a:xfrm>
+            <a:off x="457200" y="365760"/>
+            <a:ext cx="8229600" cy="548640"/>
+          </a:xfrm>
+          <a:prstGeom prst="rect">
+            <a:avLst/>
+          </a:prstGeom>
+          <a:noFill/>
+        </p:spPr>
+        <p:txBody>
+          <a:bodyPr wrap="none">
+            <a:spAutoFit/>
+          </a:bodyPr>
+          <a:lstStyle/>
+          <a:p>
+            <a:pPr>
+              <a:defRPr sz="4000" b="1">
+                <a:solidFill>
+                  <a:srgbClr val="1F4E79"/>
+                </a:solidFill>
+              </a:defRPr>
+            </a:pPr>
+            <a:r>
+              <a:t>Leverage Plot 49</a:t>
+            </a:r>
+          </a:p>
+        </p:txBody>
+      </p:sp>
+      <p:cxnSp>
+        <p:nvCxnSpPr>
+          <p:cNvPr id="3" name="Connector 2"/>
+          <p:cNvCxnSpPr/>
+          <p:nvPr/>
+        </p:nvCxnSpPr>
+        <p:spPr>
+          <a:xfrm>
+            <a:off x="457200" y="1005840"/>
+            <a:ext cx="8229600" cy="0"/>
+          </a:xfrm>
+          <a:prstGeom prst="line">
+            <a:avLst/>
+          </a:prstGeom>
+          <a:ln w="25400">
+            <a:solidFill>
+              <a:srgbClr val="1F4E79"/>
+            </a:solidFill>
+          </a:ln>
+        </p:spPr>
+        <p:style>
+          <a:lnRef idx="2">
+            <a:schemeClr val="accent1"/>
+          </a:lnRef>
+          <a:fillRef idx="0">
+            <a:schemeClr val="accent1"/>
+          </a:fillRef>
+          <a:effectRef idx="1">
+            <a:schemeClr val="accent1"/>
+          </a:effectRef>
+          <a:fontRef idx="minor">
+            <a:schemeClr val="tx1"/>
+          </a:fontRef>
+        </p:style>
+      </p:cxnSp>
+      <p:pic>
+        <p:nvPicPr>
+          <p:cNvPr id="4" name="Picture 3" descr="image.png"/>
+          <p:cNvPicPr>
+            <a:picLocks noChangeAspect="1"/>
+          </p:cNvPicPr>
+          <p:nvPr/>
+        </p:nvPicPr>
+        <p:blipFill>
+          <a:blip r:embed="rId2"/>
+          <a:stretch>
+            <a:fillRect/>
+          </a:stretch>
+        </p:blipFill>
+        <p:spPr>
+          <a:xfrm>
+            <a:off x="914400" y="1280160"/>
+            <a:ext cx="7315200" cy="4180114"/>
+          </a:xfrm>
+          <a:prstGeom prst="rect">
+            <a:avLst/>
+          </a:prstGeom>
+        </p:spPr>
+      </p:pic>
+    </p:spTree>
+  </p:cSld>
+  <p:clrMapOvr>
+    <a:masterClrMapping/>
+  </p:clrMapOvr>
+</p:sld>
+</file>
+
+<file path=ppt/slides/slide56.xml><?xml version="1.0" encoding="utf-8"?>
+<p:sld xmlns:a="http://schemas.openxmlformats.org/drawingml/2006/main" xmlns:p="http://schemas.openxmlformats.org/presentationml/2006/main" xmlns:r="http://schemas.openxmlformats.org/officeDocument/2006/relationships">
+  <p:cSld>
+    <p:spTree>
+      <p:nvGrpSpPr>
+        <p:cNvPr id="1" name=""/>
+        <p:cNvGrpSpPr/>
+        <p:nvPr/>
+      </p:nvGrpSpPr>
+      <p:grpSpPr/>
+      <p:sp>
+        <p:nvSpPr>
+          <p:cNvPr id="2" name="TextBox 1"/>
+          <p:cNvSpPr txBox="1"/>
+          <p:nvPr/>
+        </p:nvSpPr>
+        <p:spPr>
+          <a:xfrm>
+            <a:off x="457200" y="365760"/>
+            <a:ext cx="8229600" cy="548640"/>
+          </a:xfrm>
+          <a:prstGeom prst="rect">
+            <a:avLst/>
+          </a:prstGeom>
+          <a:noFill/>
+        </p:spPr>
+        <p:txBody>
+          <a:bodyPr wrap="none">
+            <a:spAutoFit/>
+          </a:bodyPr>
+          <a:lstStyle/>
+          <a:p>
+            <a:pPr>
+              <a:defRPr sz="4000" b="1">
+                <a:solidFill>
+                  <a:srgbClr val="1F4E79"/>
+                </a:solidFill>
+              </a:defRPr>
+            </a:pPr>
+            <a:r>
+              <a:t>Leverage Plot 50</a:t>
+            </a:r>
+          </a:p>
+        </p:txBody>
+      </p:sp>
+      <p:cxnSp>
+        <p:nvCxnSpPr>
+          <p:cNvPr id="3" name="Connector 2"/>
+          <p:cNvCxnSpPr/>
+          <p:nvPr/>
+        </p:nvCxnSpPr>
+        <p:spPr>
+          <a:xfrm>
+            <a:off x="457200" y="1005840"/>
+            <a:ext cx="8229600" cy="0"/>
+          </a:xfrm>
+          <a:prstGeom prst="line">
+            <a:avLst/>
+          </a:prstGeom>
+          <a:ln w="25400">
+            <a:solidFill>
+              <a:srgbClr val="1F4E79"/>
+            </a:solidFill>
+          </a:ln>
+        </p:spPr>
+        <p:style>
+          <a:lnRef idx="2">
+            <a:schemeClr val="accent1"/>
+          </a:lnRef>
+          <a:fillRef idx="0">
+            <a:schemeClr val="accent1"/>
+          </a:fillRef>
+          <a:effectRef idx="1">
+            <a:schemeClr val="accent1"/>
+          </a:effectRef>
+          <a:fontRef idx="minor">
+            <a:schemeClr val="tx1"/>
+          </a:fontRef>
+        </p:style>
+      </p:cxnSp>
+      <p:pic>
+        <p:nvPicPr>
+          <p:cNvPr id="4" name="Picture 3" descr="image.png"/>
+          <p:cNvPicPr>
+            <a:picLocks noChangeAspect="1"/>
+          </p:cNvPicPr>
+          <p:nvPr/>
+        </p:nvPicPr>
+        <p:blipFill>
+          <a:blip r:embed="rId2"/>
+          <a:stretch>
+            <a:fillRect/>
+          </a:stretch>
+        </p:blipFill>
+        <p:spPr>
+          <a:xfrm>
+            <a:off x="914400" y="1280160"/>
+            <a:ext cx="7315200" cy="4180114"/>
+          </a:xfrm>
+          <a:prstGeom prst="rect">
+            <a:avLst/>
+          </a:prstGeom>
+        </p:spPr>
+      </p:pic>
+    </p:spTree>
+  </p:cSld>
+  <p:clrMapOvr>
+    <a:masterClrMapping/>
+  </p:clrMapOvr>
+</p:sld>
+</file>
+
+<file path=ppt/slides/slide57.xml><?xml version="1.0" encoding="utf-8"?>
+<p:sld xmlns:a="http://schemas.openxmlformats.org/drawingml/2006/main" xmlns:p="http://schemas.openxmlformats.org/presentationml/2006/main" xmlns:r="http://schemas.openxmlformats.org/officeDocument/2006/relationships">
+  <p:cSld>
+    <p:spTree>
+      <p:nvGrpSpPr>
+        <p:cNvPr id="1" name=""/>
+        <p:cNvGrpSpPr/>
+        <p:nvPr/>
+      </p:nvGrpSpPr>
+      <p:grpSpPr/>
+      <p:sp>
+        <p:nvSpPr>
+          <p:cNvPr id="2" name="TextBox 1"/>
+          <p:cNvSpPr txBox="1"/>
+          <p:nvPr/>
+        </p:nvSpPr>
+        <p:spPr>
+          <a:xfrm>
+            <a:off x="457200" y="365760"/>
+            <a:ext cx="8229600" cy="548640"/>
+          </a:xfrm>
+          <a:prstGeom prst="rect">
+            <a:avLst/>
+          </a:prstGeom>
+          <a:noFill/>
+        </p:spPr>
+        <p:txBody>
+          <a:bodyPr wrap="none">
+            <a:spAutoFit/>
+          </a:bodyPr>
+          <a:lstStyle/>
+          <a:p>
+            <a:pPr>
+              <a:defRPr sz="4000" b="1">
+                <a:solidFill>
+                  <a:srgbClr val="1F4E79"/>
+                </a:solidFill>
+              </a:defRPr>
+            </a:pPr>
+            <a:r>
+              <a:t>Leverage Plot 51</a:t>
             </a:r>
           </a:p>
         </p:txBody>
@@ -7893,7 +10476,7 @@
               </a:defRPr>
             </a:pPr>
             <a:r>
-              <a:t>Analysis Chart 5</a:t>
+              <a:t>Parameter Table (Sorted by P-value, Low to High)</a:t>
             </a:r>
           </a:p>
         </p:txBody>
@@ -7933,30 +10516,1566 @@
           </a:fontRef>
         </p:style>
       </p:cxnSp>
-      <p:pic>
-        <p:nvPicPr>
-          <p:cNvPr id="4" name="Picture 3" descr="image.png"/>
-          <p:cNvPicPr>
-            <a:picLocks noChangeAspect="1"/>
-          </p:cNvPicPr>
-          <p:nvPr/>
-        </p:nvPicPr>
-        <p:blipFill>
-          <a:blip r:embed="rId2"/>
-          <a:stretch>
-            <a:fillRect/>
-          </a:stretch>
-        </p:blipFill>
-        <p:spPr>
-          <a:xfrm>
-            <a:off x="914400" y="1280160"/>
-            <a:ext cx="7315200" cy="4180114"/>
-          </a:xfrm>
-          <a:prstGeom prst="rect">
-            <a:avLst/>
-          </a:prstGeom>
-        </p:spPr>
-      </p:pic>
+      <p:graphicFrame>
+        <p:nvGraphicFramePr>
+          <p:cNvPr id="4" name="Table 3"/>
+          <p:cNvGraphicFramePr>
+            <a:graphicFrameLocks noGrp="1"/>
+          </p:cNvGraphicFramePr>
+          <p:nvPr/>
+        </p:nvGraphicFramePr>
+        <p:xfrm>
+          <a:off x="457200" y="1280160"/>
+          <a:ext cx="8229600" cy="4114800"/>
+        </p:xfrm>
+        <a:graphic>
+          <a:graphicData uri="http://schemas.openxmlformats.org/drawingml/2006/table">
+            <a:tbl>
+              <a:tblPr firstRow="1" bandRow="1">
+                <a:tableStyleId>{5C22544A-7EE6-4342-B048-85BDC9FD1C3A}</a:tableStyleId>
+              </a:tblPr>
+              <a:tblGrid>
+                <a:gridCol w="1028700"/>
+                <a:gridCol w="1028700"/>
+                <a:gridCol w="1028700"/>
+                <a:gridCol w="1028700"/>
+                <a:gridCol w="1028700"/>
+                <a:gridCol w="1028700"/>
+                <a:gridCol w="1028700"/>
+                <a:gridCol w="1028700"/>
+              </a:tblGrid>
+              <a:tr h="342900">
+                <a:tc>
+                  <a:txBody>
+                    <a:bodyPr/>
+                    <a:lstStyle/>
+                    <a:p>
+                      <a:r>
+                        <a:rPr sz="1100" b="1">
+                          <a:solidFill>
+                            <a:srgbClr val="FFFFFF"/>
+                          </a:solidFill>
+                        </a:rPr>
+                        <a:t>Unnamed: 0</a:t>
+                      </a:r>
+                    </a:p>
+                  </a:txBody>
+                  <a:tcPr>
+                    <a:solidFill>
+                      <a:srgbClr val="1F4E79"/>
+                    </a:solidFill>
+                  </a:tcPr>
+                </a:tc>
+                <a:tc>
+                  <a:txBody>
+                    <a:bodyPr/>
+                    <a:lstStyle/>
+                    <a:p>
+                      <a:r>
+                        <a:rPr sz="1100" b="1">
+                          <a:solidFill>
+                            <a:srgbClr val="FFFFFF"/>
+                          </a:solidFill>
+                        </a:rPr>
+                        <a:t>Coefficient</a:t>
+                      </a:r>
+                    </a:p>
+                  </a:txBody>
+                  <a:tcPr>
+                    <a:solidFill>
+                      <a:srgbClr val="1F4E79"/>
+                    </a:solidFill>
+                  </a:tcPr>
+                </a:tc>
+                <a:tc>
+                  <a:txBody>
+                    <a:bodyPr/>
+                    <a:lstStyle/>
+                    <a:p>
+                      <a:r>
+                        <a:rPr sz="1100" b="1">
+                          <a:solidFill>
+                            <a:srgbClr val="FFFFFF"/>
+                          </a:solidFill>
+                        </a:rPr>
+                        <a:t>Std Error</a:t>
+                      </a:r>
+                    </a:p>
+                  </a:txBody>
+                  <a:tcPr>
+                    <a:solidFill>
+                      <a:srgbClr val="1F4E79"/>
+                    </a:solidFill>
+                  </a:tcPr>
+                </a:tc>
+                <a:tc>
+                  <a:txBody>
+                    <a:bodyPr/>
+                    <a:lstStyle/>
+                    <a:p>
+                      <a:r>
+                        <a:rPr sz="1100" b="1">
+                          <a:solidFill>
+                            <a:srgbClr val="FFFFFF"/>
+                          </a:solidFill>
+                        </a:rPr>
+                        <a:t>t-value</a:t>
+                      </a:r>
+                    </a:p>
+                  </a:txBody>
+                  <a:tcPr>
+                    <a:solidFill>
+                      <a:srgbClr val="1F4E79"/>
+                    </a:solidFill>
+                  </a:tcPr>
+                </a:tc>
+                <a:tc>
+                  <a:txBody>
+                    <a:bodyPr/>
+                    <a:lstStyle/>
+                    <a:p>
+                      <a:r>
+                        <a:rPr sz="1100" b="1">
+                          <a:solidFill>
+                            <a:srgbClr val="FFFFFF"/>
+                          </a:solidFill>
+                        </a:rPr>
+                        <a:t>p-value</a:t>
+                      </a:r>
+                    </a:p>
+                  </a:txBody>
+                  <a:tcPr>
+                    <a:solidFill>
+                      <a:srgbClr val="1F4E79"/>
+                    </a:solidFill>
+                  </a:tcPr>
+                </a:tc>
+                <a:tc>
+                  <a:txBody>
+                    <a:bodyPr/>
+                    <a:lstStyle/>
+                    <a:p>
+                      <a:r>
+                        <a:rPr sz="1100" b="1">
+                          <a:solidFill>
+                            <a:srgbClr val="FFFFFF"/>
+                          </a:solidFill>
+                        </a:rPr>
+                        <a:t>Lower CI</a:t>
+                      </a:r>
+                    </a:p>
+                  </a:txBody>
+                  <a:tcPr>
+                    <a:solidFill>
+                      <a:srgbClr val="1F4E79"/>
+                    </a:solidFill>
+                  </a:tcPr>
+                </a:tc>
+                <a:tc>
+                  <a:txBody>
+                    <a:bodyPr/>
+                    <a:lstStyle/>
+                    <a:p>
+                      <a:r>
+                        <a:rPr sz="1100" b="1">
+                          <a:solidFill>
+                            <a:srgbClr val="FFFFFF"/>
+                          </a:solidFill>
+                        </a:rPr>
+                        <a:t>Upper CI</a:t>
+                      </a:r>
+                    </a:p>
+                  </a:txBody>
+                  <a:tcPr>
+                    <a:solidFill>
+                      <a:srgbClr val="1F4E79"/>
+                    </a:solidFill>
+                  </a:tcPr>
+                </a:tc>
+                <a:tc>
+                  <a:txBody>
+                    <a:bodyPr/>
+                    <a:lstStyle/>
+                    <a:p>
+                      <a:r>
+                        <a:rPr sz="1100" b="1">
+                          <a:solidFill>
+                            <a:srgbClr val="FFFFFF"/>
+                          </a:solidFill>
+                        </a:rPr>
+                        <a:t>Significance</a:t>
+                      </a:r>
+                    </a:p>
+                  </a:txBody>
+                  <a:tcPr>
+                    <a:solidFill>
+                      <a:srgbClr val="1F4E79"/>
+                    </a:solidFill>
+                  </a:tcPr>
+                </a:tc>
+              </a:tr>
+              <a:tr h="342900">
+                <a:tc>
+                  <a:txBody>
+                    <a:bodyPr/>
+                    <a:lstStyle/>
+                    <a:p>
+                      <a:r>
+                        <a:rPr sz="1000"/>
+                        <a:t>Intercept</a:t>
+                      </a:r>
+                    </a:p>
+                  </a:txBody>
+                  <a:tcPr>
+                    <a:solidFill>
+                      <a:srgbClr val="F2F2F2"/>
+                    </a:solidFill>
+                  </a:tcPr>
+                </a:tc>
+                <a:tc>
+                  <a:txBody>
+                    <a:bodyPr/>
+                    <a:lstStyle/>
+                    <a:p>
+                      <a:r>
+                        <a:rPr sz="1000"/>
+                        <a:t>65.0873</a:t>
+                      </a:r>
+                    </a:p>
+                  </a:txBody>
+                  <a:tcPr>
+                    <a:solidFill>
+                      <a:srgbClr val="F2F2F2"/>
+                    </a:solidFill>
+                  </a:tcPr>
+                </a:tc>
+                <a:tc>
+                  <a:txBody>
+                    <a:bodyPr/>
+                    <a:lstStyle/>
+                    <a:p>
+                      <a:r>
+                        <a:rPr sz="1000"/>
+                        <a:t>0.0800917</a:t>
+                      </a:r>
+                    </a:p>
+                  </a:txBody>
+                  <a:tcPr>
+                    <a:solidFill>
+                      <a:srgbClr val="F2F2F2"/>
+                    </a:solidFill>
+                  </a:tcPr>
+                </a:tc>
+                <a:tc>
+                  <a:txBody>
+                    <a:bodyPr/>
+                    <a:lstStyle/>
+                    <a:p>
+                      <a:r>
+                        <a:rPr sz="1000"/>
+                        <a:t>812.66</a:t>
+                      </a:r>
+                    </a:p>
+                  </a:txBody>
+                  <a:tcPr>
+                    <a:solidFill>
+                      <a:srgbClr val="F2F2F2"/>
+                    </a:solidFill>
+                  </a:tcPr>
+                </a:tc>
+                <a:tc>
+                  <a:txBody>
+                    <a:bodyPr/>
+                    <a:lstStyle/>
+                    <a:p>
+                      <a:r>
+                        <a:rPr sz="1000"/>
+                        <a:t>0</a:t>
+                      </a:r>
+                    </a:p>
+                  </a:txBody>
+                  <a:tcPr>
+                    <a:solidFill>
+                      <a:srgbClr val="F2F2F2"/>
+                    </a:solidFill>
+                  </a:tcPr>
+                </a:tc>
+                <a:tc>
+                  <a:txBody>
+                    <a:bodyPr/>
+                    <a:lstStyle/>
+                    <a:p>
+                      <a:r>
+                        <a:rPr sz="1000"/>
+                        <a:t>64.9303</a:t>
+                      </a:r>
+                    </a:p>
+                  </a:txBody>
+                  <a:tcPr>
+                    <a:solidFill>
+                      <a:srgbClr val="F2F2F2"/>
+                    </a:solidFill>
+                  </a:tcPr>
+                </a:tc>
+                <a:tc>
+                  <a:txBody>
+                    <a:bodyPr/>
+                    <a:lstStyle/>
+                    <a:p>
+                      <a:r>
+                        <a:rPr sz="1000"/>
+                        <a:t>65.2443</a:t>
+                      </a:r>
+                    </a:p>
+                  </a:txBody>
+                  <a:tcPr>
+                    <a:solidFill>
+                      <a:srgbClr val="F2F2F2"/>
+                    </a:solidFill>
+                  </a:tcPr>
+                </a:tc>
+                <a:tc>
+                  <a:txBody>
+                    <a:bodyPr/>
+                    <a:lstStyle/>
+                    <a:p>
+                      <a:r>
+                        <a:rPr sz="1000"/>
+                        <a:t>Significant</a:t>
+                      </a:r>
+                    </a:p>
+                  </a:txBody>
+                  <a:tcPr>
+                    <a:solidFill>
+                      <a:srgbClr val="F2F2F2"/>
+                    </a:solidFill>
+                  </a:tcPr>
+                </a:tc>
+              </a:tr>
+              <a:tr h="342900">
+                <a:tc>
+                  <a:txBody>
+                    <a:bodyPr/>
+                    <a:lstStyle/>
+                    <a:p>
+                      <a:r>
+                        <a:rPr sz="1000"/>
+                        <a:t>Transceiver_Manufacturer*Rack_Unit[NON-JNPR,5]</a:t>
+                      </a:r>
+                    </a:p>
+                  </a:txBody>
+                  <a:tcPr/>
+                </a:tc>
+                <a:tc>
+                  <a:txBody>
+                    <a:bodyPr/>
+                    <a:lstStyle/>
+                    <a:p>
+                      <a:r>
+                        <a:rPr sz="1000"/>
+                        <a:t>65.1494</a:t>
+                      </a:r>
+                    </a:p>
+                  </a:txBody>
+                  <a:tcPr/>
+                </a:tc>
+                <a:tc>
+                  <a:txBody>
+                    <a:bodyPr/>
+                    <a:lstStyle/>
+                    <a:p>
+                      <a:r>
+                        <a:rPr sz="1000"/>
+                        <a:t>1.41431</a:t>
+                      </a:r>
+                    </a:p>
+                  </a:txBody>
+                  <a:tcPr/>
+                </a:tc>
+                <a:tc>
+                  <a:txBody>
+                    <a:bodyPr/>
+                    <a:lstStyle/>
+                    <a:p>
+                      <a:r>
+                        <a:rPr sz="1000"/>
+                        <a:t>46.0644</a:t>
+                      </a:r>
+                    </a:p>
+                  </a:txBody>
+                  <a:tcPr/>
+                </a:tc>
+                <a:tc>
+                  <a:txBody>
+                    <a:bodyPr/>
+                    <a:lstStyle/>
+                    <a:p>
+                      <a:r>
+                        <a:rPr sz="1000"/>
+                        <a:t>0</a:t>
+                      </a:r>
+                    </a:p>
+                  </a:txBody>
+                  <a:tcPr/>
+                </a:tc>
+                <a:tc>
+                  <a:txBody>
+                    <a:bodyPr/>
+                    <a:lstStyle/>
+                    <a:p>
+                      <a:r>
+                        <a:rPr sz="1000"/>
+                        <a:t>62.3769</a:t>
+                      </a:r>
+                    </a:p>
+                  </a:txBody>
+                  <a:tcPr/>
+                </a:tc>
+                <a:tc>
+                  <a:txBody>
+                    <a:bodyPr/>
+                    <a:lstStyle/>
+                    <a:p>
+                      <a:r>
+                        <a:rPr sz="1000"/>
+                        <a:t>67.9218</a:t>
+                      </a:r>
+                    </a:p>
+                  </a:txBody>
+                  <a:tcPr/>
+                </a:tc>
+                <a:tc>
+                  <a:txBody>
+                    <a:bodyPr/>
+                    <a:lstStyle/>
+                    <a:p>
+                      <a:r>
+                        <a:rPr sz="1000"/>
+                        <a:t>Significant</a:t>
+                      </a:r>
+                    </a:p>
+                  </a:txBody>
+                  <a:tcPr/>
+                </a:tc>
+              </a:tr>
+              <a:tr h="342900">
+                <a:tc>
+                  <a:txBody>
+                    <a:bodyPr/>
+                    <a:lstStyle/>
+                    <a:p>
+                      <a:r>
+                        <a:rPr sz="1000"/>
+                        <a:t>Transceiver_Manufacturer[Finisar]</a:t>
+                      </a:r>
+                    </a:p>
+                  </a:txBody>
+                  <a:tcPr>
+                    <a:solidFill>
+                      <a:srgbClr val="F2F2F2"/>
+                    </a:solidFill>
+                  </a:tcPr>
+                </a:tc>
+                <a:tc>
+                  <a:txBody>
+                    <a:bodyPr/>
+                    <a:lstStyle/>
+                    <a:p>
+                      <a:r>
+                        <a:rPr sz="1000"/>
+                        <a:t>-1.33263</a:t>
+                      </a:r>
+                    </a:p>
+                  </a:txBody>
+                  <a:tcPr>
+                    <a:solidFill>
+                      <a:srgbClr val="F2F2F2"/>
+                    </a:solidFill>
+                  </a:tcPr>
+                </a:tc>
+                <a:tc>
+                  <a:txBody>
+                    <a:bodyPr/>
+                    <a:lstStyle/>
+                    <a:p>
+                      <a:r>
+                        <a:rPr sz="1000"/>
+                        <a:t>0.117195</a:t>
+                      </a:r>
+                    </a:p>
+                  </a:txBody>
+                  <a:tcPr>
+                    <a:solidFill>
+                      <a:srgbClr val="F2F2F2"/>
+                    </a:solidFill>
+                  </a:tcPr>
+                </a:tc>
+                <a:tc>
+                  <a:txBody>
+                    <a:bodyPr/>
+                    <a:lstStyle/>
+                    <a:p>
+                      <a:r>
+                        <a:rPr sz="1000"/>
+                        <a:t>-11.3711</a:t>
+                      </a:r>
+                    </a:p>
+                  </a:txBody>
+                  <a:tcPr>
+                    <a:solidFill>
+                      <a:srgbClr val="F2F2F2"/>
+                    </a:solidFill>
+                  </a:tcPr>
+                </a:tc>
+                <a:tc>
+                  <a:txBody>
+                    <a:bodyPr/>
+                    <a:lstStyle/>
+                    <a:p>
+                      <a:r>
+                        <a:rPr sz="1000"/>
+                        <a:t>0</a:t>
+                      </a:r>
+                    </a:p>
+                  </a:txBody>
+                  <a:tcPr>
+                    <a:solidFill>
+                      <a:srgbClr val="F2F2F2"/>
+                    </a:solidFill>
+                  </a:tcPr>
+                </a:tc>
+                <a:tc>
+                  <a:txBody>
+                    <a:bodyPr/>
+                    <a:lstStyle/>
+                    <a:p>
+                      <a:r>
+                        <a:rPr sz="1000"/>
+                        <a:t>-1.56237</a:t>
+                      </a:r>
+                    </a:p>
+                  </a:txBody>
+                  <a:tcPr>
+                    <a:solidFill>
+                      <a:srgbClr val="F2F2F2"/>
+                    </a:solidFill>
+                  </a:tcPr>
+                </a:tc>
+                <a:tc>
+                  <a:txBody>
+                    <a:bodyPr/>
+                    <a:lstStyle/>
+                    <a:p>
+                      <a:r>
+                        <a:rPr sz="1000"/>
+                        <a:t>-1.1029</a:t>
+                      </a:r>
+                    </a:p>
+                  </a:txBody>
+                  <a:tcPr>
+                    <a:solidFill>
+                      <a:srgbClr val="F2F2F2"/>
+                    </a:solidFill>
+                  </a:tcPr>
+                </a:tc>
+                <a:tc>
+                  <a:txBody>
+                    <a:bodyPr/>
+                    <a:lstStyle/>
+                    <a:p>
+                      <a:r>
+                        <a:rPr sz="1000"/>
+                        <a:t>Significant</a:t>
+                      </a:r>
+                    </a:p>
+                  </a:txBody>
+                  <a:tcPr>
+                    <a:solidFill>
+                      <a:srgbClr val="F2F2F2"/>
+                    </a:solidFill>
+                  </a:tcPr>
+                </a:tc>
+              </a:tr>
+              <a:tr h="342900">
+                <a:tc>
+                  <a:txBody>
+                    <a:bodyPr/>
+                    <a:lstStyle/>
+                    <a:p>
+                      <a:r>
+                        <a:rPr sz="1000"/>
+                        <a:t>Transceiver_Manufacturer[Accelight]</a:t>
+                      </a:r>
+                    </a:p>
+                  </a:txBody>
+                  <a:tcPr/>
+                </a:tc>
+                <a:tc>
+                  <a:txBody>
+                    <a:bodyPr/>
+                    <a:lstStyle/>
+                    <a:p>
+                      <a:r>
+                        <a:rPr sz="1000"/>
+                        <a:t>-1.32759</a:t>
+                      </a:r>
+                    </a:p>
+                  </a:txBody>
+                  <a:tcPr/>
+                </a:tc>
+                <a:tc>
+                  <a:txBody>
+                    <a:bodyPr/>
+                    <a:lstStyle/>
+                    <a:p>
+                      <a:r>
+                        <a:rPr sz="1000"/>
+                        <a:t>0.133406</a:t>
+                      </a:r>
+                    </a:p>
+                  </a:txBody>
+                  <a:tcPr/>
+                </a:tc>
+                <a:tc>
+                  <a:txBody>
+                    <a:bodyPr/>
+                    <a:lstStyle/>
+                    <a:p>
+                      <a:r>
+                        <a:rPr sz="1000"/>
+                        <a:t>-9.95153</a:t>
+                      </a:r>
+                    </a:p>
+                  </a:txBody>
+                  <a:tcPr/>
+                </a:tc>
+                <a:tc>
+                  <a:txBody>
+                    <a:bodyPr/>
+                    <a:lstStyle/>
+                    <a:p>
+                      <a:r>
+                        <a:rPr sz="1000"/>
+                        <a:t>0</a:t>
+                      </a:r>
+                    </a:p>
+                  </a:txBody>
+                  <a:tcPr/>
+                </a:tc>
+                <a:tc>
+                  <a:txBody>
+                    <a:bodyPr/>
+                    <a:lstStyle/>
+                    <a:p>
+                      <a:r>
+                        <a:rPr sz="1000"/>
+                        <a:t>-1.5891</a:t>
+                      </a:r>
+                    </a:p>
+                  </a:txBody>
+                  <a:tcPr/>
+                </a:tc>
+                <a:tc>
+                  <a:txBody>
+                    <a:bodyPr/>
+                    <a:lstStyle/>
+                    <a:p>
+                      <a:r>
+                        <a:rPr sz="1000"/>
+                        <a:t>-1.06608</a:t>
+                      </a:r>
+                    </a:p>
+                  </a:txBody>
+                  <a:tcPr/>
+                </a:tc>
+                <a:tc>
+                  <a:txBody>
+                    <a:bodyPr/>
+                    <a:lstStyle/>
+                    <a:p>
+                      <a:r>
+                        <a:rPr sz="1000"/>
+                        <a:t>Significant</a:t>
+                      </a:r>
+                    </a:p>
+                  </a:txBody>
+                  <a:tcPr/>
+                </a:tc>
+              </a:tr>
+              <a:tr h="342900">
+                <a:tc>
+                  <a:txBody>
+                    <a:bodyPr/>
+                    <a:lstStyle/>
+                    <a:p>
+                      <a:r>
+                        <a:rPr sz="1000"/>
+                        <a:t>Transceiver_Manufacturer[NON-JNPR]</a:t>
+                      </a:r>
+                    </a:p>
+                  </a:txBody>
+                  <a:tcPr>
+                    <a:solidFill>
+                      <a:srgbClr val="F2F2F2"/>
+                    </a:solidFill>
+                  </a:tcPr>
+                </a:tc>
+                <a:tc>
+                  <a:txBody>
+                    <a:bodyPr/>
+                    <a:lstStyle/>
+                    <a:p>
+                      <a:r>
+                        <a:rPr sz="1000"/>
+                        <a:t>-2.83028</a:t>
+                      </a:r>
+                    </a:p>
+                  </a:txBody>
+                  <a:tcPr>
+                    <a:solidFill>
+                      <a:srgbClr val="F2F2F2"/>
+                    </a:solidFill>
+                  </a:tcPr>
+                </a:tc>
+                <a:tc>
+                  <a:txBody>
+                    <a:bodyPr/>
+                    <a:lstStyle/>
+                    <a:p>
+                      <a:r>
+                        <a:rPr sz="1000"/>
+                        <a:t>0.473603</a:t>
+                      </a:r>
+                    </a:p>
+                  </a:txBody>
+                  <a:tcPr>
+                    <a:solidFill>
+                      <a:srgbClr val="F2F2F2"/>
+                    </a:solidFill>
+                  </a:tcPr>
+                </a:tc>
+                <a:tc>
+                  <a:txBody>
+                    <a:bodyPr/>
+                    <a:lstStyle/>
+                    <a:p>
+                      <a:r>
+                        <a:rPr sz="1000"/>
+                        <a:t>-5.97606</a:t>
+                      </a:r>
+                    </a:p>
+                  </a:txBody>
+                  <a:tcPr>
+                    <a:solidFill>
+                      <a:srgbClr val="F2F2F2"/>
+                    </a:solidFill>
+                  </a:tcPr>
+                </a:tc>
+                <a:tc>
+                  <a:txBody>
+                    <a:bodyPr/>
+                    <a:lstStyle/>
+                    <a:p>
+                      <a:r>
+                        <a:rPr sz="1000"/>
+                        <a:t>0</a:t>
+                      </a:r>
+                    </a:p>
+                  </a:txBody>
+                  <a:tcPr>
+                    <a:solidFill>
+                      <a:srgbClr val="F2F2F2"/>
+                    </a:solidFill>
+                  </a:tcPr>
+                </a:tc>
+                <a:tc>
+                  <a:txBody>
+                    <a:bodyPr/>
+                    <a:lstStyle/>
+                    <a:p>
+                      <a:r>
+                        <a:rPr sz="1000"/>
+                        <a:t>-3.75868</a:t>
+                      </a:r>
+                    </a:p>
+                  </a:txBody>
+                  <a:tcPr>
+                    <a:solidFill>
+                      <a:srgbClr val="F2F2F2"/>
+                    </a:solidFill>
+                  </a:tcPr>
+                </a:tc>
+                <a:tc>
+                  <a:txBody>
+                    <a:bodyPr/>
+                    <a:lstStyle/>
+                    <a:p>
+                      <a:r>
+                        <a:rPr sz="1000"/>
+                        <a:t>-1.90188</a:t>
+                      </a:r>
+                    </a:p>
+                  </a:txBody>
+                  <a:tcPr>
+                    <a:solidFill>
+                      <a:srgbClr val="F2F2F2"/>
+                    </a:solidFill>
+                  </a:tcPr>
+                </a:tc>
+                <a:tc>
+                  <a:txBody>
+                    <a:bodyPr/>
+                    <a:lstStyle/>
+                    <a:p>
+                      <a:r>
+                        <a:rPr sz="1000"/>
+                        <a:t>Significant</a:t>
+                      </a:r>
+                    </a:p>
+                  </a:txBody>
+                  <a:tcPr>
+                    <a:solidFill>
+                      <a:srgbClr val="F2F2F2"/>
+                    </a:solidFill>
+                  </a:tcPr>
+                </a:tc>
+              </a:tr>
+              <a:tr h="342900">
+                <a:tc>
+                  <a:txBody>
+                    <a:bodyPr/>
+                    <a:lstStyle/>
+                    <a:p>
+                      <a:r>
+                        <a:rPr sz="1000"/>
+                        <a:t>Rack_Unit[6]</a:t>
+                      </a:r>
+                    </a:p>
+                  </a:txBody>
+                  <a:tcPr/>
+                </a:tc>
+                <a:tc>
+                  <a:txBody>
+                    <a:bodyPr/>
+                    <a:lstStyle/>
+                    <a:p>
+                      <a:r>
+                        <a:rPr sz="1000"/>
+                        <a:t>-1.24505</a:t>
+                      </a:r>
+                    </a:p>
+                  </a:txBody>
+                  <a:tcPr/>
+                </a:tc>
+                <a:tc>
+                  <a:txBody>
+                    <a:bodyPr/>
+                    <a:lstStyle/>
+                    <a:p>
+                      <a:r>
+                        <a:rPr sz="1000"/>
+                        <a:t>0.26672</a:t>
+                      </a:r>
+                    </a:p>
+                  </a:txBody>
+                  <a:tcPr/>
+                </a:tc>
+                <a:tc>
+                  <a:txBody>
+                    <a:bodyPr/>
+                    <a:lstStyle/>
+                    <a:p>
+                      <a:r>
+                        <a:rPr sz="1000"/>
+                        <a:t>-4.66801</a:t>
+                      </a:r>
+                    </a:p>
+                  </a:txBody>
+                  <a:tcPr/>
+                </a:tc>
+                <a:tc>
+                  <a:txBody>
+                    <a:bodyPr/>
+                    <a:lstStyle/>
+                    <a:p>
+                      <a:r>
+                        <a:rPr sz="1000"/>
+                        <a:t>3.00e-06</a:t>
+                      </a:r>
+                    </a:p>
+                  </a:txBody>
+                  <a:tcPr/>
+                </a:tc>
+                <a:tc>
+                  <a:txBody>
+                    <a:bodyPr/>
+                    <a:lstStyle/>
+                    <a:p>
+                      <a:r>
+                        <a:rPr sz="1000"/>
+                        <a:t>-1.7679</a:t>
+                      </a:r>
+                    </a:p>
+                  </a:txBody>
+                  <a:tcPr/>
+                </a:tc>
+                <a:tc>
+                  <a:txBody>
+                    <a:bodyPr/>
+                    <a:lstStyle/>
+                    <a:p>
+                      <a:r>
+                        <a:rPr sz="1000"/>
+                        <a:t>-0.722203</a:t>
+                      </a:r>
+                    </a:p>
+                  </a:txBody>
+                  <a:tcPr/>
+                </a:tc>
+                <a:tc>
+                  <a:txBody>
+                    <a:bodyPr/>
+                    <a:lstStyle/>
+                    <a:p>
+                      <a:r>
+                        <a:rPr sz="1000"/>
+                        <a:t>Significant</a:t>
+                      </a:r>
+                    </a:p>
+                  </a:txBody>
+                  <a:tcPr/>
+                </a:tc>
+              </a:tr>
+              <a:tr h="342900">
+                <a:tc>
+                  <a:txBody>
+                    <a:bodyPr/>
+                    <a:lstStyle/>
+                    <a:p>
+                      <a:r>
+                        <a:rPr sz="1000"/>
+                        <a:t>Transceiver_Manufacturer[O-NET]</a:t>
+                      </a:r>
+                    </a:p>
+                  </a:txBody>
+                  <a:tcPr>
+                    <a:solidFill>
+                      <a:srgbClr val="F2F2F2"/>
+                    </a:solidFill>
+                  </a:tcPr>
+                </a:tc>
+                <a:tc>
+                  <a:txBody>
+                    <a:bodyPr/>
+                    <a:lstStyle/>
+                    <a:p>
+                      <a:r>
+                        <a:rPr sz="1000"/>
+                        <a:t>-2.49321</a:t>
+                      </a:r>
+                    </a:p>
+                  </a:txBody>
+                  <a:tcPr>
+                    <a:solidFill>
+                      <a:srgbClr val="F2F2F2"/>
+                    </a:solidFill>
+                  </a:tcPr>
+                </a:tc>
+                <a:tc>
+                  <a:txBody>
+                    <a:bodyPr/>
+                    <a:lstStyle/>
+                    <a:p>
+                      <a:r>
+                        <a:rPr sz="1000"/>
+                        <a:t>0.544998</a:t>
+                      </a:r>
+                    </a:p>
+                  </a:txBody>
+                  <a:tcPr>
+                    <a:solidFill>
+                      <a:srgbClr val="F2F2F2"/>
+                    </a:solidFill>
+                  </a:tcPr>
+                </a:tc>
+                <a:tc>
+                  <a:txBody>
+                    <a:bodyPr/>
+                    <a:lstStyle/>
+                    <a:p>
+                      <a:r>
+                        <a:rPr sz="1000"/>
+                        <a:t>-4.57471</a:t>
+                      </a:r>
+                    </a:p>
+                  </a:txBody>
+                  <a:tcPr>
+                    <a:solidFill>
+                      <a:srgbClr val="F2F2F2"/>
+                    </a:solidFill>
+                  </a:tcPr>
+                </a:tc>
+                <a:tc>
+                  <a:txBody>
+                    <a:bodyPr/>
+                    <a:lstStyle/>
+                    <a:p>
+                      <a:r>
+                        <a:rPr sz="1000"/>
+                        <a:t>5.00e-06</a:t>
+                      </a:r>
+                    </a:p>
+                  </a:txBody>
+                  <a:tcPr>
+                    <a:solidFill>
+                      <a:srgbClr val="F2F2F2"/>
+                    </a:solidFill>
+                  </a:tcPr>
+                </a:tc>
+                <a:tc>
+                  <a:txBody>
+                    <a:bodyPr/>
+                    <a:lstStyle/>
+                    <a:p>
+                      <a:r>
+                        <a:rPr sz="1000"/>
+                        <a:t>-3.56156</a:t>
+                      </a:r>
+                    </a:p>
+                  </a:txBody>
+                  <a:tcPr>
+                    <a:solidFill>
+                      <a:srgbClr val="F2F2F2"/>
+                    </a:solidFill>
+                  </a:tcPr>
+                </a:tc>
+                <a:tc>
+                  <a:txBody>
+                    <a:bodyPr/>
+                    <a:lstStyle/>
+                    <a:p>
+                      <a:r>
+                        <a:rPr sz="1000"/>
+                        <a:t>-1.42486</a:t>
+                      </a:r>
+                    </a:p>
+                  </a:txBody>
+                  <a:tcPr>
+                    <a:solidFill>
+                      <a:srgbClr val="F2F2F2"/>
+                    </a:solidFill>
+                  </a:tcPr>
+                </a:tc>
+                <a:tc>
+                  <a:txBody>
+                    <a:bodyPr/>
+                    <a:lstStyle/>
+                    <a:p>
+                      <a:r>
+                        <a:rPr sz="1000"/>
+                        <a:t>Significant</a:t>
+                      </a:r>
+                    </a:p>
+                  </a:txBody>
+                  <a:tcPr>
+                    <a:solidFill>
+                      <a:srgbClr val="F2F2F2"/>
+                    </a:solidFill>
+                  </a:tcPr>
+                </a:tc>
+              </a:tr>
+              <a:tr h="342900">
+                <a:tc>
+                  <a:txBody>
+                    <a:bodyPr/>
+                    <a:lstStyle/>
+                    <a:p>
+                      <a:r>
+                        <a:rPr sz="1000"/>
+                        <a:t>Transceiver_Manufacturer[Hisense]</a:t>
+                      </a:r>
+                    </a:p>
+                  </a:txBody>
+                  <a:tcPr/>
+                </a:tc>
+                <a:tc>
+                  <a:txBody>
+                    <a:bodyPr/>
+                    <a:lstStyle/>
+                    <a:p>
+                      <a:r>
+                        <a:rPr sz="1000"/>
+                        <a:t>-1.72336</a:t>
+                      </a:r>
+                    </a:p>
+                  </a:txBody>
+                  <a:tcPr/>
+                </a:tc>
+                <a:tc>
+                  <a:txBody>
+                    <a:bodyPr/>
+                    <a:lstStyle/>
+                    <a:p>
+                      <a:r>
+                        <a:rPr sz="1000"/>
+                        <a:t>0.406196</a:t>
+                      </a:r>
+                    </a:p>
+                  </a:txBody>
+                  <a:tcPr/>
+                </a:tc>
+                <a:tc>
+                  <a:txBody>
+                    <a:bodyPr/>
+                    <a:lstStyle/>
+                    <a:p>
+                      <a:r>
+                        <a:rPr sz="1000"/>
+                        <a:t>-4.24268</a:t>
+                      </a:r>
+                    </a:p>
+                  </a:txBody>
+                  <a:tcPr/>
+                </a:tc>
+                <a:tc>
+                  <a:txBody>
+                    <a:bodyPr/>
+                    <a:lstStyle/>
+                    <a:p>
+                      <a:r>
+                        <a:rPr sz="1000"/>
+                        <a:t>2.20e-05</a:t>
+                      </a:r>
+                    </a:p>
+                  </a:txBody>
+                  <a:tcPr/>
+                </a:tc>
+                <a:tc>
+                  <a:txBody>
+                    <a:bodyPr/>
+                    <a:lstStyle/>
+                    <a:p>
+                      <a:r>
+                        <a:rPr sz="1000"/>
+                        <a:t>-2.51962</a:t>
+                      </a:r>
+                    </a:p>
+                  </a:txBody>
+                  <a:tcPr/>
+                </a:tc>
+                <a:tc>
+                  <a:txBody>
+                    <a:bodyPr/>
+                    <a:lstStyle/>
+                    <a:p>
+                      <a:r>
+                        <a:rPr sz="1000"/>
+                        <a:t>-0.927099</a:t>
+                      </a:r>
+                    </a:p>
+                  </a:txBody>
+                  <a:tcPr/>
+                </a:tc>
+                <a:tc>
+                  <a:txBody>
+                    <a:bodyPr/>
+                    <a:lstStyle/>
+                    <a:p>
+                      <a:r>
+                        <a:rPr sz="1000"/>
+                        <a:t>Significant</a:t>
+                      </a:r>
+                    </a:p>
+                  </a:txBody>
+                  <a:tcPr/>
+                </a:tc>
+              </a:tr>
+              <a:tr h="342900">
+                <a:tc>
+                  <a:txBody>
+                    <a:bodyPr/>
+                    <a:lstStyle/>
+                    <a:p>
+                      <a:r>
+                        <a:rPr sz="1000"/>
+                        <a:t>Rack_Unit[7]</a:t>
+                      </a:r>
+                    </a:p>
+                  </a:txBody>
+                  <a:tcPr>
+                    <a:solidFill>
+                      <a:srgbClr val="F2F2F2"/>
+                    </a:solidFill>
+                  </a:tcPr>
+                </a:tc>
+                <a:tc>
+                  <a:txBody>
+                    <a:bodyPr/>
+                    <a:lstStyle/>
+                    <a:p>
+                      <a:r>
+                        <a:rPr sz="1000"/>
+                        <a:t>-0.803411</a:t>
+                      </a:r>
+                    </a:p>
+                  </a:txBody>
+                  <a:tcPr>
+                    <a:solidFill>
+                      <a:srgbClr val="F2F2F2"/>
+                    </a:solidFill>
+                  </a:tcPr>
+                </a:tc>
+                <a:tc>
+                  <a:txBody>
+                    <a:bodyPr/>
+                    <a:lstStyle/>
+                    <a:p>
+                      <a:r>
+                        <a:rPr sz="1000"/>
+                        <a:t>0.237452</a:t>
+                      </a:r>
+                    </a:p>
+                  </a:txBody>
+                  <a:tcPr>
+                    <a:solidFill>
+                      <a:srgbClr val="F2F2F2"/>
+                    </a:solidFill>
+                  </a:tcPr>
+                </a:tc>
+                <a:tc>
+                  <a:txBody>
+                    <a:bodyPr/>
+                    <a:lstStyle/>
+                    <a:p>
+                      <a:r>
+                        <a:rPr sz="1000"/>
+                        <a:t>-3.38346</a:t>
+                      </a:r>
+                    </a:p>
+                  </a:txBody>
+                  <a:tcPr>
+                    <a:solidFill>
+                      <a:srgbClr val="F2F2F2"/>
+                    </a:solidFill>
+                  </a:tcPr>
+                </a:tc>
+                <a:tc>
+                  <a:txBody>
+                    <a:bodyPr/>
+                    <a:lstStyle/>
+                    <a:p>
+                      <a:r>
+                        <a:rPr sz="1000"/>
+                        <a:t>7.20e-04</a:t>
+                      </a:r>
+                    </a:p>
+                  </a:txBody>
+                  <a:tcPr>
+                    <a:solidFill>
+                      <a:srgbClr val="F2F2F2"/>
+                    </a:solidFill>
+                  </a:tcPr>
+                </a:tc>
+                <a:tc>
+                  <a:txBody>
+                    <a:bodyPr/>
+                    <a:lstStyle/>
+                    <a:p>
+                      <a:r>
+                        <a:rPr sz="1000"/>
+                        <a:t>-1.26889</a:t>
+                      </a:r>
+                    </a:p>
+                  </a:txBody>
+                  <a:tcPr>
+                    <a:solidFill>
+                      <a:srgbClr val="F2F2F2"/>
+                    </a:solidFill>
+                  </a:tcPr>
+                </a:tc>
+                <a:tc>
+                  <a:txBody>
+                    <a:bodyPr/>
+                    <a:lstStyle/>
+                    <a:p>
+                      <a:r>
+                        <a:rPr sz="1000"/>
+                        <a:t>-0.337936</a:t>
+                      </a:r>
+                    </a:p>
+                  </a:txBody>
+                  <a:tcPr>
+                    <a:solidFill>
+                      <a:srgbClr val="F2F2F2"/>
+                    </a:solidFill>
+                  </a:tcPr>
+                </a:tc>
+                <a:tc>
+                  <a:txBody>
+                    <a:bodyPr/>
+                    <a:lstStyle/>
+                    <a:p>
+                      <a:r>
+                        <a:rPr sz="1000"/>
+                        <a:t>Significant</a:t>
+                      </a:r>
+                    </a:p>
+                  </a:txBody>
+                  <a:tcPr>
+                    <a:solidFill>
+                      <a:srgbClr val="F2F2F2"/>
+                    </a:solidFill>
+                  </a:tcPr>
+                </a:tc>
+              </a:tr>
+              <a:tr h="342900">
+                <a:tc>
+                  <a:txBody>
+                    <a:bodyPr/>
+                    <a:lstStyle/>
+                    <a:p>
+                      <a:r>
+                        <a:rPr sz="1000"/>
+                        <a:t>Rack_Unit[23]</a:t>
+                      </a:r>
+                    </a:p>
+                  </a:txBody>
+                  <a:tcPr/>
+                </a:tc>
+                <a:tc>
+                  <a:txBody>
+                    <a:bodyPr/>
+                    <a:lstStyle/>
+                    <a:p>
+                      <a:r>
+                        <a:rPr sz="1000"/>
+                        <a:t>-2.21613</a:t>
+                      </a:r>
+                    </a:p>
+                  </a:txBody>
+                  <a:tcPr/>
+                </a:tc>
+                <a:tc>
+                  <a:txBody>
+                    <a:bodyPr/>
+                    <a:lstStyle/>
+                    <a:p>
+                      <a:r>
+                        <a:rPr sz="1000"/>
+                        <a:t>0.665311</a:t>
+                      </a:r>
+                    </a:p>
+                  </a:txBody>
+                  <a:tcPr/>
+                </a:tc>
+                <a:tc>
+                  <a:txBody>
+                    <a:bodyPr/>
+                    <a:lstStyle/>
+                    <a:p>
+                      <a:r>
+                        <a:rPr sz="1000"/>
+                        <a:t>-3.33096</a:t>
+                      </a:r>
+                    </a:p>
+                  </a:txBody>
+                  <a:tcPr/>
+                </a:tc>
+                <a:tc>
+                  <a:txBody>
+                    <a:bodyPr/>
+                    <a:lstStyle/>
+                    <a:p>
+                      <a:r>
+                        <a:rPr sz="1000"/>
+                        <a:t>8.70e-04</a:t>
+                      </a:r>
+                    </a:p>
+                  </a:txBody>
+                  <a:tcPr/>
+                </a:tc>
+                <a:tc>
+                  <a:txBody>
+                    <a:bodyPr/>
+                    <a:lstStyle/>
+                    <a:p>
+                      <a:r>
+                        <a:rPr sz="1000"/>
+                        <a:t>-3.52033</a:t>
+                      </a:r>
+                    </a:p>
+                  </a:txBody>
+                  <a:tcPr/>
+                </a:tc>
+                <a:tc>
+                  <a:txBody>
+                    <a:bodyPr/>
+                    <a:lstStyle/>
+                    <a:p>
+                      <a:r>
+                        <a:rPr sz="1000"/>
+                        <a:t>-0.911928</a:t>
+                      </a:r>
+                    </a:p>
+                  </a:txBody>
+                  <a:tcPr/>
+                </a:tc>
+                <a:tc>
+                  <a:txBody>
+                    <a:bodyPr/>
+                    <a:lstStyle/>
+                    <a:p>
+                      <a:r>
+                        <a:rPr sz="1000"/>
+                        <a:t>Significant</a:t>
+                      </a:r>
+                    </a:p>
+                  </a:txBody>
+                  <a:tcPr/>
+                </a:tc>
+              </a:tr>
+              <a:tr h="342900">
+                <a:tc>
+                  <a:txBody>
+                    <a:bodyPr/>
+                    <a:lstStyle/>
+                    <a:p>
+                      <a:r>
+                        <a:rPr sz="1000"/>
+                        <a:t>Rack_Unit[24]</a:t>
+                      </a:r>
+                    </a:p>
+                  </a:txBody>
+                  <a:tcPr>
+                    <a:solidFill>
+                      <a:srgbClr val="F2F2F2"/>
+                    </a:solidFill>
+                  </a:tcPr>
+                </a:tc>
+                <a:tc>
+                  <a:txBody>
+                    <a:bodyPr/>
+                    <a:lstStyle/>
+                    <a:p>
+                      <a:r>
+                        <a:rPr sz="1000"/>
+                        <a:t>-2.49384</a:t>
+                      </a:r>
+                    </a:p>
+                  </a:txBody>
+                  <a:tcPr>
+                    <a:solidFill>
+                      <a:srgbClr val="F2F2F2"/>
+                    </a:solidFill>
+                  </a:tcPr>
+                </a:tc>
+                <a:tc>
+                  <a:txBody>
+                    <a:bodyPr/>
+                    <a:lstStyle/>
+                    <a:p>
+                      <a:r>
+                        <a:rPr sz="1000"/>
+                        <a:t>0.766877</a:t>
+                      </a:r>
+                    </a:p>
+                  </a:txBody>
+                  <a:tcPr>
+                    <a:solidFill>
+                      <a:srgbClr val="F2F2F2"/>
+                    </a:solidFill>
+                  </a:tcPr>
+                </a:tc>
+                <a:tc>
+                  <a:txBody>
+                    <a:bodyPr/>
+                    <a:lstStyle/>
+                    <a:p>
+                      <a:r>
+                        <a:rPr sz="1000"/>
+                        <a:t>-3.25195</a:t>
+                      </a:r>
+                    </a:p>
+                  </a:txBody>
+                  <a:tcPr>
+                    <a:solidFill>
+                      <a:srgbClr val="F2F2F2"/>
+                    </a:solidFill>
+                  </a:tcPr>
+                </a:tc>
+                <a:tc>
+                  <a:txBody>
+                    <a:bodyPr/>
+                    <a:lstStyle/>
+                    <a:p>
+                      <a:r>
+                        <a:rPr sz="1000"/>
+                        <a:t>0.001151</a:t>
+                      </a:r>
+                    </a:p>
+                  </a:txBody>
+                  <a:tcPr>
+                    <a:solidFill>
+                      <a:srgbClr val="F2F2F2"/>
+                    </a:solidFill>
+                  </a:tcPr>
+                </a:tc>
+                <a:tc>
+                  <a:txBody>
+                    <a:bodyPr/>
+                    <a:lstStyle/>
+                    <a:p>
+                      <a:r>
+                        <a:rPr sz="1000"/>
+                        <a:t>-3.99714</a:t>
+                      </a:r>
+                    </a:p>
+                  </a:txBody>
+                  <a:tcPr>
+                    <a:solidFill>
+                      <a:srgbClr val="F2F2F2"/>
+                    </a:solidFill>
+                  </a:tcPr>
+                </a:tc>
+                <a:tc>
+                  <a:txBody>
+                    <a:bodyPr/>
+                    <a:lstStyle/>
+                    <a:p>
+                      <a:r>
+                        <a:rPr sz="1000"/>
+                        <a:t>-0.990544</a:t>
+                      </a:r>
+                    </a:p>
+                  </a:txBody>
+                  <a:tcPr>
+                    <a:solidFill>
+                      <a:srgbClr val="F2F2F2"/>
+                    </a:solidFill>
+                  </a:tcPr>
+                </a:tc>
+                <a:tc>
+                  <a:txBody>
+                    <a:bodyPr/>
+                    <a:lstStyle/>
+                    <a:p>
+                      <a:r>
+                        <a:rPr sz="1000"/>
+                        <a:t>Significant</a:t>
+                      </a:r>
+                    </a:p>
+                  </a:txBody>
+                  <a:tcPr>
+                    <a:solidFill>
+                      <a:srgbClr val="F2F2F2"/>
+                    </a:solidFill>
+                  </a:tcPr>
+                </a:tc>
+              </a:tr>
+            </a:tbl>
+          </a:graphicData>
+        </a:graphic>
+      </p:graphicFrame>
     </p:spTree>
   </p:cSld>
   <p:clrMapOvr>
@@ -8005,7 +12124,7 @@
               </a:defRPr>
             </a:pPr>
             <a:r>
-              <a:t>Analysis Chart 6</a:t>
+              <a:t>Leverage Plot 1</a:t>
             </a:r>
           </a:p>
         </p:txBody>
@@ -8117,7 +12236,7 @@
               </a:defRPr>
             </a:pPr>
             <a:r>
-              <a:t>Analysis Chart 7</a:t>
+              <a:t>Leverage Plot 2</a:t>
             </a:r>
           </a:p>
         </p:txBody>
@@ -8229,7 +12348,7 @@
               </a:defRPr>
             </a:pPr>
             <a:r>
-              <a:t>Analysis Chart 8</a:t>
+              <a:t>Leverage Plot 3</a:t>
             </a:r>
           </a:p>
         </p:txBody>

--- a/outputs/doe_analysis_report.pptx
+++ b/outputs/doe_analysis_report.pptx
@@ -4447,7 +4447,7 @@
         <p:spPr>
           <a:xfrm>
             <a:off x="914400" y="1280160"/>
-            <a:ext cx="7315200" cy="4180114"/>
+            <a:ext cx="7315200" cy="5486400"/>
           </a:xfrm>
           <a:prstGeom prst="rect">
             <a:avLst/>

--- a/outputs/doe_analysis_report.pptx
+++ b/outputs/doe_analysis_report.pptx
@@ -5670,8 +5670,8 @@
         </p:nvSpPr>
         <p:spPr>
           <a:xfrm>
-            <a:off x="640080" y="1280160"/>
-            <a:ext cx="7863840" cy="4754880"/>
+            <a:off x="640080" y="1371600"/>
+            <a:ext cx="7863840" cy="1371600"/>
           </a:xfrm>
           <a:prstGeom prst="rect">
             <a:avLst/>
@@ -5684,54 +5684,133 @@
           </a:bodyPr>
           <a:lstStyle/>
           <a:p>
-            <a:pPr>
-              <a:defRPr sz="1600"/>
+            <a:pPr algn="ctr">
+              <a:defRPr sz="3200" b="1">
+                <a:solidFill>
+                  <a:srgbClr val="C00000"/>
+                </a:solidFill>
+              </a:defRPr>
             </a:pPr>
-            <a:r>
-              <a:t>Model Equation:</a:t>
-            </a:r>
-            <a:br/>
-            <a:br/>
             <a:r>
               <a:t>Interface_Temp = β₀ + Σ(β_i × Factor_i) + ε</a:t>
             </a:r>
-            <a:br/>
-            <a:br/>
+          </a:p>
+        </p:txBody>
+      </p:sp>
+      <p:sp>
+        <p:nvSpPr>
+          <p:cNvPr id="5" name="TextBox 4"/>
+          <p:cNvSpPr txBox="1"/>
+          <p:nvPr/>
+        </p:nvSpPr>
+        <p:spPr>
+          <a:xfrm>
+            <a:off x="640080" y="2926080"/>
+            <a:ext cx="7863840" cy="2286000"/>
+          </a:xfrm>
+          <a:prstGeom prst="rect">
+            <a:avLst/>
+          </a:prstGeom>
+          <a:noFill/>
+        </p:spPr>
+        <p:txBody>
+          <a:bodyPr wrap="square">
+            <a:spAutoFit/>
+          </a:bodyPr>
+          <a:lstStyle/>
+          <a:p>
+            <a:pPr>
+              <a:defRPr sz="1800">
+                <a:solidFill>
+                  <a:srgbClr val="323232"/>
+                </a:solidFill>
+              </a:defRPr>
+            </a:pPr>
             <a:r>
               <a:t>Where:</a:t>
             </a:r>
-            <a:br/>
+          </a:p>
+          <a:p>
+            <a:pPr>
+              <a:defRPr sz="1800">
+                <a:solidFill>
+                  <a:srgbClr val="323232"/>
+                </a:solidFill>
+              </a:defRPr>
+            </a:pPr>
             <a:r>
               <a:t>• β₀ = Intercept</a:t>
             </a:r>
-            <a:br/>
+          </a:p>
+          <a:p>
+            <a:pPr>
+              <a:defRPr sz="1800">
+                <a:solidFill>
+                  <a:srgbClr val="323232"/>
+                </a:solidFill>
+              </a:defRPr>
+            </a:pPr>
             <a:r>
               <a:t>• β_i = Parameter coefficients</a:t>
             </a:r>
-            <a:br/>
+          </a:p>
+          <a:p>
+            <a:pPr>
+              <a:defRPr sz="1800">
+                <a:solidFill>
+                  <a:srgbClr val="323232"/>
+                </a:solidFill>
+              </a:defRPr>
+            </a:pPr>
             <a:r>
               <a:t>• Factor_i = Design factors (Transceiver, Fan Speed, Rack Unit)</a:t>
             </a:r>
-            <a:br/>
+          </a:p>
+          <a:p>
+            <a:pPr>
+              <a:defRPr sz="1800">
+                <a:solidFill>
+                  <a:srgbClr val="323232"/>
+                </a:solidFill>
+              </a:defRPr>
+            </a:pPr>
             <a:r>
               <a:t>• ε = Random error term</a:t>
             </a:r>
-            <a:br/>
-            <a:br/>
+          </a:p>
+        </p:txBody>
+      </p:sp>
+      <p:sp>
+        <p:nvSpPr>
+          <p:cNvPr id="6" name="TextBox 5"/>
+          <p:cNvSpPr txBox="1"/>
+          <p:nvPr/>
+        </p:nvSpPr>
+        <p:spPr>
+          <a:xfrm>
+            <a:off x="640080" y="5394960"/>
+            <a:ext cx="7863840" cy="1097280"/>
+          </a:xfrm>
+          <a:prstGeom prst="rect">
+            <a:avLst/>
+          </a:prstGeom>
+          <a:noFill/>
+        </p:spPr>
+        <p:txBody>
+          <a:bodyPr wrap="square">
+            <a:spAutoFit/>
+          </a:bodyPr>
+          <a:lstStyle/>
+          <a:p>
+            <a:pPr algn="ctr">
+              <a:defRPr sz="1400">
+                <a:solidFill>
+                  <a:srgbClr val="646464"/>
+                </a:solidFill>
+              </a:defRPr>
+            </a:pPr>
             <a:r>
-              <a:t>Full Model: 820 parameters</a:t>
-            </a:r>
-            <a:br/>
-            <a:r>
-              <a:t>Model Type: Multiple Linear Regression</a:t>
-            </a:r>
-            <a:br/>
-            <a:r>
-              <a:t>Response Variable: Interface_Temp</a:t>
-            </a:r>
-            <a:br/>
-            <a:r>
-              <a:t>        </a:t>
+              <a:t>Full Model: 820 parameters | Model Type: Multiple Linear Regression | Response: Interface_Temp</a:t>
             </a:r>
           </a:p>
         </p:txBody>

--- a/outputs/doe_analysis_report.pptx
+++ b/outputs/doe_analysis_report.pptx
@@ -4447,7 +4447,7 @@
         <p:spPr>
           <a:xfrm>
             <a:off x="914400" y="1280160"/>
-            <a:ext cx="7315200" cy="5486400"/>
+            <a:ext cx="7315200" cy="5689600"/>
           </a:xfrm>
           <a:prstGeom prst="rect">
             <a:avLst/>

--- a/outputs/doe_analysis_report.pptx
+++ b/outputs/doe_analysis_report.pptx
@@ -4447,7 +4447,7 @@
         <p:spPr>
           <a:xfrm>
             <a:off x="914400" y="1280160"/>
-            <a:ext cx="7315200" cy="5689600"/>
+            <a:ext cx="7315200" cy="3657600"/>
           </a:xfrm>
           <a:prstGeom prst="rect">
             <a:avLst/>

--- a/outputs/doe_analysis_report.pptx
+++ b/outputs/doe_analysis_report.pptx
@@ -62,6 +62,9 @@
     <p:sldId id="310" r:id="rId61"/>
     <p:sldId id="311" r:id="rId62"/>
     <p:sldId id="312" r:id="rId63"/>
+    <p:sldId id="313" r:id="rId64"/>
+    <p:sldId id="314" r:id="rId65"/>
+    <p:sldId id="315" r:id="rId66"/>
   </p:sldIdLst>
   <p:sldSz cx="9144000" cy="6858000" type="screen4x3"/>
   <p:notesSz cx="6858000" cy="9144000"/>
@@ -3270,7 +3273,7 @@
               </a:defRPr>
             </a:pPr>
             <a:r>
-              <a:t>Leverage Plot 4</a:t>
+              <a:t>Leverage Plot 1</a:t>
             </a:r>
           </a:p>
         </p:txBody>
@@ -3382,7 +3385,7 @@
               </a:defRPr>
             </a:pPr>
             <a:r>
-              <a:t>Leverage Plot 5</a:t>
+              <a:t>Leverage Plot 2</a:t>
             </a:r>
           </a:p>
         </p:txBody>
@@ -3494,7 +3497,7 @@
               </a:defRPr>
             </a:pPr>
             <a:r>
-              <a:t>Leverage Plot 6</a:t>
+              <a:t>Leverage Plot 3</a:t>
             </a:r>
           </a:p>
         </p:txBody>
@@ -3606,7 +3609,7 @@
               </a:defRPr>
             </a:pPr>
             <a:r>
-              <a:t>Leverage Plot 7</a:t>
+              <a:t>Leverage Plot 4</a:t>
             </a:r>
           </a:p>
         </p:txBody>
@@ -3718,7 +3721,7 @@
               </a:defRPr>
             </a:pPr>
             <a:r>
-              <a:t>Leverage Plot 8</a:t>
+              <a:t>Leverage Plot 5</a:t>
             </a:r>
           </a:p>
         </p:txBody>
@@ -3830,7 +3833,7 @@
               </a:defRPr>
             </a:pPr>
             <a:r>
-              <a:t>Leverage Plot 9</a:t>
+              <a:t>Leverage Plot 6</a:t>
             </a:r>
           </a:p>
         </p:txBody>
@@ -3942,7 +3945,7 @@
               </a:defRPr>
             </a:pPr>
             <a:r>
-              <a:t>Leverage Plot 10</a:t>
+              <a:t>Leverage Plot 7</a:t>
             </a:r>
           </a:p>
         </p:txBody>
@@ -4054,7 +4057,7 @@
               </a:defRPr>
             </a:pPr>
             <a:r>
-              <a:t>Leverage Plot 11</a:t>
+              <a:t>Leverage Plot 8</a:t>
             </a:r>
           </a:p>
         </p:txBody>
@@ -4166,7 +4169,7 @@
               </a:defRPr>
             </a:pPr>
             <a:r>
-              <a:t>Leverage Plot 12</a:t>
+              <a:t>Leverage Plot 9</a:t>
             </a:r>
           </a:p>
         </p:txBody>
@@ -4278,7 +4281,7 @@
               </a:defRPr>
             </a:pPr>
             <a:r>
-              <a:t>Leverage Plot 13</a:t>
+              <a:t>Leverage Plot 10</a:t>
             </a:r>
           </a:p>
         </p:txBody>
@@ -4502,7 +4505,7 @@
               </a:defRPr>
             </a:pPr>
             <a:r>
-              <a:t>Leverage Plot 14</a:t>
+              <a:t>Leverage Plot 11</a:t>
             </a:r>
           </a:p>
         </p:txBody>
@@ -4614,7 +4617,7 @@
               </a:defRPr>
             </a:pPr>
             <a:r>
-              <a:t>Leverage Plot 15</a:t>
+              <a:t>Leverage Plot 12</a:t>
             </a:r>
           </a:p>
         </p:txBody>
@@ -4726,7 +4729,7 @@
               </a:defRPr>
             </a:pPr>
             <a:r>
-              <a:t>Leverage Plot 16</a:t>
+              <a:t>Leverage Plot 13</a:t>
             </a:r>
           </a:p>
         </p:txBody>
@@ -4838,7 +4841,7 @@
               </a:defRPr>
             </a:pPr>
             <a:r>
-              <a:t>Leverage Plot 17</a:t>
+              <a:t>Leverage Plot 14</a:t>
             </a:r>
           </a:p>
         </p:txBody>
@@ -4950,7 +4953,7 @@
               </a:defRPr>
             </a:pPr>
             <a:r>
-              <a:t>Leverage Plot 18</a:t>
+              <a:t>Leverage Plot 15</a:t>
             </a:r>
           </a:p>
         </p:txBody>
@@ -5062,7 +5065,7 @@
               </a:defRPr>
             </a:pPr>
             <a:r>
-              <a:t>Leverage Plot 19</a:t>
+              <a:t>Leverage Plot 16</a:t>
             </a:r>
           </a:p>
         </p:txBody>
@@ -5174,7 +5177,7 @@
               </a:defRPr>
             </a:pPr>
             <a:r>
-              <a:t>Leverage Plot 20</a:t>
+              <a:t>Leverage Plot 17</a:t>
             </a:r>
           </a:p>
         </p:txBody>
@@ -5286,7 +5289,7 @@
               </a:defRPr>
             </a:pPr>
             <a:r>
-              <a:t>Leverage Plot 21</a:t>
+              <a:t>Leverage Plot 18</a:t>
             </a:r>
           </a:p>
         </p:txBody>
@@ -5398,7 +5401,7 @@
               </a:defRPr>
             </a:pPr>
             <a:r>
-              <a:t>Leverage Plot 22</a:t>
+              <a:t>Leverage Plot 19</a:t>
             </a:r>
           </a:p>
         </p:txBody>
@@ -5510,7 +5513,7 @@
               </a:defRPr>
             </a:pPr>
             <a:r>
-              <a:t>Leverage Plot 23</a:t>
+              <a:t>Leverage Plot 20</a:t>
             </a:r>
           </a:p>
         </p:txBody>
@@ -5863,7 +5866,7 @@
               </a:defRPr>
             </a:pPr>
             <a:r>
-              <a:t>Leverage Plot 24</a:t>
+              <a:t>Leverage Plot 21</a:t>
             </a:r>
           </a:p>
         </p:txBody>
@@ -5975,7 +5978,7 @@
               </a:defRPr>
             </a:pPr>
             <a:r>
-              <a:t>Leverage Plot 25</a:t>
+              <a:t>Leverage Plot 22</a:t>
             </a:r>
           </a:p>
         </p:txBody>
@@ -6087,7 +6090,7 @@
               </a:defRPr>
             </a:pPr>
             <a:r>
-              <a:t>Leverage Plot 26</a:t>
+              <a:t>Leverage Plot 23</a:t>
             </a:r>
           </a:p>
         </p:txBody>
@@ -6199,7 +6202,7 @@
               </a:defRPr>
             </a:pPr>
             <a:r>
-              <a:t>Leverage Plot 27</a:t>
+              <a:t>Leverage Plot 24</a:t>
             </a:r>
           </a:p>
         </p:txBody>
@@ -6311,7 +6314,7 @@
               </a:defRPr>
             </a:pPr>
             <a:r>
-              <a:t>Leverage Plot 28</a:t>
+              <a:t>Leverage Plot 25</a:t>
             </a:r>
           </a:p>
         </p:txBody>
@@ -6423,7 +6426,7 @@
               </a:defRPr>
             </a:pPr>
             <a:r>
-              <a:t>Leverage Plot 29</a:t>
+              <a:t>Leverage Plot 26</a:t>
             </a:r>
           </a:p>
         </p:txBody>
@@ -6535,7 +6538,7 @@
               </a:defRPr>
             </a:pPr>
             <a:r>
-              <a:t>Leverage Plot 30</a:t>
+              <a:t>Leverage Plot 27</a:t>
             </a:r>
           </a:p>
         </p:txBody>
@@ -6647,7 +6650,7 @@
               </a:defRPr>
             </a:pPr>
             <a:r>
-              <a:t>Leverage Plot 31</a:t>
+              <a:t>Leverage Plot 28</a:t>
             </a:r>
           </a:p>
         </p:txBody>
@@ -6759,7 +6762,7 @@
               </a:defRPr>
             </a:pPr>
             <a:r>
-              <a:t>Leverage Plot 32</a:t>
+              <a:t>Leverage Plot 29</a:t>
             </a:r>
           </a:p>
         </p:txBody>
@@ -6871,7 +6874,7 @@
               </a:defRPr>
             </a:pPr>
             <a:r>
-              <a:t>Leverage Plot 33</a:t>
+              <a:t>Leverage Plot 30</a:t>
             </a:r>
           </a:p>
         </p:txBody>
@@ -7557,7 +7560,7 @@
               </a:defRPr>
             </a:pPr>
             <a:r>
-              <a:t>Leverage Plot 34</a:t>
+              <a:t>Leverage Plot 31</a:t>
             </a:r>
           </a:p>
         </p:txBody>
@@ -7669,7 +7672,7 @@
               </a:defRPr>
             </a:pPr>
             <a:r>
-              <a:t>Leverage Plot 35</a:t>
+              <a:t>Leverage Plot 32</a:t>
             </a:r>
           </a:p>
         </p:txBody>
@@ -7781,7 +7784,7 @@
               </a:defRPr>
             </a:pPr>
             <a:r>
-              <a:t>Leverage Plot 36</a:t>
+              <a:t>Leverage Plot 33</a:t>
             </a:r>
           </a:p>
         </p:txBody>
@@ -7893,7 +7896,7 @@
               </a:defRPr>
             </a:pPr>
             <a:r>
-              <a:t>Leverage Plot 37</a:t>
+              <a:t>Leverage Plot 34</a:t>
             </a:r>
           </a:p>
         </p:txBody>
@@ -8005,7 +8008,7 @@
               </a:defRPr>
             </a:pPr>
             <a:r>
-              <a:t>Leverage Plot 38</a:t>
+              <a:t>Leverage Plot 35</a:t>
             </a:r>
           </a:p>
         </p:txBody>
@@ -8117,7 +8120,7 @@
               </a:defRPr>
             </a:pPr>
             <a:r>
-              <a:t>Leverage Plot 39</a:t>
+              <a:t>Leverage Plot 36</a:t>
             </a:r>
           </a:p>
         </p:txBody>
@@ -8229,7 +8232,7 @@
               </a:defRPr>
             </a:pPr>
             <a:r>
-              <a:t>Leverage Plot 40</a:t>
+              <a:t>Leverage Plot 37</a:t>
             </a:r>
           </a:p>
         </p:txBody>
@@ -8341,7 +8344,7 @@
               </a:defRPr>
             </a:pPr>
             <a:r>
-              <a:t>Leverage Plot 41</a:t>
+              <a:t>Leverage Plot 38</a:t>
             </a:r>
           </a:p>
         </p:txBody>
@@ -8453,7 +8456,7 @@
               </a:defRPr>
             </a:pPr>
             <a:r>
-              <a:t>Leverage Plot 42</a:t>
+              <a:t>Leverage Plot 39</a:t>
             </a:r>
           </a:p>
         </p:txBody>
@@ -8565,7 +8568,7 @@
               </a:defRPr>
             </a:pPr>
             <a:r>
-              <a:t>Leverage Plot 43</a:t>
+              <a:t>Leverage Plot 40</a:t>
             </a:r>
           </a:p>
         </p:txBody>
@@ -9659,7 +9662,7 @@
               </a:defRPr>
             </a:pPr>
             <a:r>
-              <a:t>Leverage Plot 44</a:t>
+              <a:t>Leverage Plot 41</a:t>
             </a:r>
           </a:p>
         </p:txBody>
@@ -9771,7 +9774,7 @@
               </a:defRPr>
             </a:pPr>
             <a:r>
-              <a:t>Leverage Plot 45</a:t>
+              <a:t>Leverage Plot 42</a:t>
             </a:r>
           </a:p>
         </p:txBody>
@@ -9883,7 +9886,7 @@
               </a:defRPr>
             </a:pPr>
             <a:r>
-              <a:t>Leverage Plot 46</a:t>
+              <a:t>Leverage Plot 43</a:t>
             </a:r>
           </a:p>
         </p:txBody>
@@ -9995,7 +9998,7 @@
               </a:defRPr>
             </a:pPr>
             <a:r>
-              <a:t>Leverage Plot 47</a:t>
+              <a:t>Leverage Plot 44</a:t>
             </a:r>
           </a:p>
         </p:txBody>
@@ -10107,7 +10110,7 @@
               </a:defRPr>
             </a:pPr>
             <a:r>
-              <a:t>Leverage Plot 48</a:t>
+              <a:t>Leverage Plot 45</a:t>
             </a:r>
           </a:p>
         </p:txBody>
@@ -10219,7 +10222,7 @@
               </a:defRPr>
             </a:pPr>
             <a:r>
-              <a:t>Leverage Plot 49</a:t>
+              <a:t>Leverage Plot 46</a:t>
             </a:r>
           </a:p>
         </p:txBody>
@@ -10331,7 +10334,7 @@
               </a:defRPr>
             </a:pPr>
             <a:r>
-              <a:t>Leverage Plot 50</a:t>
+              <a:t>Leverage Plot 47</a:t>
             </a:r>
           </a:p>
         </p:txBody>
@@ -10443,7 +10446,231 @@
               </a:defRPr>
             </a:pPr>
             <a:r>
-              <a:t>Leverage Plot 51</a:t>
+              <a:t>Leverage Plot 48</a:t>
+            </a:r>
+          </a:p>
+        </p:txBody>
+      </p:sp>
+      <p:cxnSp>
+        <p:nvCxnSpPr>
+          <p:cNvPr id="3" name="Connector 2"/>
+          <p:cNvCxnSpPr/>
+          <p:nvPr/>
+        </p:nvCxnSpPr>
+        <p:spPr>
+          <a:xfrm>
+            <a:off x="457200" y="1005840"/>
+            <a:ext cx="8229600" cy="0"/>
+          </a:xfrm>
+          <a:prstGeom prst="line">
+            <a:avLst/>
+          </a:prstGeom>
+          <a:ln w="25400">
+            <a:solidFill>
+              <a:srgbClr val="1F4E79"/>
+            </a:solidFill>
+          </a:ln>
+        </p:spPr>
+        <p:style>
+          <a:lnRef idx="2">
+            <a:schemeClr val="accent1"/>
+          </a:lnRef>
+          <a:fillRef idx="0">
+            <a:schemeClr val="accent1"/>
+          </a:fillRef>
+          <a:effectRef idx="1">
+            <a:schemeClr val="accent1"/>
+          </a:effectRef>
+          <a:fontRef idx="minor">
+            <a:schemeClr val="tx1"/>
+          </a:fontRef>
+        </p:style>
+      </p:cxnSp>
+      <p:pic>
+        <p:nvPicPr>
+          <p:cNvPr id="4" name="Picture 3" descr="image.png"/>
+          <p:cNvPicPr>
+            <a:picLocks noChangeAspect="1"/>
+          </p:cNvPicPr>
+          <p:nvPr/>
+        </p:nvPicPr>
+        <p:blipFill>
+          <a:blip r:embed="rId2"/>
+          <a:stretch>
+            <a:fillRect/>
+          </a:stretch>
+        </p:blipFill>
+        <p:spPr>
+          <a:xfrm>
+            <a:off x="914400" y="1280160"/>
+            <a:ext cx="7315200" cy="4180114"/>
+          </a:xfrm>
+          <a:prstGeom prst="rect">
+            <a:avLst/>
+          </a:prstGeom>
+        </p:spPr>
+      </p:pic>
+    </p:spTree>
+  </p:cSld>
+  <p:clrMapOvr>
+    <a:masterClrMapping/>
+  </p:clrMapOvr>
+</p:sld>
+</file>
+
+<file path=ppt/slides/slide58.xml><?xml version="1.0" encoding="utf-8"?>
+<p:sld xmlns:a="http://schemas.openxmlformats.org/drawingml/2006/main" xmlns:p="http://schemas.openxmlformats.org/presentationml/2006/main" xmlns:r="http://schemas.openxmlformats.org/officeDocument/2006/relationships">
+  <p:cSld>
+    <p:spTree>
+      <p:nvGrpSpPr>
+        <p:cNvPr id="1" name=""/>
+        <p:cNvGrpSpPr/>
+        <p:nvPr/>
+      </p:nvGrpSpPr>
+      <p:grpSpPr/>
+      <p:sp>
+        <p:nvSpPr>
+          <p:cNvPr id="2" name="TextBox 1"/>
+          <p:cNvSpPr txBox="1"/>
+          <p:nvPr/>
+        </p:nvSpPr>
+        <p:spPr>
+          <a:xfrm>
+            <a:off x="457200" y="365760"/>
+            <a:ext cx="8229600" cy="548640"/>
+          </a:xfrm>
+          <a:prstGeom prst="rect">
+            <a:avLst/>
+          </a:prstGeom>
+          <a:noFill/>
+        </p:spPr>
+        <p:txBody>
+          <a:bodyPr wrap="none">
+            <a:spAutoFit/>
+          </a:bodyPr>
+          <a:lstStyle/>
+          <a:p>
+            <a:pPr>
+              <a:defRPr sz="4000" b="1">
+                <a:solidFill>
+                  <a:srgbClr val="1F4E79"/>
+                </a:solidFill>
+              </a:defRPr>
+            </a:pPr>
+            <a:r>
+              <a:t>Leverage Plot 49</a:t>
+            </a:r>
+          </a:p>
+        </p:txBody>
+      </p:sp>
+      <p:cxnSp>
+        <p:nvCxnSpPr>
+          <p:cNvPr id="3" name="Connector 2"/>
+          <p:cNvCxnSpPr/>
+          <p:nvPr/>
+        </p:nvCxnSpPr>
+        <p:spPr>
+          <a:xfrm>
+            <a:off x="457200" y="1005840"/>
+            <a:ext cx="8229600" cy="0"/>
+          </a:xfrm>
+          <a:prstGeom prst="line">
+            <a:avLst/>
+          </a:prstGeom>
+          <a:ln w="25400">
+            <a:solidFill>
+              <a:srgbClr val="1F4E79"/>
+            </a:solidFill>
+          </a:ln>
+        </p:spPr>
+        <p:style>
+          <a:lnRef idx="2">
+            <a:schemeClr val="accent1"/>
+          </a:lnRef>
+          <a:fillRef idx="0">
+            <a:schemeClr val="accent1"/>
+          </a:fillRef>
+          <a:effectRef idx="1">
+            <a:schemeClr val="accent1"/>
+          </a:effectRef>
+          <a:fontRef idx="minor">
+            <a:schemeClr val="tx1"/>
+          </a:fontRef>
+        </p:style>
+      </p:cxnSp>
+      <p:pic>
+        <p:nvPicPr>
+          <p:cNvPr id="4" name="Picture 3" descr="image.png"/>
+          <p:cNvPicPr>
+            <a:picLocks noChangeAspect="1"/>
+          </p:cNvPicPr>
+          <p:nvPr/>
+        </p:nvPicPr>
+        <p:blipFill>
+          <a:blip r:embed="rId2"/>
+          <a:stretch>
+            <a:fillRect/>
+          </a:stretch>
+        </p:blipFill>
+        <p:spPr>
+          <a:xfrm>
+            <a:off x="914400" y="1280160"/>
+            <a:ext cx="7315200" cy="4180114"/>
+          </a:xfrm>
+          <a:prstGeom prst="rect">
+            <a:avLst/>
+          </a:prstGeom>
+        </p:spPr>
+      </p:pic>
+    </p:spTree>
+  </p:cSld>
+  <p:clrMapOvr>
+    <a:masterClrMapping/>
+  </p:clrMapOvr>
+</p:sld>
+</file>
+
+<file path=ppt/slides/slide59.xml><?xml version="1.0" encoding="utf-8"?>
+<p:sld xmlns:a="http://schemas.openxmlformats.org/drawingml/2006/main" xmlns:p="http://schemas.openxmlformats.org/presentationml/2006/main" xmlns:r="http://schemas.openxmlformats.org/officeDocument/2006/relationships">
+  <p:cSld>
+    <p:spTree>
+      <p:nvGrpSpPr>
+        <p:cNvPr id="1" name=""/>
+        <p:cNvGrpSpPr/>
+        <p:nvPr/>
+      </p:nvGrpSpPr>
+      <p:grpSpPr/>
+      <p:sp>
+        <p:nvSpPr>
+          <p:cNvPr id="2" name="TextBox 1"/>
+          <p:cNvSpPr txBox="1"/>
+          <p:nvPr/>
+        </p:nvSpPr>
+        <p:spPr>
+          <a:xfrm>
+            <a:off x="457200" y="365760"/>
+            <a:ext cx="8229600" cy="548640"/>
+          </a:xfrm>
+          <a:prstGeom prst="rect">
+            <a:avLst/>
+          </a:prstGeom>
+          <a:noFill/>
+        </p:spPr>
+        <p:txBody>
+          <a:bodyPr wrap="none">
+            <a:spAutoFit/>
+          </a:bodyPr>
+          <a:lstStyle/>
+          <a:p>
+            <a:pPr>
+              <a:defRPr sz="4000" b="1">
+                <a:solidFill>
+                  <a:srgbClr val="1F4E79"/>
+                </a:solidFill>
+              </a:defRPr>
+            </a:pPr>
+            <a:r>
+              <a:t>Leverage Plot 50</a:t>
             </a:r>
           </a:p>
         </p:txBody>
@@ -12163,6 +12390,118 @@
 </p:sld>
 </file>
 
+<file path=ppt/slides/slide60.xml><?xml version="1.0" encoding="utf-8"?>
+<p:sld xmlns:a="http://schemas.openxmlformats.org/drawingml/2006/main" xmlns:p="http://schemas.openxmlformats.org/presentationml/2006/main" xmlns:r="http://schemas.openxmlformats.org/officeDocument/2006/relationships">
+  <p:cSld>
+    <p:spTree>
+      <p:nvGrpSpPr>
+        <p:cNvPr id="1" name=""/>
+        <p:cNvGrpSpPr/>
+        <p:nvPr/>
+      </p:nvGrpSpPr>
+      <p:grpSpPr/>
+      <p:sp>
+        <p:nvSpPr>
+          <p:cNvPr id="2" name="TextBox 1"/>
+          <p:cNvSpPr txBox="1"/>
+          <p:nvPr/>
+        </p:nvSpPr>
+        <p:spPr>
+          <a:xfrm>
+            <a:off x="457200" y="365760"/>
+            <a:ext cx="8229600" cy="548640"/>
+          </a:xfrm>
+          <a:prstGeom prst="rect">
+            <a:avLst/>
+          </a:prstGeom>
+          <a:noFill/>
+        </p:spPr>
+        <p:txBody>
+          <a:bodyPr wrap="none">
+            <a:spAutoFit/>
+          </a:bodyPr>
+          <a:lstStyle/>
+          <a:p>
+            <a:pPr>
+              <a:defRPr sz="4000" b="1">
+                <a:solidFill>
+                  <a:srgbClr val="1F4E79"/>
+                </a:solidFill>
+              </a:defRPr>
+            </a:pPr>
+            <a:r>
+              <a:t>Leverage Plot 51</a:t>
+            </a:r>
+          </a:p>
+        </p:txBody>
+      </p:sp>
+      <p:cxnSp>
+        <p:nvCxnSpPr>
+          <p:cNvPr id="3" name="Connector 2"/>
+          <p:cNvCxnSpPr/>
+          <p:nvPr/>
+        </p:nvCxnSpPr>
+        <p:spPr>
+          <a:xfrm>
+            <a:off x="457200" y="1005840"/>
+            <a:ext cx="8229600" cy="0"/>
+          </a:xfrm>
+          <a:prstGeom prst="line">
+            <a:avLst/>
+          </a:prstGeom>
+          <a:ln w="25400">
+            <a:solidFill>
+              <a:srgbClr val="1F4E79"/>
+            </a:solidFill>
+          </a:ln>
+        </p:spPr>
+        <p:style>
+          <a:lnRef idx="2">
+            <a:schemeClr val="accent1"/>
+          </a:lnRef>
+          <a:fillRef idx="0">
+            <a:schemeClr val="accent1"/>
+          </a:fillRef>
+          <a:effectRef idx="1">
+            <a:schemeClr val="accent1"/>
+          </a:effectRef>
+          <a:fontRef idx="minor">
+            <a:schemeClr val="tx1"/>
+          </a:fontRef>
+        </p:style>
+      </p:cxnSp>
+      <p:pic>
+        <p:nvPicPr>
+          <p:cNvPr id="4" name="Picture 3" descr="image.png"/>
+          <p:cNvPicPr>
+            <a:picLocks noChangeAspect="1"/>
+          </p:cNvPicPr>
+          <p:nvPr/>
+        </p:nvPicPr>
+        <p:blipFill>
+          <a:blip r:embed="rId2"/>
+          <a:stretch>
+            <a:fillRect/>
+          </a:stretch>
+        </p:blipFill>
+        <p:spPr>
+          <a:xfrm>
+            <a:off x="914400" y="1280160"/>
+            <a:ext cx="7315200" cy="4180114"/>
+          </a:xfrm>
+          <a:prstGeom prst="rect">
+            <a:avLst/>
+          </a:prstGeom>
+        </p:spPr>
+      </p:pic>
+    </p:spTree>
+  </p:cSld>
+  <p:clrMapOvr>
+    <a:masterClrMapping/>
+  </p:clrMapOvr>
+</p:sld>
+</file>
+
 <file path=ppt/slides/slide7.xml><?xml version="1.0" encoding="utf-8"?>
 <p:sld xmlns:a="http://schemas.openxmlformats.org/drawingml/2006/main" xmlns:p="http://schemas.openxmlformats.org/presentationml/2006/main" xmlns:r="http://schemas.openxmlformats.org/officeDocument/2006/relationships">
   <p:cSld>
@@ -12203,7 +12542,7 @@
               </a:defRPr>
             </a:pPr>
             <a:r>
-              <a:t>Leverage Plot 1</a:t>
+              <a:t>Interaction Plot: Fan_Speed_Range × Rack_Unit</a:t>
             </a:r>
           </a:p>
         </p:txBody>
@@ -12260,7 +12599,7 @@
         <p:spPr>
           <a:xfrm>
             <a:off x="914400" y="1280160"/>
-            <a:ext cx="7315200" cy="4180114"/>
+            <a:ext cx="7315200" cy="4876800"/>
           </a:xfrm>
           <a:prstGeom prst="rect">
             <a:avLst/>
@@ -12315,7 +12654,7 @@
               </a:defRPr>
             </a:pPr>
             <a:r>
-              <a:t>Leverage Plot 2</a:t>
+              <a:t>Interaction Plot: Fan_Speed_Range × Transceiver_Manufacturer</a:t>
             </a:r>
           </a:p>
         </p:txBody>
@@ -12372,7 +12711,7 @@
         <p:spPr>
           <a:xfrm>
             <a:off x="914400" y="1280160"/>
-            <a:ext cx="7315200" cy="4180114"/>
+            <a:ext cx="7315200" cy="4876800"/>
           </a:xfrm>
           <a:prstGeom prst="rect">
             <a:avLst/>
@@ -12427,7 +12766,7 @@
               </a:defRPr>
             </a:pPr>
             <a:r>
-              <a:t>Leverage Plot 3</a:t>
+              <a:t>Interaction Plot: Rack_Unit × Transceiver_Manufacturer</a:t>
             </a:r>
           </a:p>
         </p:txBody>
@@ -12484,7 +12823,7 @@
         <p:spPr>
           <a:xfrm>
             <a:off x="914400" y="1280160"/>
-            <a:ext cx="7315200" cy="4180114"/>
+            <a:ext cx="7315200" cy="4876800"/>
           </a:xfrm>
           <a:prstGeom prst="rect">
             <a:avLst/>
